--- a/Presentatie/Alarm.pptx
+++ b/Presentatie/Alarm.pptx
@@ -1,70 +1,837 @@
 
 <file path=ppt/presentation.xml><?xml version="1.0" encoding="utf-8"?>
-<p:presentation xmlns:a="http://schemas.openxmlformats.org/drawingml/2006/main" xmlns:r="http://schemas.openxmlformats.org/officeDocument/2006/relationships" xmlns:p="http://schemas.openxmlformats.org/presentationml/2006/main" saveSubsetFonts="1">
+<p:presentation xmlns:a="http://schemas.openxmlformats.org/drawingml/2006/main" xmlns:r="http://schemas.openxmlformats.org/officeDocument/2006/relationships" xmlns:p="http://schemas.openxmlformats.org/presentationml/2006/main" strictFirstAndLastChars="0" saveSubsetFonts="1">
   <p:sldMasterIdLst>
-    <p:sldMasterId id="2147483648" r:id="rId1"/>
+    <p:sldMasterId id="2147483649" r:id="rId1"/>
   </p:sldMasterIdLst>
+  <p:notesMasterIdLst>
+    <p:notesMasterId r:id="rId7"/>
+  </p:notesMasterIdLst>
+  <p:handoutMasterIdLst>
+    <p:handoutMasterId r:id="rId8"/>
+  </p:handoutMasterIdLst>
   <p:sldIdLst>
-    <p:sldId id="256" r:id="rId2"/>
+    <p:sldId id="377" r:id="rId2"/>
+    <p:sldId id="381" r:id="rId3"/>
+    <p:sldId id="378" r:id="rId4"/>
+    <p:sldId id="379" r:id="rId5"/>
+    <p:sldId id="380" r:id="rId6"/>
   </p:sldIdLst>
-  <p:sldSz cx="12192000" cy="6858000"/>
-  <p:notesSz cx="6858000" cy="9144000"/>
+  <p:sldSz cx="9144000" cy="6858000" type="screen4x3"/>
+  <p:notesSz cx="6794500" cy="9931400"/>
   <p:defaultTextStyle>
     <a:defPPr>
-      <a:defRPr lang="nl-NL"/>
+      <a:defRPr lang="en-US"/>
     </a:defPPr>
-    <a:lvl1pPr marL="0" algn="l" defTabSz="914400" rtl="0" eaLnBrk="1" latinLnBrk="0" hangingPunct="1">
-      <a:defRPr sz="1800" kern="1200">
+    <a:lvl1pPr algn="ctr" rtl="0" fontAlgn="base">
+      <a:spcBef>
+        <a:spcPct val="0"/>
+      </a:spcBef>
+      <a:spcAft>
+        <a:spcPct val="0"/>
+      </a:spcAft>
+      <a:defRPr sz="2400" kern="1200">
         <a:solidFill>
           <a:schemeClr val="tx1"/>
         </a:solidFill>
-        <a:latin typeface="+mn-lt"/>
+        <a:latin typeface="Tahoma" panose="020B0604030504040204" pitchFamily="34" charset="0"/>
         <a:ea typeface="+mn-ea"/>
-        <a:cs typeface="+mn-cs"/>
+        <a:cs typeface="Arial" panose="020B0604020202020204" pitchFamily="34" charset="0"/>
       </a:defRPr>
     </a:lvl1pPr>
-    <a:lvl2pPr marL="457200" algn="l" defTabSz="914400" rtl="0" eaLnBrk="1" latinLnBrk="0" hangingPunct="1">
-      <a:defRPr sz="1800" kern="1200">
+    <a:lvl2pPr marL="457200" algn="ctr" rtl="0" fontAlgn="base">
+      <a:spcBef>
+        <a:spcPct val="0"/>
+      </a:spcBef>
+      <a:spcAft>
+        <a:spcPct val="0"/>
+      </a:spcAft>
+      <a:defRPr sz="2400" kern="1200">
         <a:solidFill>
           <a:schemeClr val="tx1"/>
         </a:solidFill>
-        <a:latin typeface="+mn-lt"/>
+        <a:latin typeface="Tahoma" panose="020B0604030504040204" pitchFamily="34" charset="0"/>
         <a:ea typeface="+mn-ea"/>
+        <a:cs typeface="Arial" panose="020B0604020202020204" pitchFamily="34" charset="0"/>
+      </a:defRPr>
+    </a:lvl2pPr>
+    <a:lvl3pPr marL="914400" algn="ctr" rtl="0" fontAlgn="base">
+      <a:spcBef>
+        <a:spcPct val="0"/>
+      </a:spcBef>
+      <a:spcAft>
+        <a:spcPct val="0"/>
+      </a:spcAft>
+      <a:defRPr sz="2400" kern="1200">
+        <a:solidFill>
+          <a:schemeClr val="tx1"/>
+        </a:solidFill>
+        <a:latin typeface="Tahoma" panose="020B0604030504040204" pitchFamily="34" charset="0"/>
+        <a:ea typeface="+mn-ea"/>
+        <a:cs typeface="Arial" panose="020B0604020202020204" pitchFamily="34" charset="0"/>
+      </a:defRPr>
+    </a:lvl3pPr>
+    <a:lvl4pPr marL="1371600" algn="ctr" rtl="0" fontAlgn="base">
+      <a:spcBef>
+        <a:spcPct val="0"/>
+      </a:spcBef>
+      <a:spcAft>
+        <a:spcPct val="0"/>
+      </a:spcAft>
+      <a:defRPr sz="2400" kern="1200">
+        <a:solidFill>
+          <a:schemeClr val="tx1"/>
+        </a:solidFill>
+        <a:latin typeface="Tahoma" panose="020B0604030504040204" pitchFamily="34" charset="0"/>
+        <a:ea typeface="+mn-ea"/>
+        <a:cs typeface="Arial" panose="020B0604020202020204" pitchFamily="34" charset="0"/>
+      </a:defRPr>
+    </a:lvl4pPr>
+    <a:lvl5pPr marL="1828800" algn="ctr" rtl="0" fontAlgn="base">
+      <a:spcBef>
+        <a:spcPct val="0"/>
+      </a:spcBef>
+      <a:spcAft>
+        <a:spcPct val="0"/>
+      </a:spcAft>
+      <a:defRPr sz="2400" kern="1200">
+        <a:solidFill>
+          <a:schemeClr val="tx1"/>
+        </a:solidFill>
+        <a:latin typeface="Tahoma" panose="020B0604030504040204" pitchFamily="34" charset="0"/>
+        <a:ea typeface="+mn-ea"/>
+        <a:cs typeface="Arial" panose="020B0604020202020204" pitchFamily="34" charset="0"/>
+      </a:defRPr>
+    </a:lvl5pPr>
+    <a:lvl6pPr marL="2286000" algn="l" defTabSz="914400" rtl="0" eaLnBrk="1" latinLnBrk="0" hangingPunct="1">
+      <a:defRPr sz="2400" kern="1200">
+        <a:solidFill>
+          <a:schemeClr val="tx1"/>
+        </a:solidFill>
+        <a:latin typeface="Tahoma" panose="020B0604030504040204" pitchFamily="34" charset="0"/>
+        <a:ea typeface="+mn-ea"/>
+        <a:cs typeface="Arial" panose="020B0604020202020204" pitchFamily="34" charset="0"/>
+      </a:defRPr>
+    </a:lvl6pPr>
+    <a:lvl7pPr marL="2743200" algn="l" defTabSz="914400" rtl="0" eaLnBrk="1" latinLnBrk="0" hangingPunct="1">
+      <a:defRPr sz="2400" kern="1200">
+        <a:solidFill>
+          <a:schemeClr val="tx1"/>
+        </a:solidFill>
+        <a:latin typeface="Tahoma" panose="020B0604030504040204" pitchFamily="34" charset="0"/>
+        <a:ea typeface="+mn-ea"/>
+        <a:cs typeface="Arial" panose="020B0604020202020204" pitchFamily="34" charset="0"/>
+      </a:defRPr>
+    </a:lvl7pPr>
+    <a:lvl8pPr marL="3200400" algn="l" defTabSz="914400" rtl="0" eaLnBrk="1" latinLnBrk="0" hangingPunct="1">
+      <a:defRPr sz="2400" kern="1200">
+        <a:solidFill>
+          <a:schemeClr val="tx1"/>
+        </a:solidFill>
+        <a:latin typeface="Tahoma" panose="020B0604030504040204" pitchFamily="34" charset="0"/>
+        <a:ea typeface="+mn-ea"/>
+        <a:cs typeface="Arial" panose="020B0604020202020204" pitchFamily="34" charset="0"/>
+      </a:defRPr>
+    </a:lvl8pPr>
+    <a:lvl9pPr marL="3657600" algn="l" defTabSz="914400" rtl="0" eaLnBrk="1" latinLnBrk="0" hangingPunct="1">
+      <a:defRPr sz="2400" kern="1200">
+        <a:solidFill>
+          <a:schemeClr val="tx1"/>
+        </a:solidFill>
+        <a:latin typeface="Tahoma" panose="020B0604030504040204" pitchFamily="34" charset="0"/>
+        <a:ea typeface="+mn-ea"/>
+        <a:cs typeface="Arial" panose="020B0604020202020204" pitchFamily="34" charset="0"/>
+      </a:defRPr>
+    </a:lvl9pPr>
+  </p:defaultTextStyle>
+  <p:extLst>
+    <p:ext uri="{EFAFB233-063F-42B5-8137-9DF3F51BA10A}">
+      <p15:sldGuideLst xmlns:p15="http://schemas.microsoft.com/office/powerpoint/2012/main">
+        <p15:guide id="1" orient="horz" pos="1296">
+          <p15:clr>
+            <a:srgbClr val="A4A3A4"/>
+          </p15:clr>
+        </p15:guide>
+        <p15:guide id="2" pos="2901">
+          <p15:clr>
+            <a:srgbClr val="A4A3A4"/>
+          </p15:clr>
+        </p15:guide>
+        <p15:guide id="3" pos="576">
+          <p15:clr>
+            <a:srgbClr val="A4A3A4"/>
+          </p15:clr>
+        </p15:guide>
+      </p15:sldGuideLst>
+    </p:ext>
+  </p:extLst>
+</p:presentation>
+</file>
+
+<file path=ppt/handoutMasters/handoutMaster1.xml><?xml version="1.0" encoding="utf-8"?>
+<p:handoutMaster xmlns:a="http://schemas.openxmlformats.org/drawingml/2006/main" xmlns:r="http://schemas.openxmlformats.org/officeDocument/2006/relationships" xmlns:p="http://schemas.openxmlformats.org/presentationml/2006/main">
+  <p:cSld>
+    <p:bg>
+      <p:bgPr>
+        <a:solidFill>
+          <a:schemeClr val="bg1"/>
+        </a:solidFill>
+        <a:effectLst/>
+      </p:bgPr>
+    </p:bg>
+    <p:spTree>
+      <p:nvGrpSpPr>
+        <p:cNvPr id="1" name=""/>
+        <p:cNvGrpSpPr/>
+        <p:nvPr/>
+      </p:nvGrpSpPr>
+      <p:grpSpPr>
+        <a:xfrm>
+          <a:off x="0" y="0"/>
+          <a:ext cx="0" cy="0"/>
+          <a:chOff x="0" y="0"/>
+          <a:chExt cx="0" cy="0"/>
+        </a:xfrm>
+      </p:grpSpPr>
+      <p:sp>
+        <p:nvSpPr>
+          <p:cNvPr id="111618" name="Rectangle 2"/>
+          <p:cNvSpPr>
+            <a:spLocks noGrp="1" noChangeArrowheads="1"/>
+          </p:cNvSpPr>
+          <p:nvPr>
+            <p:ph type="hdr" sz="quarter"/>
+          </p:nvPr>
+        </p:nvSpPr>
+        <p:spPr bwMode="auto">
+          <a:xfrm>
+            <a:off x="0" y="0"/>
+            <a:ext cx="2944813" cy="496888"/>
+          </a:xfrm>
+          <a:prstGeom prst="rect">
+            <a:avLst/>
+          </a:prstGeom>
+          <a:noFill/>
+          <a:ln w="9525">
+            <a:noFill/>
+            <a:miter lim="800000"/>
+            <a:headEnd/>
+            <a:tailEnd/>
+          </a:ln>
+          <a:effectLst/>
+        </p:spPr>
+        <p:txBody>
+          <a:bodyPr vert="horz" wrap="square" lIns="91440" tIns="45720" rIns="91440" bIns="45720" numCol="1" anchor="t" anchorCtr="0" compatLnSpc="1">
+            <a:prstTxWarp prst="textNoShape">
+              <a:avLst/>
+            </a:prstTxWarp>
+          </a:bodyPr>
+          <a:lstStyle>
+            <a:lvl1pPr algn="l">
+              <a:defRPr sz="1200">
+                <a:latin typeface="Tahoma" pitchFamily="34" charset="0"/>
+                <a:ea typeface="ＭＳ Ｐゴシック" pitchFamily="34" charset="-128"/>
+                <a:cs typeface="+mn-cs"/>
+              </a:defRPr>
+            </a:lvl1pPr>
+          </a:lstStyle>
+          <a:p>
+            <a:pPr>
+              <a:defRPr/>
+            </a:pPr>
+            <a:endParaRPr lang="en-US"/>
+          </a:p>
+        </p:txBody>
+      </p:sp>
+      <p:sp>
+        <p:nvSpPr>
+          <p:cNvPr id="111619" name="Rectangle 3"/>
+          <p:cNvSpPr>
+            <a:spLocks noGrp="1" noChangeArrowheads="1"/>
+          </p:cNvSpPr>
+          <p:nvPr>
+            <p:ph type="dt" sz="quarter" idx="1"/>
+          </p:nvPr>
+        </p:nvSpPr>
+        <p:spPr bwMode="auto">
+          <a:xfrm>
+            <a:off x="3848100" y="0"/>
+            <a:ext cx="2944813" cy="496888"/>
+          </a:xfrm>
+          <a:prstGeom prst="rect">
+            <a:avLst/>
+          </a:prstGeom>
+          <a:noFill/>
+          <a:ln w="9525">
+            <a:noFill/>
+            <a:miter lim="800000"/>
+            <a:headEnd/>
+            <a:tailEnd/>
+          </a:ln>
+          <a:effectLst/>
+        </p:spPr>
+        <p:txBody>
+          <a:bodyPr vert="horz" wrap="square" lIns="91440" tIns="45720" rIns="91440" bIns="45720" numCol="1" anchor="t" anchorCtr="0" compatLnSpc="1">
+            <a:prstTxWarp prst="textNoShape">
+              <a:avLst/>
+            </a:prstTxWarp>
+          </a:bodyPr>
+          <a:lstStyle>
+            <a:lvl1pPr algn="r">
+              <a:defRPr sz="1200">
+                <a:latin typeface="Tahoma" charset="0"/>
+                <a:ea typeface="ＭＳ Ｐゴシック" charset="-128"/>
+                <a:cs typeface="Arial" charset="0"/>
+              </a:defRPr>
+            </a:lvl1pPr>
+          </a:lstStyle>
+          <a:p>
+            <a:pPr>
+              <a:defRPr/>
+            </a:pPr>
+            <a:fld id="{C02D0E37-84EC-4690-A24B-C8CEA81752C8}" type="datetime1">
+              <a:rPr lang="en-US" altLang="nl-NL"/>
+              <a:pPr>
+                <a:defRPr/>
+              </a:pPr>
+              <a:t>1/15/2015</a:t>
+            </a:fld>
+            <a:endParaRPr lang="en-US" altLang="nl-NL"/>
+          </a:p>
+        </p:txBody>
+      </p:sp>
+      <p:sp>
+        <p:nvSpPr>
+          <p:cNvPr id="111620" name="Rectangle 4"/>
+          <p:cNvSpPr>
+            <a:spLocks noGrp="1" noChangeArrowheads="1"/>
+          </p:cNvSpPr>
+          <p:nvPr>
+            <p:ph type="ftr" sz="quarter" idx="2"/>
+          </p:nvPr>
+        </p:nvSpPr>
+        <p:spPr bwMode="auto">
+          <a:xfrm>
+            <a:off x="0" y="9432925"/>
+            <a:ext cx="2944813" cy="496888"/>
+          </a:xfrm>
+          <a:prstGeom prst="rect">
+            <a:avLst/>
+          </a:prstGeom>
+          <a:noFill/>
+          <a:ln w="9525">
+            <a:noFill/>
+            <a:miter lim="800000"/>
+            <a:headEnd/>
+            <a:tailEnd/>
+          </a:ln>
+          <a:effectLst/>
+        </p:spPr>
+        <p:txBody>
+          <a:bodyPr vert="horz" wrap="square" lIns="91440" tIns="45720" rIns="91440" bIns="45720" numCol="1" anchor="b" anchorCtr="0" compatLnSpc="1">
+            <a:prstTxWarp prst="textNoShape">
+              <a:avLst/>
+            </a:prstTxWarp>
+          </a:bodyPr>
+          <a:lstStyle>
+            <a:lvl1pPr algn="l">
+              <a:defRPr sz="1200">
+                <a:latin typeface="Tahoma" pitchFamily="34" charset="0"/>
+                <a:ea typeface="ＭＳ Ｐゴシック" pitchFamily="34" charset="-128"/>
+                <a:cs typeface="+mn-cs"/>
+              </a:defRPr>
+            </a:lvl1pPr>
+          </a:lstStyle>
+          <a:p>
+            <a:pPr>
+              <a:defRPr/>
+            </a:pPr>
+            <a:endParaRPr lang="en-US"/>
+          </a:p>
+        </p:txBody>
+      </p:sp>
+      <p:sp>
+        <p:nvSpPr>
+          <p:cNvPr id="111621" name="Rectangle 5"/>
+          <p:cNvSpPr>
+            <a:spLocks noGrp="1" noChangeArrowheads="1"/>
+          </p:cNvSpPr>
+          <p:nvPr>
+            <p:ph type="sldNum" sz="quarter" idx="3"/>
+          </p:nvPr>
+        </p:nvSpPr>
+        <p:spPr bwMode="auto">
+          <a:xfrm>
+            <a:off x="3848100" y="9432925"/>
+            <a:ext cx="2944813" cy="496888"/>
+          </a:xfrm>
+          <a:prstGeom prst="rect">
+            <a:avLst/>
+          </a:prstGeom>
+          <a:noFill/>
+          <a:ln w="9525">
+            <a:noFill/>
+            <a:miter lim="800000"/>
+            <a:headEnd/>
+            <a:tailEnd/>
+          </a:ln>
+          <a:effectLst/>
+        </p:spPr>
+        <p:txBody>
+          <a:bodyPr vert="horz" wrap="square" lIns="91440" tIns="45720" rIns="91440" bIns="45720" numCol="1" anchor="b" anchorCtr="0" compatLnSpc="1">
+            <a:prstTxWarp prst="textNoShape">
+              <a:avLst/>
+            </a:prstTxWarp>
+          </a:bodyPr>
+          <a:lstStyle>
+            <a:lvl1pPr algn="r">
+              <a:defRPr sz="1200">
+                <a:ea typeface="ＭＳ Ｐゴシック" panose="020B0600070205080204" pitchFamily="34" charset="-128"/>
+              </a:defRPr>
+            </a:lvl1pPr>
+          </a:lstStyle>
+          <a:p>
+            <a:fld id="{3EC28951-6A52-4168-9C12-786700366F90}" type="slidenum">
+              <a:rPr lang="en-US" altLang="nl-NL"/>
+              <a:pPr/>
+              <a:t>‹nr.›</a:t>
+            </a:fld>
+            <a:endParaRPr lang="en-US" altLang="nl-NL"/>
+          </a:p>
+        </p:txBody>
+      </p:sp>
+    </p:spTree>
+    <p:extLst>
+      <p:ext uri="{BB962C8B-B14F-4D97-AF65-F5344CB8AC3E}">
+        <p14:creationId xmlns:p14="http://schemas.microsoft.com/office/powerpoint/2010/main" val="1941882514"/>
+      </p:ext>
+    </p:extLst>
+  </p:cSld>
+  <p:clrMap bg1="lt1" tx1="dk1" bg2="lt2" tx2="dk2" accent1="accent1" accent2="accent2" accent3="accent3" accent4="accent4" accent5="accent5" accent6="accent6" hlink="hlink" folHlink="folHlink"/>
+</p:handoutMaster>
+</file>
+
+<file path=ppt/notesMasters/notesMaster1.xml><?xml version="1.0" encoding="utf-8"?>
+<p:notesMaster xmlns:a="http://schemas.openxmlformats.org/drawingml/2006/main" xmlns:r="http://schemas.openxmlformats.org/officeDocument/2006/relationships" xmlns:p="http://schemas.openxmlformats.org/presentationml/2006/main">
+  <p:cSld>
+    <p:bg>
+      <p:bgPr>
+        <a:solidFill>
+          <a:schemeClr val="bg1"/>
+        </a:solidFill>
+        <a:effectLst/>
+      </p:bgPr>
+    </p:bg>
+    <p:spTree>
+      <p:nvGrpSpPr>
+        <p:cNvPr id="1" name=""/>
+        <p:cNvGrpSpPr/>
+        <p:nvPr/>
+      </p:nvGrpSpPr>
+      <p:grpSpPr>
+        <a:xfrm>
+          <a:off x="0" y="0"/>
+          <a:ext cx="0" cy="0"/>
+          <a:chOff x="0" y="0"/>
+          <a:chExt cx="0" cy="0"/>
+        </a:xfrm>
+      </p:grpSpPr>
+      <p:sp>
+        <p:nvSpPr>
+          <p:cNvPr id="4098" name="Rectangle 2"/>
+          <p:cNvSpPr>
+            <a:spLocks noGrp="1" noChangeArrowheads="1"/>
+          </p:cNvSpPr>
+          <p:nvPr>
+            <p:ph type="hdr" sz="quarter"/>
+          </p:nvPr>
+        </p:nvSpPr>
+        <p:spPr bwMode="auto">
+          <a:xfrm>
+            <a:off x="0" y="0"/>
+            <a:ext cx="2944813" cy="496888"/>
+          </a:xfrm>
+          <a:prstGeom prst="rect">
+            <a:avLst/>
+          </a:prstGeom>
+          <a:noFill/>
+          <a:ln w="9525">
+            <a:noFill/>
+            <a:miter lim="800000"/>
+            <a:headEnd/>
+            <a:tailEnd/>
+          </a:ln>
+        </p:spPr>
+        <p:txBody>
+          <a:bodyPr vert="horz" wrap="square" lIns="91440" tIns="45720" rIns="91440" bIns="45720" numCol="1" anchor="t" anchorCtr="0" compatLnSpc="1">
+            <a:prstTxWarp prst="textNoShape">
+              <a:avLst/>
+            </a:prstTxWarp>
+          </a:bodyPr>
+          <a:lstStyle>
+            <a:lvl1pPr algn="l" eaLnBrk="0" hangingPunct="0">
+              <a:defRPr sz="1200">
+                <a:latin typeface="Arial" charset="0"/>
+                <a:ea typeface="ＭＳ Ｐゴシック" pitchFamily="1" charset="-128"/>
+                <a:cs typeface="+mn-cs"/>
+              </a:defRPr>
+            </a:lvl1pPr>
+          </a:lstStyle>
+          <a:p>
+            <a:pPr>
+              <a:defRPr/>
+            </a:pPr>
+            <a:endParaRPr lang="en-US"/>
+          </a:p>
+        </p:txBody>
+      </p:sp>
+      <p:sp>
+        <p:nvSpPr>
+          <p:cNvPr id="4099" name="Rectangle 3"/>
+          <p:cNvSpPr>
+            <a:spLocks noGrp="1" noChangeArrowheads="1"/>
+          </p:cNvSpPr>
+          <p:nvPr>
+            <p:ph type="dt" idx="1"/>
+          </p:nvPr>
+        </p:nvSpPr>
+        <p:spPr bwMode="auto">
+          <a:xfrm>
+            <a:off x="3849688" y="0"/>
+            <a:ext cx="2944812" cy="496888"/>
+          </a:xfrm>
+          <a:prstGeom prst="rect">
+            <a:avLst/>
+          </a:prstGeom>
+          <a:noFill/>
+          <a:ln w="9525">
+            <a:noFill/>
+            <a:miter lim="800000"/>
+            <a:headEnd/>
+            <a:tailEnd/>
+          </a:ln>
+        </p:spPr>
+        <p:txBody>
+          <a:bodyPr vert="horz" wrap="square" lIns="91440" tIns="45720" rIns="91440" bIns="45720" numCol="1" anchor="t" anchorCtr="0" compatLnSpc="1">
+            <a:prstTxWarp prst="textNoShape">
+              <a:avLst/>
+            </a:prstTxWarp>
+          </a:bodyPr>
+          <a:lstStyle>
+            <a:lvl1pPr algn="r" eaLnBrk="0" hangingPunct="0">
+              <a:defRPr sz="1200">
+                <a:latin typeface="Arial" charset="0"/>
+                <a:ea typeface="ＭＳ Ｐゴシック" pitchFamily="1" charset="-128"/>
+                <a:cs typeface="+mn-cs"/>
+              </a:defRPr>
+            </a:lvl1pPr>
+          </a:lstStyle>
+          <a:p>
+            <a:pPr>
+              <a:defRPr/>
+            </a:pPr>
+            <a:endParaRPr lang="en-US"/>
+          </a:p>
+        </p:txBody>
+      </p:sp>
+      <p:sp>
+        <p:nvSpPr>
+          <p:cNvPr id="5124" name="Rectangle 4"/>
+          <p:cNvSpPr>
+            <a:spLocks noGrp="1" noRot="1" noChangeAspect="1" noChangeArrowheads="1" noTextEdit="1"/>
+          </p:cNvSpPr>
+          <p:nvPr>
+            <p:ph type="sldImg" idx="2"/>
+          </p:nvPr>
+        </p:nvSpPr>
+        <p:spPr bwMode="auto">
+          <a:xfrm>
+            <a:off x="914400" y="744538"/>
+            <a:ext cx="4965700" cy="3724275"/>
+          </a:xfrm>
+          <a:prstGeom prst="rect">
+            <a:avLst/>
+          </a:prstGeom>
+          <a:noFill/>
+          <a:ln w="9525">
+            <a:solidFill>
+              <a:srgbClr val="000000"/>
+            </a:solidFill>
+            <a:miter lim="800000"/>
+            <a:headEnd/>
+            <a:tailEnd/>
+          </a:ln>
+          <a:extLst>
+            <a:ext uri="{909E8E84-426E-40DD-AFC4-6F175D3DCCD1}">
+              <a14:hiddenFill xmlns:a14="http://schemas.microsoft.com/office/drawing/2010/main">
+                <a:solidFill>
+                  <a:srgbClr val="FFFFFF"/>
+                </a:solidFill>
+              </a14:hiddenFill>
+            </a:ext>
+          </a:extLst>
+        </p:spPr>
+      </p:sp>
+      <p:sp>
+        <p:nvSpPr>
+          <p:cNvPr id="4101" name="Rectangle 5"/>
+          <p:cNvSpPr>
+            <a:spLocks noGrp="1" noChangeArrowheads="1"/>
+          </p:cNvSpPr>
+          <p:nvPr>
+            <p:ph type="body" sz="quarter" idx="3"/>
+          </p:nvPr>
+        </p:nvSpPr>
+        <p:spPr bwMode="auto">
+          <a:xfrm>
+            <a:off x="906463" y="4718050"/>
+            <a:ext cx="4981575" cy="4468813"/>
+          </a:xfrm>
+          <a:prstGeom prst="rect">
+            <a:avLst/>
+          </a:prstGeom>
+          <a:noFill/>
+          <a:ln w="9525">
+            <a:noFill/>
+            <a:miter lim="800000"/>
+            <a:headEnd/>
+            <a:tailEnd/>
+          </a:ln>
+        </p:spPr>
+        <p:txBody>
+          <a:bodyPr vert="horz" wrap="square" lIns="91440" tIns="45720" rIns="91440" bIns="45720" numCol="1" anchor="t" anchorCtr="0" compatLnSpc="1">
+            <a:prstTxWarp prst="textNoShape">
+              <a:avLst/>
+            </a:prstTxWarp>
+          </a:bodyPr>
+          <a:lstStyle/>
+          <a:p>
+            <a:pPr lvl="0"/>
+            <a:r>
+              <a:rPr lang="en-US" noProof="0" smtClean="0"/>
+              <a:t>Click to edit Master text styles</a:t>
+            </a:r>
+          </a:p>
+          <a:p>
+            <a:pPr lvl="1"/>
+            <a:r>
+              <a:rPr lang="en-US" noProof="0" smtClean="0"/>
+              <a:t>Second level</a:t>
+            </a:r>
+          </a:p>
+          <a:p>
+            <a:pPr lvl="2"/>
+            <a:r>
+              <a:rPr lang="en-US" noProof="0" smtClean="0"/>
+              <a:t>Third level</a:t>
+            </a:r>
+          </a:p>
+          <a:p>
+            <a:pPr lvl="3"/>
+            <a:r>
+              <a:rPr lang="en-US" noProof="0" smtClean="0"/>
+              <a:t>Fourth level</a:t>
+            </a:r>
+          </a:p>
+          <a:p>
+            <a:pPr lvl="4"/>
+            <a:r>
+              <a:rPr lang="en-US" noProof="0" smtClean="0"/>
+              <a:t>Fifth level</a:t>
+            </a:r>
+          </a:p>
+        </p:txBody>
+      </p:sp>
+      <p:sp>
+        <p:nvSpPr>
+          <p:cNvPr id="4102" name="Rectangle 6"/>
+          <p:cNvSpPr>
+            <a:spLocks noGrp="1" noChangeArrowheads="1"/>
+          </p:cNvSpPr>
+          <p:nvPr>
+            <p:ph type="ftr" sz="quarter" idx="4"/>
+          </p:nvPr>
+        </p:nvSpPr>
+        <p:spPr bwMode="auto">
+          <a:xfrm>
+            <a:off x="0" y="9434513"/>
+            <a:ext cx="2944813" cy="496887"/>
+          </a:xfrm>
+          <a:prstGeom prst="rect">
+            <a:avLst/>
+          </a:prstGeom>
+          <a:noFill/>
+          <a:ln w="9525">
+            <a:noFill/>
+            <a:miter lim="800000"/>
+            <a:headEnd/>
+            <a:tailEnd/>
+          </a:ln>
+        </p:spPr>
+        <p:txBody>
+          <a:bodyPr vert="horz" wrap="square" lIns="91440" tIns="45720" rIns="91440" bIns="45720" numCol="1" anchor="b" anchorCtr="0" compatLnSpc="1">
+            <a:prstTxWarp prst="textNoShape">
+              <a:avLst/>
+            </a:prstTxWarp>
+          </a:bodyPr>
+          <a:lstStyle>
+            <a:lvl1pPr algn="l" eaLnBrk="0" hangingPunct="0">
+              <a:defRPr sz="1200">
+                <a:latin typeface="Arial" charset="0"/>
+                <a:ea typeface="ＭＳ Ｐゴシック" pitchFamily="1" charset="-128"/>
+                <a:cs typeface="+mn-cs"/>
+              </a:defRPr>
+            </a:lvl1pPr>
+          </a:lstStyle>
+          <a:p>
+            <a:pPr>
+              <a:defRPr/>
+            </a:pPr>
+            <a:endParaRPr lang="en-US"/>
+          </a:p>
+        </p:txBody>
+      </p:sp>
+      <p:sp>
+        <p:nvSpPr>
+          <p:cNvPr id="4103" name="Rectangle 7"/>
+          <p:cNvSpPr>
+            <a:spLocks noGrp="1" noChangeArrowheads="1"/>
+          </p:cNvSpPr>
+          <p:nvPr>
+            <p:ph type="sldNum" sz="quarter" idx="5"/>
+          </p:nvPr>
+        </p:nvSpPr>
+        <p:spPr bwMode="auto">
+          <a:xfrm>
+            <a:off x="3849688" y="9434513"/>
+            <a:ext cx="2944812" cy="496887"/>
+          </a:xfrm>
+          <a:prstGeom prst="rect">
+            <a:avLst/>
+          </a:prstGeom>
+          <a:noFill/>
+          <a:ln w="9525">
+            <a:noFill/>
+            <a:miter lim="800000"/>
+            <a:headEnd/>
+            <a:tailEnd/>
+          </a:ln>
+        </p:spPr>
+        <p:txBody>
+          <a:bodyPr vert="horz" wrap="square" lIns="91440" tIns="45720" rIns="91440" bIns="45720" numCol="1" anchor="b" anchorCtr="0" compatLnSpc="1">
+            <a:prstTxWarp prst="textNoShape">
+              <a:avLst/>
+            </a:prstTxWarp>
+          </a:bodyPr>
+          <a:lstStyle>
+            <a:lvl1pPr algn="r" eaLnBrk="0" hangingPunct="0">
+              <a:defRPr sz="1200">
+                <a:latin typeface="Arial" panose="020B0604020202020204" pitchFamily="34" charset="0"/>
+                <a:ea typeface="ＭＳ Ｐゴシック" panose="020B0600070205080204" pitchFamily="34" charset="-128"/>
+              </a:defRPr>
+            </a:lvl1pPr>
+          </a:lstStyle>
+          <a:p>
+            <a:fld id="{A5C1D54D-5D97-45A8-8AC7-C0D4189D9DCF}" type="slidenum">
+              <a:rPr lang="en-US" altLang="nl-NL"/>
+              <a:pPr/>
+              <a:t>‹nr.›</a:t>
+            </a:fld>
+            <a:endParaRPr lang="en-US" altLang="nl-NL"/>
+          </a:p>
+        </p:txBody>
+      </p:sp>
+    </p:spTree>
+    <p:extLst>
+      <p:ext uri="{BB962C8B-B14F-4D97-AF65-F5344CB8AC3E}">
+        <p14:creationId xmlns:p14="http://schemas.microsoft.com/office/powerpoint/2010/main" val="1909575763"/>
+      </p:ext>
+    </p:extLst>
+  </p:cSld>
+  <p:clrMap bg1="lt1" tx1="dk1" bg2="lt2" tx2="dk2" accent1="accent1" accent2="accent2" accent3="accent3" accent4="accent4" accent5="accent5" accent6="accent6" hlink="hlink" folHlink="folHlink"/>
+  <p:notesStyle>
+    <a:lvl1pPr algn="l" rtl="0" eaLnBrk="0" fontAlgn="base" hangingPunct="0">
+      <a:spcBef>
+        <a:spcPct val="30000"/>
+      </a:spcBef>
+      <a:spcAft>
+        <a:spcPct val="0"/>
+      </a:spcAft>
+      <a:defRPr sz="1200" kern="1200">
+        <a:solidFill>
+          <a:schemeClr val="tx1"/>
+        </a:solidFill>
+        <a:latin typeface="Times" pitchFamily="18" charset="0"/>
+        <a:ea typeface="ＭＳ Ｐゴシック" charset="-128"/>
+        <a:cs typeface="ＭＳ Ｐゴシック" charset="-128"/>
+      </a:defRPr>
+    </a:lvl1pPr>
+    <a:lvl2pPr marL="457200" algn="l" rtl="0" eaLnBrk="0" fontAlgn="base" hangingPunct="0">
+      <a:spcBef>
+        <a:spcPct val="30000"/>
+      </a:spcBef>
+      <a:spcAft>
+        <a:spcPct val="0"/>
+      </a:spcAft>
+      <a:defRPr sz="1200" kern="1200">
+        <a:solidFill>
+          <a:schemeClr val="tx1"/>
+        </a:solidFill>
+        <a:latin typeface="Times" pitchFamily="18" charset="0"/>
+        <a:ea typeface="ＭＳ Ｐゴシック" charset="-128"/>
         <a:cs typeface="+mn-cs"/>
       </a:defRPr>
     </a:lvl2pPr>
-    <a:lvl3pPr marL="914400" algn="l" defTabSz="914400" rtl="0" eaLnBrk="1" latinLnBrk="0" hangingPunct="1">
-      <a:defRPr sz="1800" kern="1200">
+    <a:lvl3pPr marL="914400" algn="l" rtl="0" eaLnBrk="0" fontAlgn="base" hangingPunct="0">
+      <a:spcBef>
+        <a:spcPct val="30000"/>
+      </a:spcBef>
+      <a:spcAft>
+        <a:spcPct val="0"/>
+      </a:spcAft>
+      <a:defRPr sz="1200" kern="1200">
         <a:solidFill>
           <a:schemeClr val="tx1"/>
         </a:solidFill>
-        <a:latin typeface="+mn-lt"/>
-        <a:ea typeface="+mn-ea"/>
+        <a:latin typeface="Times" pitchFamily="18" charset="0"/>
+        <a:ea typeface="ＭＳ Ｐゴシック" charset="-128"/>
         <a:cs typeface="+mn-cs"/>
       </a:defRPr>
     </a:lvl3pPr>
-    <a:lvl4pPr marL="1371600" algn="l" defTabSz="914400" rtl="0" eaLnBrk="1" latinLnBrk="0" hangingPunct="1">
-      <a:defRPr sz="1800" kern="1200">
+    <a:lvl4pPr marL="1371600" algn="l" rtl="0" eaLnBrk="0" fontAlgn="base" hangingPunct="0">
+      <a:spcBef>
+        <a:spcPct val="30000"/>
+      </a:spcBef>
+      <a:spcAft>
+        <a:spcPct val="0"/>
+      </a:spcAft>
+      <a:defRPr sz="1200" kern="1200">
         <a:solidFill>
           <a:schemeClr val="tx1"/>
         </a:solidFill>
-        <a:latin typeface="+mn-lt"/>
-        <a:ea typeface="+mn-ea"/>
+        <a:latin typeface="Times" pitchFamily="18" charset="0"/>
+        <a:ea typeface="ＭＳ Ｐゴシック" charset="-128"/>
         <a:cs typeface="+mn-cs"/>
       </a:defRPr>
     </a:lvl4pPr>
-    <a:lvl5pPr marL="1828800" algn="l" defTabSz="914400" rtl="0" eaLnBrk="1" latinLnBrk="0" hangingPunct="1">
-      <a:defRPr sz="1800" kern="1200">
+    <a:lvl5pPr marL="1828800" algn="l" rtl="0" eaLnBrk="0" fontAlgn="base" hangingPunct="0">
+      <a:spcBef>
+        <a:spcPct val="30000"/>
+      </a:spcBef>
+      <a:spcAft>
+        <a:spcPct val="0"/>
+      </a:spcAft>
+      <a:defRPr sz="1200" kern="1200">
         <a:solidFill>
           <a:schemeClr val="tx1"/>
         </a:solidFill>
-        <a:latin typeface="+mn-lt"/>
-        <a:ea typeface="+mn-ea"/>
+        <a:latin typeface="Times" pitchFamily="18" charset="0"/>
+        <a:ea typeface="ＭＳ Ｐゴシック" charset="-128"/>
         <a:cs typeface="+mn-cs"/>
       </a:defRPr>
     </a:lvl5pPr>
     <a:lvl6pPr marL="2286000" algn="l" defTabSz="914400" rtl="0" eaLnBrk="1" latinLnBrk="0" hangingPunct="1">
-      <a:defRPr sz="1800" kern="1200">
+      <a:defRPr sz="1200" kern="1200">
         <a:solidFill>
           <a:schemeClr val="tx1"/>
         </a:solidFill>
@@ -74,7 +841,7 @@
       </a:defRPr>
     </a:lvl6pPr>
     <a:lvl7pPr marL="2743200" algn="l" defTabSz="914400" rtl="0" eaLnBrk="1" latinLnBrk="0" hangingPunct="1">
-      <a:defRPr sz="1800" kern="1200">
+      <a:defRPr sz="1200" kern="1200">
         <a:solidFill>
           <a:schemeClr val="tx1"/>
         </a:solidFill>
@@ -84,7 +851,7 @@
       </a:defRPr>
     </a:lvl7pPr>
     <a:lvl8pPr marL="3200400" algn="l" defTabSz="914400" rtl="0" eaLnBrk="1" latinLnBrk="0" hangingPunct="1">
-      <a:defRPr sz="1800" kern="1200">
+      <a:defRPr sz="1200" kern="1200">
         <a:solidFill>
           <a:schemeClr val="tx1"/>
         </a:solidFill>
@@ -94,7 +861,7 @@
       </a:defRPr>
     </a:lvl8pPr>
     <a:lvl9pPr marL="3657600" algn="l" defTabSz="914400" rtl="0" eaLnBrk="1" latinLnBrk="0" hangingPunct="1">
-      <a:defRPr sz="1800" kern="1200">
+      <a:defRPr sz="1200" kern="1200">
         <a:solidFill>
           <a:schemeClr val="tx1"/>
         </a:solidFill>
@@ -103,13 +870,361 @@
         <a:cs typeface="+mn-cs"/>
       </a:defRPr>
     </a:lvl9pPr>
-  </p:defaultTextStyle>
-</p:presentation>
+  </p:notesStyle>
+</p:notesMaster>
 </file>
 
 <file path=ppt/slideLayouts/slideLayout1.xml><?xml version="1.0" encoding="utf-8"?>
 <p:sldLayout xmlns:a="http://schemas.openxmlformats.org/drawingml/2006/main" xmlns:r="http://schemas.openxmlformats.org/officeDocument/2006/relationships" xmlns:p="http://schemas.openxmlformats.org/presentationml/2006/main" type="title" preserve="1">
-  <p:cSld name="Titeldia">
+  <p:cSld name="1_Titeldia">
+    <p:spTree>
+      <p:nvGrpSpPr>
+        <p:cNvPr id="1" name=""/>
+        <p:cNvGrpSpPr/>
+        <p:nvPr/>
+      </p:nvGrpSpPr>
+      <p:grpSpPr>
+        <a:xfrm>
+          <a:off x="0" y="0"/>
+          <a:ext cx="0" cy="0"/>
+          <a:chOff x="0" y="0"/>
+          <a:chExt cx="0" cy="0"/>
+        </a:xfrm>
+      </p:grpSpPr>
+      <p:sp>
+        <p:nvSpPr>
+          <p:cNvPr id="4" name="Rectangle 12"/>
+          <p:cNvSpPr>
+            <a:spLocks noChangeArrowheads="1"/>
+          </p:cNvSpPr>
+          <p:nvPr userDrawn="1"/>
+        </p:nvSpPr>
+        <p:spPr bwMode="auto">
+          <a:xfrm>
+            <a:off x="471488" y="2055813"/>
+            <a:ext cx="7307262" cy="1897062"/>
+          </a:xfrm>
+          <a:prstGeom prst="rect">
+            <a:avLst/>
+          </a:prstGeom>
+          <a:solidFill>
+            <a:schemeClr val="tx1"/>
+          </a:solidFill>
+          <a:ln>
+            <a:noFill/>
+          </a:ln>
+          <a:extLst>
+            <a:ext uri="{91240B29-F687-4F45-9708-019B960494DF}">
+              <a14:hiddenLine xmlns:a14="http://schemas.microsoft.com/office/drawing/2010/main" w="9525" algn="ctr">
+                <a:solidFill>
+                  <a:srgbClr val="000000"/>
+                </a:solidFill>
+                <a:round/>
+                <a:headEnd/>
+                <a:tailEnd/>
+              </a14:hiddenLine>
+            </a:ext>
+          </a:extLst>
+        </p:spPr>
+        <p:txBody>
+          <a:bodyPr/>
+          <a:lstStyle>
+            <a:lvl1pPr eaLnBrk="0" hangingPunct="0">
+              <a:defRPr sz="2400">
+                <a:solidFill>
+                  <a:schemeClr val="tx1"/>
+                </a:solidFill>
+                <a:latin typeface="Tahoma" pitchFamily="34" charset="0"/>
+                <a:cs typeface="Arial" pitchFamily="34" charset="0"/>
+              </a:defRPr>
+            </a:lvl1pPr>
+            <a:lvl2pPr marL="742950" indent="-285750" eaLnBrk="0" hangingPunct="0">
+              <a:defRPr sz="2400">
+                <a:solidFill>
+                  <a:schemeClr val="tx1"/>
+                </a:solidFill>
+                <a:latin typeface="Tahoma" pitchFamily="34" charset="0"/>
+                <a:cs typeface="Arial" pitchFamily="34" charset="0"/>
+              </a:defRPr>
+            </a:lvl2pPr>
+            <a:lvl3pPr marL="1143000" indent="-228600" eaLnBrk="0" hangingPunct="0">
+              <a:defRPr sz="2400">
+                <a:solidFill>
+                  <a:schemeClr val="tx1"/>
+                </a:solidFill>
+                <a:latin typeface="Tahoma" pitchFamily="34" charset="0"/>
+                <a:cs typeface="Arial" pitchFamily="34" charset="0"/>
+              </a:defRPr>
+            </a:lvl3pPr>
+            <a:lvl4pPr marL="1600200" indent="-228600" eaLnBrk="0" hangingPunct="0">
+              <a:defRPr sz="2400">
+                <a:solidFill>
+                  <a:schemeClr val="tx1"/>
+                </a:solidFill>
+                <a:latin typeface="Tahoma" pitchFamily="34" charset="0"/>
+                <a:cs typeface="Arial" pitchFamily="34" charset="0"/>
+              </a:defRPr>
+            </a:lvl4pPr>
+            <a:lvl5pPr marL="2057400" indent="-228600" eaLnBrk="0" hangingPunct="0">
+              <a:defRPr sz="2400">
+                <a:solidFill>
+                  <a:schemeClr val="tx1"/>
+                </a:solidFill>
+                <a:latin typeface="Tahoma" pitchFamily="34" charset="0"/>
+                <a:cs typeface="Arial" pitchFamily="34" charset="0"/>
+              </a:defRPr>
+            </a:lvl5pPr>
+            <a:lvl6pPr marL="2514600" indent="-228600" algn="ctr" eaLnBrk="0" fontAlgn="base" hangingPunct="0">
+              <a:spcBef>
+                <a:spcPct val="0"/>
+              </a:spcBef>
+              <a:spcAft>
+                <a:spcPct val="0"/>
+              </a:spcAft>
+              <a:defRPr sz="2400">
+                <a:solidFill>
+                  <a:schemeClr val="tx1"/>
+                </a:solidFill>
+                <a:latin typeface="Tahoma" pitchFamily="34" charset="0"/>
+                <a:cs typeface="Arial" pitchFamily="34" charset="0"/>
+              </a:defRPr>
+            </a:lvl6pPr>
+            <a:lvl7pPr marL="2971800" indent="-228600" algn="ctr" eaLnBrk="0" fontAlgn="base" hangingPunct="0">
+              <a:spcBef>
+                <a:spcPct val="0"/>
+              </a:spcBef>
+              <a:spcAft>
+                <a:spcPct val="0"/>
+              </a:spcAft>
+              <a:defRPr sz="2400">
+                <a:solidFill>
+                  <a:schemeClr val="tx1"/>
+                </a:solidFill>
+                <a:latin typeface="Tahoma" pitchFamily="34" charset="0"/>
+                <a:cs typeface="Arial" pitchFamily="34" charset="0"/>
+              </a:defRPr>
+            </a:lvl7pPr>
+            <a:lvl8pPr marL="3429000" indent="-228600" algn="ctr" eaLnBrk="0" fontAlgn="base" hangingPunct="0">
+              <a:spcBef>
+                <a:spcPct val="0"/>
+              </a:spcBef>
+              <a:spcAft>
+                <a:spcPct val="0"/>
+              </a:spcAft>
+              <a:defRPr sz="2400">
+                <a:solidFill>
+                  <a:schemeClr val="tx1"/>
+                </a:solidFill>
+                <a:latin typeface="Tahoma" pitchFamily="34" charset="0"/>
+                <a:cs typeface="Arial" pitchFamily="34" charset="0"/>
+              </a:defRPr>
+            </a:lvl8pPr>
+            <a:lvl9pPr marL="3886200" indent="-228600" algn="ctr" eaLnBrk="0" fontAlgn="base" hangingPunct="0">
+              <a:spcBef>
+                <a:spcPct val="0"/>
+              </a:spcBef>
+              <a:spcAft>
+                <a:spcPct val="0"/>
+              </a:spcAft>
+              <a:defRPr sz="2400">
+                <a:solidFill>
+                  <a:schemeClr val="tx1"/>
+                </a:solidFill>
+                <a:latin typeface="Tahoma" pitchFamily="34" charset="0"/>
+                <a:cs typeface="Arial" pitchFamily="34" charset="0"/>
+              </a:defRPr>
+            </a:lvl9pPr>
+          </a:lstStyle>
+          <a:p>
+            <a:pPr algn="l">
+              <a:defRPr/>
+            </a:pPr>
+            <a:endParaRPr lang="nl-NL" altLang="nl-NL" smtClean="0">
+              <a:latin typeface="Arial" pitchFamily="34" charset="0"/>
+              <a:ea typeface="ＭＳ Ｐゴシック" pitchFamily="34" charset="-128"/>
+            </a:endParaRPr>
+          </a:p>
+        </p:txBody>
+      </p:sp>
+      <p:sp>
+        <p:nvSpPr>
+          <p:cNvPr id="2" name="Titel 1"/>
+          <p:cNvSpPr>
+            <a:spLocks noGrp="1"/>
+          </p:cNvSpPr>
+          <p:nvPr>
+            <p:ph type="ctrTitle"/>
+          </p:nvPr>
+        </p:nvSpPr>
+        <p:spPr>
+          <a:xfrm>
+            <a:off x="685799" y="2155827"/>
+            <a:ext cx="6798733" cy="646642"/>
+          </a:xfrm>
+        </p:spPr>
+        <p:txBody>
+          <a:bodyPr/>
+          <a:lstStyle>
+            <a:lvl1pPr>
+              <a:defRPr baseline="0">
+                <a:solidFill>
+                  <a:schemeClr val="bg1"/>
+                </a:solidFill>
+              </a:defRPr>
+            </a:lvl1pPr>
+          </a:lstStyle>
+          <a:p>
+            <a:r>
+              <a:rPr lang="nl-NL" dirty="0" smtClean="0"/>
+              <a:t>Click to </a:t>
+            </a:r>
+            <a:r>
+              <a:rPr lang="nl-NL" dirty="0" err="1" smtClean="0"/>
+              <a:t>edit</a:t>
+            </a:r>
+            <a:r>
+              <a:rPr lang="nl-NL" dirty="0" smtClean="0"/>
+              <a:t> </a:t>
+            </a:r>
+            <a:r>
+              <a:rPr lang="nl-NL" dirty="0" err="1" smtClean="0"/>
+              <a:t>Master</a:t>
+            </a:r>
+            <a:r>
+              <a:rPr lang="nl-NL" dirty="0" smtClean="0"/>
+              <a:t> </a:t>
+            </a:r>
+            <a:r>
+              <a:rPr lang="nl-NL" dirty="0" err="1" smtClean="0"/>
+              <a:t>title</a:t>
+            </a:r>
+            <a:r>
+              <a:rPr lang="nl-NL" dirty="0" smtClean="0"/>
+              <a:t> </a:t>
+            </a:r>
+            <a:r>
+              <a:rPr lang="nl-NL" dirty="0" err="1" smtClean="0"/>
+              <a:t>style</a:t>
+            </a:r>
+            <a:endParaRPr lang="nl-NL" dirty="0"/>
+          </a:p>
+        </p:txBody>
+      </p:sp>
+      <p:sp>
+        <p:nvSpPr>
+          <p:cNvPr id="3" name="Ondertitel 2"/>
+          <p:cNvSpPr>
+            <a:spLocks noGrp="1"/>
+          </p:cNvSpPr>
+          <p:nvPr>
+            <p:ph type="subTitle" idx="1"/>
+          </p:nvPr>
+        </p:nvSpPr>
+        <p:spPr>
+          <a:xfrm>
+            <a:off x="694265" y="2861729"/>
+            <a:ext cx="6781801" cy="1016004"/>
+          </a:xfrm>
+        </p:spPr>
+        <p:txBody>
+          <a:bodyPr/>
+          <a:lstStyle>
+            <a:lvl1pPr marL="0" indent="0" algn="l">
+              <a:buNone/>
+              <a:defRPr>
+                <a:solidFill>
+                  <a:srgbClr val="00A6D6"/>
+                </a:solidFill>
+                <a:latin typeface="Bookman Old Style"/>
+                <a:cs typeface="Bookman Old Style"/>
+              </a:defRPr>
+            </a:lvl1pPr>
+            <a:lvl2pPr marL="457200" indent="0" algn="ctr">
+              <a:buNone/>
+              <a:defRPr/>
+            </a:lvl2pPr>
+            <a:lvl3pPr marL="914400" indent="0" algn="ctr">
+              <a:buNone/>
+              <a:defRPr/>
+            </a:lvl3pPr>
+            <a:lvl4pPr marL="1371600" indent="0" algn="ctr">
+              <a:buNone/>
+              <a:defRPr/>
+            </a:lvl4pPr>
+            <a:lvl5pPr marL="1828800" indent="0" algn="ctr">
+              <a:buNone/>
+              <a:defRPr/>
+            </a:lvl5pPr>
+            <a:lvl6pPr marL="2286000" indent="0" algn="ctr">
+              <a:buNone/>
+              <a:defRPr/>
+            </a:lvl6pPr>
+            <a:lvl7pPr marL="2743200" indent="0" algn="ctr">
+              <a:buNone/>
+              <a:defRPr/>
+            </a:lvl7pPr>
+            <a:lvl8pPr marL="3200400" indent="0" algn="ctr">
+              <a:buNone/>
+              <a:defRPr/>
+            </a:lvl8pPr>
+            <a:lvl9pPr marL="3657600" indent="0" algn="ctr">
+              <a:buNone/>
+              <a:defRPr/>
+            </a:lvl9pPr>
+          </a:lstStyle>
+          <a:p>
+            <a:r>
+              <a:rPr lang="nl-NL" dirty="0" smtClean="0"/>
+              <a:t>Click to </a:t>
+            </a:r>
+            <a:r>
+              <a:rPr lang="nl-NL" dirty="0" err="1" smtClean="0"/>
+              <a:t>edit</a:t>
+            </a:r>
+            <a:r>
+              <a:rPr lang="nl-NL" dirty="0" smtClean="0"/>
+              <a:t> </a:t>
+            </a:r>
+            <a:r>
+              <a:rPr lang="nl-NL" dirty="0" err="1" smtClean="0"/>
+              <a:t>Master</a:t>
+            </a:r>
+            <a:r>
+              <a:rPr lang="nl-NL" dirty="0" smtClean="0"/>
+              <a:t> </a:t>
+            </a:r>
+            <a:r>
+              <a:rPr lang="nl-NL" dirty="0" err="1" smtClean="0"/>
+              <a:t>subtitle</a:t>
+            </a:r>
+            <a:r>
+              <a:rPr lang="nl-NL" dirty="0" smtClean="0"/>
+              <a:t> </a:t>
+            </a:r>
+            <a:r>
+              <a:rPr lang="nl-NL" dirty="0" err="1" smtClean="0"/>
+              <a:t>style</a:t>
+            </a:r>
+            <a:endParaRPr lang="nl-NL" dirty="0"/>
+          </a:p>
+        </p:txBody>
+      </p:sp>
+    </p:spTree>
+    <p:extLst>
+      <p:ext uri="{BB962C8B-B14F-4D97-AF65-F5344CB8AC3E}">
+        <p14:creationId xmlns:p14="http://schemas.microsoft.com/office/powerpoint/2010/main" val="3296275965"/>
+      </p:ext>
+    </p:extLst>
+  </p:cSld>
+  <p:clrMapOvr>
+    <a:masterClrMapping/>
+  </p:clrMapOvr>
+</p:sldLayout>
+</file>
+
+<file path=ppt/slideLayouts/slideLayout10.xml><?xml version="1.0" encoding="utf-8"?>
+<p:sldLayout xmlns:a="http://schemas.openxmlformats.org/drawingml/2006/main" xmlns:r="http://schemas.openxmlformats.org/officeDocument/2006/relationships" xmlns:p="http://schemas.openxmlformats.org/presentationml/2006/main" type="picTx" preserve="1">
+  <p:cSld name="Afbeelding met bijschrift">
     <p:spTree>
       <p:nvGrpSpPr>
         <p:cNvPr id="1" name=""/>
@@ -131,20 +1246,20 @@
             <a:spLocks noGrp="1"/>
           </p:cNvSpPr>
           <p:nvPr>
-            <p:ph type="ctrTitle"/>
+            <p:ph type="title"/>
           </p:nvPr>
         </p:nvSpPr>
         <p:spPr>
           <a:xfrm>
-            <a:off x="1524000" y="1122363"/>
-            <a:ext cx="9144000" cy="2387600"/>
+            <a:off x="1792288" y="4800600"/>
+            <a:ext cx="5486400" cy="566738"/>
           </a:xfrm>
         </p:spPr>
         <p:txBody>
           <a:bodyPr anchor="b"/>
           <a:lstStyle>
-            <a:lvl1pPr algn="ctr">
-              <a:defRPr sz="6000"/>
+            <a:lvl1pPr algn="l">
+              <a:defRPr sz="2000" b="1"/>
             </a:lvl1pPr>
           </a:lstStyle>
           <a:p>
@@ -158,138 +1273,135 @@
       </p:sp>
       <p:sp>
         <p:nvSpPr>
-          <p:cNvPr id="3" name="Ondertitel 2"/>
+          <p:cNvPr id="3" name="Tijdelijke aanduiding voor afbeelding 2"/>
           <p:cNvSpPr>
             <a:spLocks noGrp="1"/>
           </p:cNvSpPr>
           <p:nvPr>
-            <p:ph type="subTitle" idx="1"/>
+            <p:ph type="pic" idx="1"/>
           </p:nvPr>
         </p:nvSpPr>
         <p:spPr>
           <a:xfrm>
-            <a:off x="1524000" y="3602038"/>
-            <a:ext cx="9144000" cy="1655762"/>
+            <a:off x="1792288" y="612775"/>
+            <a:ext cx="5486400" cy="4114800"/>
           </a:xfrm>
         </p:spPr>
         <p:txBody>
           <a:bodyPr/>
           <a:lstStyle>
-            <a:lvl1pPr marL="0" indent="0" algn="ctr">
+            <a:lvl1pPr marL="0" indent="0">
+              <a:buNone/>
+              <a:defRPr sz="3200"/>
+            </a:lvl1pPr>
+            <a:lvl2pPr marL="457200" indent="0">
+              <a:buNone/>
+              <a:defRPr sz="2800"/>
+            </a:lvl2pPr>
+            <a:lvl3pPr marL="914400" indent="0">
               <a:buNone/>
               <a:defRPr sz="2400"/>
-            </a:lvl1pPr>
-            <a:lvl2pPr marL="457200" indent="0" algn="ctr">
+            </a:lvl3pPr>
+            <a:lvl4pPr marL="1371600" indent="0">
               <a:buNone/>
               <a:defRPr sz="2000"/>
-            </a:lvl2pPr>
-            <a:lvl3pPr marL="914400" indent="0" algn="ctr">
-              <a:buNone/>
-              <a:defRPr sz="1800"/>
-            </a:lvl3pPr>
-            <a:lvl4pPr marL="1371600" indent="0" algn="ctr">
-              <a:buNone/>
-              <a:defRPr sz="1600"/>
             </a:lvl4pPr>
-            <a:lvl5pPr marL="1828800" indent="0" algn="ctr">
-              <a:buNone/>
-              <a:defRPr sz="1600"/>
+            <a:lvl5pPr marL="1828800" indent="0">
+              <a:buNone/>
+              <a:defRPr sz="2000"/>
             </a:lvl5pPr>
-            <a:lvl6pPr marL="2286000" indent="0" algn="ctr">
-              <a:buNone/>
-              <a:defRPr sz="1600"/>
+            <a:lvl6pPr marL="2286000" indent="0">
+              <a:buNone/>
+              <a:defRPr sz="2000"/>
             </a:lvl6pPr>
-            <a:lvl7pPr marL="2743200" indent="0" algn="ctr">
-              <a:buNone/>
-              <a:defRPr sz="1600"/>
+            <a:lvl7pPr marL="2743200" indent="0">
+              <a:buNone/>
+              <a:defRPr sz="2000"/>
             </a:lvl7pPr>
-            <a:lvl8pPr marL="3200400" indent="0" algn="ctr">
-              <a:buNone/>
-              <a:defRPr sz="1600"/>
+            <a:lvl8pPr marL="3200400" indent="0">
+              <a:buNone/>
+              <a:defRPr sz="2000"/>
             </a:lvl8pPr>
-            <a:lvl9pPr marL="3657600" indent="0" algn="ctr">
-              <a:buNone/>
-              <a:defRPr sz="1600"/>
+            <a:lvl9pPr marL="3657600" indent="0">
+              <a:buNone/>
+              <a:defRPr sz="2000"/>
             </a:lvl9pPr>
           </a:lstStyle>
           <a:p>
-            <a:r>
-              <a:rPr lang="nl-NL" smtClean="0"/>
-              <a:t>Klik om de ondertitelstijl van het model te bewerken</a:t>
-            </a:r>
-            <a:endParaRPr lang="nl-NL"/>
+            <a:pPr lvl="0"/>
+            <a:endParaRPr lang="nl-NL" noProof="0" smtClean="0"/>
           </a:p>
         </p:txBody>
       </p:sp>
       <p:sp>
         <p:nvSpPr>
-          <p:cNvPr id="4" name="Tijdelijke aanduiding voor datum 3"/>
+          <p:cNvPr id="4" name="Tijdelijke aanduiding voor tekst 3"/>
           <p:cNvSpPr>
             <a:spLocks noGrp="1"/>
           </p:cNvSpPr>
           <p:nvPr>
-            <p:ph type="dt" sz="half" idx="10"/>
+            <p:ph type="body" sz="half" idx="2"/>
           </p:nvPr>
         </p:nvSpPr>
-        <p:spPr/>
+        <p:spPr>
+          <a:xfrm>
+            <a:off x="1792288" y="5367338"/>
+            <a:ext cx="5486400" cy="804862"/>
+          </a:xfrm>
+        </p:spPr>
         <p:txBody>
           <a:bodyPr/>
-          <a:lstStyle/>
-          <a:p>
-            <a:fld id="{C4324EB6-76AB-4EF0-B9EB-4D963F0D75A1}" type="datetimeFigureOut">
+          <a:lstStyle>
+            <a:lvl1pPr marL="0" indent="0">
+              <a:buNone/>
+              <a:defRPr sz="1400"/>
+            </a:lvl1pPr>
+            <a:lvl2pPr marL="457200" indent="0">
+              <a:buNone/>
+              <a:defRPr sz="1200"/>
+            </a:lvl2pPr>
+            <a:lvl3pPr marL="914400" indent="0">
+              <a:buNone/>
+              <a:defRPr sz="1000"/>
+            </a:lvl3pPr>
+            <a:lvl4pPr marL="1371600" indent="0">
+              <a:buNone/>
+              <a:defRPr sz="900"/>
+            </a:lvl4pPr>
+            <a:lvl5pPr marL="1828800" indent="0">
+              <a:buNone/>
+              <a:defRPr sz="900"/>
+            </a:lvl5pPr>
+            <a:lvl6pPr marL="2286000" indent="0">
+              <a:buNone/>
+              <a:defRPr sz="900"/>
+            </a:lvl6pPr>
+            <a:lvl7pPr marL="2743200" indent="0">
+              <a:buNone/>
+              <a:defRPr sz="900"/>
+            </a:lvl7pPr>
+            <a:lvl8pPr marL="3200400" indent="0">
+              <a:buNone/>
+              <a:defRPr sz="900"/>
+            </a:lvl8pPr>
+            <a:lvl9pPr marL="3657600" indent="0">
+              <a:buNone/>
+              <a:defRPr sz="900"/>
+            </a:lvl9pPr>
+          </a:lstStyle>
+          <a:p>
+            <a:pPr lvl="0"/>
+            <a:r>
               <a:rPr lang="nl-NL" smtClean="0"/>
-              <a:t>15-1-2015</a:t>
-            </a:fld>
-            <a:endParaRPr lang="nl-NL"/>
-          </a:p>
-        </p:txBody>
-      </p:sp>
-      <p:sp>
-        <p:nvSpPr>
-          <p:cNvPr id="5" name="Tijdelijke aanduiding voor voettekst 4"/>
-          <p:cNvSpPr>
-            <a:spLocks noGrp="1"/>
-          </p:cNvSpPr>
-          <p:nvPr>
-            <p:ph type="ftr" sz="quarter" idx="11"/>
-          </p:nvPr>
-        </p:nvSpPr>
-        <p:spPr/>
-        <p:txBody>
-          <a:bodyPr/>
-          <a:lstStyle/>
-          <a:p>
-            <a:endParaRPr lang="nl-NL"/>
-          </a:p>
-        </p:txBody>
-      </p:sp>
-      <p:sp>
-        <p:nvSpPr>
-          <p:cNvPr id="6" name="Tijdelijke aanduiding voor dianummer 5"/>
-          <p:cNvSpPr>
-            <a:spLocks noGrp="1"/>
-          </p:cNvSpPr>
-          <p:nvPr>
-            <p:ph type="sldNum" sz="quarter" idx="12"/>
-          </p:nvPr>
-        </p:nvSpPr>
-        <p:spPr/>
-        <p:txBody>
-          <a:bodyPr/>
-          <a:lstStyle/>
-          <a:p>
-            <a:fld id="{38EF696E-8A41-468D-8D02-F1A3912D54EF}" type="slidenum">
-              <a:rPr lang="nl-NL" smtClean="0"/>
-              <a:t>‹nr.›</a:t>
-            </a:fld>
-            <a:endParaRPr lang="nl-NL"/>
+              <a:t>Klik om de modelstijlen te bewerken</a:t>
+            </a:r>
           </a:p>
         </p:txBody>
       </p:sp>
     </p:spTree>
     <p:extLst>
       <p:ext uri="{BB962C8B-B14F-4D97-AF65-F5344CB8AC3E}">
-        <p14:creationId xmlns:p14="http://schemas.microsoft.com/office/powerpoint/2010/main" val="152141012"/>
+        <p14:creationId xmlns:p14="http://schemas.microsoft.com/office/powerpoint/2010/main" val="261699245"/>
       </p:ext>
     </p:extLst>
   </p:cSld>
@@ -299,7 +1411,7 @@
 </p:sldLayout>
 </file>
 
-<file path=ppt/slideLayouts/slideLayout10.xml><?xml version="1.0" encoding="utf-8"?>
+<file path=ppt/slideLayouts/slideLayout11.xml><?xml version="1.0" encoding="utf-8"?>
 <p:sldLayout xmlns:a="http://schemas.openxmlformats.org/drawingml/2006/main" xmlns:r="http://schemas.openxmlformats.org/officeDocument/2006/relationships" xmlns:p="http://schemas.openxmlformats.org/presentationml/2006/main" type="vertTx" preserve="1">
   <p:cSld name="Titel en verticale tekst">
     <p:spTree>
@@ -391,75 +1503,10 @@
           </a:p>
         </p:txBody>
       </p:sp>
-      <p:sp>
-        <p:nvSpPr>
-          <p:cNvPr id="4" name="Tijdelijke aanduiding voor datum 3"/>
-          <p:cNvSpPr>
-            <a:spLocks noGrp="1"/>
-          </p:cNvSpPr>
-          <p:nvPr>
-            <p:ph type="dt" sz="half" idx="10"/>
-          </p:nvPr>
-        </p:nvSpPr>
-        <p:spPr/>
-        <p:txBody>
-          <a:bodyPr/>
-          <a:lstStyle/>
-          <a:p>
-            <a:fld id="{C4324EB6-76AB-4EF0-B9EB-4D963F0D75A1}" type="datetimeFigureOut">
-              <a:rPr lang="nl-NL" smtClean="0"/>
-              <a:t>15-1-2015</a:t>
-            </a:fld>
-            <a:endParaRPr lang="nl-NL"/>
-          </a:p>
-        </p:txBody>
-      </p:sp>
-      <p:sp>
-        <p:nvSpPr>
-          <p:cNvPr id="5" name="Tijdelijke aanduiding voor voettekst 4"/>
-          <p:cNvSpPr>
-            <a:spLocks noGrp="1"/>
-          </p:cNvSpPr>
-          <p:nvPr>
-            <p:ph type="ftr" sz="quarter" idx="11"/>
-          </p:nvPr>
-        </p:nvSpPr>
-        <p:spPr/>
-        <p:txBody>
-          <a:bodyPr/>
-          <a:lstStyle/>
-          <a:p>
-            <a:endParaRPr lang="nl-NL"/>
-          </a:p>
-        </p:txBody>
-      </p:sp>
-      <p:sp>
-        <p:nvSpPr>
-          <p:cNvPr id="6" name="Tijdelijke aanduiding voor dianummer 5"/>
-          <p:cNvSpPr>
-            <a:spLocks noGrp="1"/>
-          </p:cNvSpPr>
-          <p:nvPr>
-            <p:ph type="sldNum" sz="quarter" idx="12"/>
-          </p:nvPr>
-        </p:nvSpPr>
-        <p:spPr/>
-        <p:txBody>
-          <a:bodyPr/>
-          <a:lstStyle/>
-          <a:p>
-            <a:fld id="{38EF696E-8A41-468D-8D02-F1A3912D54EF}" type="slidenum">
-              <a:rPr lang="nl-NL" smtClean="0"/>
-              <a:t>‹nr.›</a:t>
-            </a:fld>
-            <a:endParaRPr lang="nl-NL"/>
-          </a:p>
-        </p:txBody>
-      </p:sp>
     </p:spTree>
     <p:extLst>
       <p:ext uri="{BB962C8B-B14F-4D97-AF65-F5344CB8AC3E}">
-        <p14:creationId xmlns:p14="http://schemas.microsoft.com/office/powerpoint/2010/main" val="3722168094"/>
+        <p14:creationId xmlns:p14="http://schemas.microsoft.com/office/powerpoint/2010/main" val="249875512"/>
       </p:ext>
     </p:extLst>
   </p:cSld>
@@ -469,7 +1516,7 @@
 </p:sldLayout>
 </file>
 
-<file path=ppt/slideLayouts/slideLayout11.xml><?xml version="1.0" encoding="utf-8"?>
+<file path=ppt/slideLayouts/slideLayout12.xml><?xml version="1.0" encoding="utf-8"?>
 <p:sldLayout xmlns:a="http://schemas.openxmlformats.org/drawingml/2006/main" xmlns:r="http://schemas.openxmlformats.org/officeDocument/2006/relationships" xmlns:p="http://schemas.openxmlformats.org/presentationml/2006/main" type="vertTitleAndTx" preserve="1">
   <p:cSld name="Verticale titel en tekst">
     <p:spTree>
@@ -498,8 +1545,8 @@
         </p:nvSpPr>
         <p:spPr>
           <a:xfrm>
-            <a:off x="8724900" y="365125"/>
-            <a:ext cx="2628900" cy="5811838"/>
+            <a:off x="6288088" y="457200"/>
+            <a:ext cx="1789112" cy="4878388"/>
           </a:xfrm>
         </p:spPr>
         <p:txBody>
@@ -526,8 +1573,8 @@
         </p:nvSpPr>
         <p:spPr>
           <a:xfrm>
-            <a:off x="838200" y="365125"/>
-            <a:ext cx="7734300" cy="5811838"/>
+            <a:off x="917575" y="457200"/>
+            <a:ext cx="5218113" cy="4878388"/>
           </a:xfrm>
         </p:spPr>
         <p:txBody>
@@ -571,75 +1618,235 @@
           </a:p>
         </p:txBody>
       </p:sp>
+    </p:spTree>
+    <p:extLst>
+      <p:ext uri="{BB962C8B-B14F-4D97-AF65-F5344CB8AC3E}">
+        <p14:creationId xmlns:p14="http://schemas.microsoft.com/office/powerpoint/2010/main" val="1176525758"/>
+      </p:ext>
+    </p:extLst>
+  </p:cSld>
+  <p:clrMapOvr>
+    <a:masterClrMapping/>
+  </p:clrMapOvr>
+</p:sldLayout>
+</file>
+
+<file path=ppt/slideLayouts/slideLayout13.xml><?xml version="1.0" encoding="utf-8"?>
+<p:sldLayout xmlns:a="http://schemas.openxmlformats.org/drawingml/2006/main" xmlns:r="http://schemas.openxmlformats.org/officeDocument/2006/relationships" xmlns:p="http://schemas.openxmlformats.org/presentationml/2006/main" type="objAndTwoObj" preserve="1">
+  <p:cSld name="Title, Content, and 2 Content">
+    <p:spTree>
+      <p:nvGrpSpPr>
+        <p:cNvPr id="1" name=""/>
+        <p:cNvGrpSpPr/>
+        <p:nvPr/>
+      </p:nvGrpSpPr>
+      <p:grpSpPr>
+        <a:xfrm>
+          <a:off x="0" y="0"/>
+          <a:ext cx="0" cy="0"/>
+          <a:chOff x="0" y="0"/>
+          <a:chExt cx="0" cy="0"/>
+        </a:xfrm>
+      </p:grpSpPr>
       <p:sp>
         <p:nvSpPr>
-          <p:cNvPr id="4" name="Tijdelijke aanduiding voor datum 3"/>
+          <p:cNvPr id="2" name="Title 1"/>
           <p:cNvSpPr>
             <a:spLocks noGrp="1"/>
           </p:cNvSpPr>
           <p:nvPr>
-            <p:ph type="dt" sz="half" idx="10"/>
+            <p:ph type="title"/>
           </p:nvPr>
         </p:nvSpPr>
-        <p:spPr/>
+        <p:spPr>
+          <a:xfrm>
+            <a:off x="917575" y="457200"/>
+            <a:ext cx="7159625" cy="1066800"/>
+          </a:xfrm>
+        </p:spPr>
         <p:txBody>
           <a:bodyPr/>
           <a:lstStyle/>
           <a:p>
-            <a:fld id="{C4324EB6-76AB-4EF0-B9EB-4D963F0D75A1}" type="datetimeFigureOut">
-              <a:rPr lang="nl-NL" smtClean="0"/>
-              <a:t>15-1-2015</a:t>
-            </a:fld>
-            <a:endParaRPr lang="nl-NL"/>
+            <a:r>
+              <a:rPr lang="en-US"/>
+              <a:t>Click to edit Master title style</a:t>
+            </a:r>
           </a:p>
         </p:txBody>
       </p:sp>
       <p:sp>
         <p:nvSpPr>
-          <p:cNvPr id="5" name="Tijdelijke aanduiding voor voettekst 4"/>
+          <p:cNvPr id="3" name="Content Placeholder 2"/>
           <p:cNvSpPr>
             <a:spLocks noGrp="1"/>
           </p:cNvSpPr>
           <p:nvPr>
-            <p:ph type="ftr" sz="quarter" idx="11"/>
+            <p:ph sz="half" idx="1"/>
           </p:nvPr>
         </p:nvSpPr>
-        <p:spPr/>
+        <p:spPr>
+          <a:xfrm>
+            <a:off x="925513" y="1828800"/>
+            <a:ext cx="3492500" cy="3506788"/>
+          </a:xfrm>
+        </p:spPr>
         <p:txBody>
           <a:bodyPr/>
           <a:lstStyle/>
           <a:p>
-            <a:endParaRPr lang="nl-NL"/>
+            <a:pPr lvl="0"/>
+            <a:r>
+              <a:rPr lang="en-US"/>
+              <a:t>Click to edit Master text styles</a:t>
+            </a:r>
+          </a:p>
+          <a:p>
+            <a:pPr lvl="1"/>
+            <a:r>
+              <a:rPr lang="en-US"/>
+              <a:t>Second level</a:t>
+            </a:r>
+          </a:p>
+          <a:p>
+            <a:pPr lvl="2"/>
+            <a:r>
+              <a:rPr lang="en-US"/>
+              <a:t>Third level</a:t>
+            </a:r>
+          </a:p>
+          <a:p>
+            <a:pPr lvl="3"/>
+            <a:r>
+              <a:rPr lang="en-US"/>
+              <a:t>Fourth level</a:t>
+            </a:r>
+          </a:p>
+          <a:p>
+            <a:pPr lvl="4"/>
+            <a:r>
+              <a:rPr lang="en-US"/>
+              <a:t>Fifth level</a:t>
+            </a:r>
           </a:p>
         </p:txBody>
       </p:sp>
       <p:sp>
         <p:nvSpPr>
-          <p:cNvPr id="6" name="Tijdelijke aanduiding voor dianummer 5"/>
+          <p:cNvPr id="4" name="Content Placeholder 3"/>
           <p:cNvSpPr>
             <a:spLocks noGrp="1"/>
           </p:cNvSpPr>
           <p:nvPr>
-            <p:ph type="sldNum" sz="quarter" idx="12"/>
+            <p:ph sz="quarter" idx="2"/>
           </p:nvPr>
         </p:nvSpPr>
-        <p:spPr/>
+        <p:spPr>
+          <a:xfrm>
+            <a:off x="4570413" y="1828800"/>
+            <a:ext cx="3494087" cy="1676400"/>
+          </a:xfrm>
+        </p:spPr>
         <p:txBody>
           <a:bodyPr/>
           <a:lstStyle/>
           <a:p>
-            <a:fld id="{38EF696E-8A41-468D-8D02-F1A3912D54EF}" type="slidenum">
-              <a:rPr lang="nl-NL" smtClean="0"/>
-              <a:t>‹nr.›</a:t>
-            </a:fld>
-            <a:endParaRPr lang="nl-NL"/>
+            <a:pPr lvl="0"/>
+            <a:r>
+              <a:rPr lang="en-US"/>
+              <a:t>Click to edit Master text styles</a:t>
+            </a:r>
+          </a:p>
+          <a:p>
+            <a:pPr lvl="1"/>
+            <a:r>
+              <a:rPr lang="en-US"/>
+              <a:t>Second level</a:t>
+            </a:r>
+          </a:p>
+          <a:p>
+            <a:pPr lvl="2"/>
+            <a:r>
+              <a:rPr lang="en-US"/>
+              <a:t>Third level</a:t>
+            </a:r>
+          </a:p>
+          <a:p>
+            <a:pPr lvl="3"/>
+            <a:r>
+              <a:rPr lang="en-US"/>
+              <a:t>Fourth level</a:t>
+            </a:r>
+          </a:p>
+          <a:p>
+            <a:pPr lvl="4"/>
+            <a:r>
+              <a:rPr lang="en-US"/>
+              <a:t>Fifth level</a:t>
+            </a:r>
+          </a:p>
+        </p:txBody>
+      </p:sp>
+      <p:sp>
+        <p:nvSpPr>
+          <p:cNvPr id="5" name="Content Placeholder 4"/>
+          <p:cNvSpPr>
+            <a:spLocks noGrp="1"/>
+          </p:cNvSpPr>
+          <p:nvPr>
+            <p:ph sz="quarter" idx="3"/>
+          </p:nvPr>
+        </p:nvSpPr>
+        <p:spPr>
+          <a:xfrm>
+            <a:off x="4570413" y="3657600"/>
+            <a:ext cx="3494087" cy="1677988"/>
+          </a:xfrm>
+        </p:spPr>
+        <p:txBody>
+          <a:bodyPr/>
+          <a:lstStyle/>
+          <a:p>
+            <a:pPr lvl="0"/>
+            <a:r>
+              <a:rPr lang="en-US"/>
+              <a:t>Click to edit Master text styles</a:t>
+            </a:r>
+          </a:p>
+          <a:p>
+            <a:pPr lvl="1"/>
+            <a:r>
+              <a:rPr lang="en-US"/>
+              <a:t>Second level</a:t>
+            </a:r>
+          </a:p>
+          <a:p>
+            <a:pPr lvl="2"/>
+            <a:r>
+              <a:rPr lang="en-US"/>
+              <a:t>Third level</a:t>
+            </a:r>
+          </a:p>
+          <a:p>
+            <a:pPr lvl="3"/>
+            <a:r>
+              <a:rPr lang="en-US"/>
+              <a:t>Fourth level</a:t>
+            </a:r>
+          </a:p>
+          <a:p>
+            <a:pPr lvl="4"/>
+            <a:r>
+              <a:rPr lang="en-US"/>
+              <a:t>Fifth level</a:t>
+            </a:r>
           </a:p>
         </p:txBody>
       </p:sp>
     </p:spTree>
     <p:extLst>
       <p:ext uri="{BB962C8B-B14F-4D97-AF65-F5344CB8AC3E}">
-        <p14:creationId xmlns:p14="http://schemas.microsoft.com/office/powerpoint/2010/main" val="3248002830"/>
+        <p14:creationId xmlns:p14="http://schemas.microsoft.com/office/powerpoint/2010/main" val="3936225628"/>
       </p:ext>
     </p:extLst>
   </p:cSld>
@@ -650,6 +1857,129 @@
 </file>
 
 <file path=ppt/slideLayouts/slideLayout2.xml><?xml version="1.0" encoding="utf-8"?>
+<p:sldLayout xmlns:a="http://schemas.openxmlformats.org/drawingml/2006/main" xmlns:r="http://schemas.openxmlformats.org/officeDocument/2006/relationships" xmlns:p="http://schemas.openxmlformats.org/presentationml/2006/main" type="title" preserve="1">
+  <p:cSld name="Titeldia">
+    <p:spTree>
+      <p:nvGrpSpPr>
+        <p:cNvPr id="1" name=""/>
+        <p:cNvGrpSpPr/>
+        <p:nvPr/>
+      </p:nvGrpSpPr>
+      <p:grpSpPr>
+        <a:xfrm>
+          <a:off x="0" y="0"/>
+          <a:ext cx="0" cy="0"/>
+          <a:chOff x="0" y="0"/>
+          <a:chExt cx="0" cy="0"/>
+        </a:xfrm>
+      </p:grpSpPr>
+      <p:sp>
+        <p:nvSpPr>
+          <p:cNvPr id="2" name="Titel 1"/>
+          <p:cNvSpPr>
+            <a:spLocks noGrp="1"/>
+          </p:cNvSpPr>
+          <p:nvPr>
+            <p:ph type="ctrTitle"/>
+          </p:nvPr>
+        </p:nvSpPr>
+        <p:spPr>
+          <a:xfrm>
+            <a:off x="685800" y="2130425"/>
+            <a:ext cx="7772400" cy="1470025"/>
+          </a:xfrm>
+        </p:spPr>
+        <p:txBody>
+          <a:bodyPr/>
+          <a:lstStyle/>
+          <a:p>
+            <a:r>
+              <a:rPr lang="nl-NL" smtClean="0"/>
+              <a:t>Klik om de stijl te bewerken</a:t>
+            </a:r>
+            <a:endParaRPr lang="nl-NL"/>
+          </a:p>
+        </p:txBody>
+      </p:sp>
+      <p:sp>
+        <p:nvSpPr>
+          <p:cNvPr id="3" name="Ondertitel 2"/>
+          <p:cNvSpPr>
+            <a:spLocks noGrp="1"/>
+          </p:cNvSpPr>
+          <p:nvPr>
+            <p:ph type="subTitle" idx="1"/>
+          </p:nvPr>
+        </p:nvSpPr>
+        <p:spPr>
+          <a:xfrm>
+            <a:off x="1371600" y="3886200"/>
+            <a:ext cx="6400800" cy="1752600"/>
+          </a:xfrm>
+        </p:spPr>
+        <p:txBody>
+          <a:bodyPr/>
+          <a:lstStyle>
+            <a:lvl1pPr marL="0" indent="0" algn="ctr">
+              <a:buNone/>
+              <a:defRPr/>
+            </a:lvl1pPr>
+            <a:lvl2pPr marL="457200" indent="0" algn="ctr">
+              <a:buNone/>
+              <a:defRPr/>
+            </a:lvl2pPr>
+            <a:lvl3pPr marL="914400" indent="0" algn="ctr">
+              <a:buNone/>
+              <a:defRPr/>
+            </a:lvl3pPr>
+            <a:lvl4pPr marL="1371600" indent="0" algn="ctr">
+              <a:buNone/>
+              <a:defRPr/>
+            </a:lvl4pPr>
+            <a:lvl5pPr marL="1828800" indent="0" algn="ctr">
+              <a:buNone/>
+              <a:defRPr/>
+            </a:lvl5pPr>
+            <a:lvl6pPr marL="2286000" indent="0" algn="ctr">
+              <a:buNone/>
+              <a:defRPr/>
+            </a:lvl6pPr>
+            <a:lvl7pPr marL="2743200" indent="0" algn="ctr">
+              <a:buNone/>
+              <a:defRPr/>
+            </a:lvl7pPr>
+            <a:lvl8pPr marL="3200400" indent="0" algn="ctr">
+              <a:buNone/>
+              <a:defRPr/>
+            </a:lvl8pPr>
+            <a:lvl9pPr marL="3657600" indent="0" algn="ctr">
+              <a:buNone/>
+              <a:defRPr/>
+            </a:lvl9pPr>
+          </a:lstStyle>
+          <a:p>
+            <a:r>
+              <a:rPr lang="nl-NL" smtClean="0"/>
+              <a:t>Klik om het opmaakprofiel van de modelondertitel te bewerken</a:t>
+            </a:r>
+            <a:endParaRPr lang="nl-NL"/>
+          </a:p>
+        </p:txBody>
+      </p:sp>
+    </p:spTree>
+    <p:extLst>
+      <p:ext uri="{BB962C8B-B14F-4D97-AF65-F5344CB8AC3E}">
+        <p14:creationId xmlns:p14="http://schemas.microsoft.com/office/powerpoint/2010/main" val="884803965"/>
+      </p:ext>
+    </p:extLst>
+  </p:cSld>
+  <p:clrMapOvr>
+    <a:masterClrMapping/>
+  </p:clrMapOvr>
+</p:sldLayout>
+</file>
+
+<file path=ppt/slideLayouts/slideLayout3.xml><?xml version="1.0" encoding="utf-8"?>
 <p:sldLayout xmlns:a="http://schemas.openxmlformats.org/drawingml/2006/main" xmlns:r="http://schemas.openxmlformats.org/officeDocument/2006/relationships" xmlns:p="http://schemas.openxmlformats.org/presentationml/2006/main" type="obj" preserve="1">
   <p:cSld name="Titel en object">
     <p:spTree>
@@ -682,10 +2012,10 @@
           <a:lstStyle/>
           <a:p>
             <a:r>
-              <a:rPr lang="nl-NL" smtClean="0"/>
+              <a:rPr lang="nl-NL" dirty="0" smtClean="0"/>
               <a:t>Klik om de stijl te bewerken</a:t>
             </a:r>
-            <a:endParaRPr lang="nl-NL"/>
+            <a:endParaRPr lang="nl-NL" dirty="0"/>
           </a:p>
         </p:txBody>
       </p:sp>
@@ -706,110 +2036,45 @@
           <a:p>
             <a:pPr lvl="0"/>
             <a:r>
-              <a:rPr lang="nl-NL" smtClean="0"/>
+              <a:rPr lang="nl-NL" dirty="0" smtClean="0"/>
               <a:t>Klik om de modelstijlen te bewerken</a:t>
             </a:r>
           </a:p>
           <a:p>
             <a:pPr lvl="1"/>
             <a:r>
-              <a:rPr lang="nl-NL" smtClean="0"/>
+              <a:rPr lang="nl-NL" dirty="0" smtClean="0"/>
               <a:t>Tweede niveau</a:t>
             </a:r>
           </a:p>
           <a:p>
             <a:pPr lvl="2"/>
             <a:r>
-              <a:rPr lang="nl-NL" smtClean="0"/>
+              <a:rPr lang="nl-NL" dirty="0" smtClean="0"/>
               <a:t>Derde niveau</a:t>
             </a:r>
           </a:p>
           <a:p>
             <a:pPr lvl="3"/>
             <a:r>
-              <a:rPr lang="nl-NL" smtClean="0"/>
+              <a:rPr lang="nl-NL" dirty="0" smtClean="0"/>
               <a:t>Vierde niveau</a:t>
             </a:r>
           </a:p>
           <a:p>
             <a:pPr lvl="4"/>
             <a:r>
-              <a:rPr lang="nl-NL" smtClean="0"/>
+              <a:rPr lang="nl-NL" dirty="0" smtClean="0"/>
               <a:t>Vijfde niveau</a:t>
             </a:r>
-            <a:endParaRPr lang="nl-NL"/>
-          </a:p>
-        </p:txBody>
-      </p:sp>
-      <p:sp>
-        <p:nvSpPr>
-          <p:cNvPr id="4" name="Tijdelijke aanduiding voor datum 3"/>
-          <p:cNvSpPr>
-            <a:spLocks noGrp="1"/>
-          </p:cNvSpPr>
-          <p:nvPr>
-            <p:ph type="dt" sz="half" idx="10"/>
-          </p:nvPr>
-        </p:nvSpPr>
-        <p:spPr/>
-        <p:txBody>
-          <a:bodyPr/>
-          <a:lstStyle/>
-          <a:p>
-            <a:fld id="{C4324EB6-76AB-4EF0-B9EB-4D963F0D75A1}" type="datetimeFigureOut">
-              <a:rPr lang="nl-NL" smtClean="0"/>
-              <a:t>15-1-2015</a:t>
-            </a:fld>
-            <a:endParaRPr lang="nl-NL"/>
-          </a:p>
-        </p:txBody>
-      </p:sp>
-      <p:sp>
-        <p:nvSpPr>
-          <p:cNvPr id="5" name="Tijdelijke aanduiding voor voettekst 4"/>
-          <p:cNvSpPr>
-            <a:spLocks noGrp="1"/>
-          </p:cNvSpPr>
-          <p:nvPr>
-            <p:ph type="ftr" sz="quarter" idx="11"/>
-          </p:nvPr>
-        </p:nvSpPr>
-        <p:spPr/>
-        <p:txBody>
-          <a:bodyPr/>
-          <a:lstStyle/>
-          <a:p>
-            <a:endParaRPr lang="nl-NL"/>
-          </a:p>
-        </p:txBody>
-      </p:sp>
-      <p:sp>
-        <p:nvSpPr>
-          <p:cNvPr id="6" name="Tijdelijke aanduiding voor dianummer 5"/>
-          <p:cNvSpPr>
-            <a:spLocks noGrp="1"/>
-          </p:cNvSpPr>
-          <p:nvPr>
-            <p:ph type="sldNum" sz="quarter" idx="12"/>
-          </p:nvPr>
-        </p:nvSpPr>
-        <p:spPr/>
-        <p:txBody>
-          <a:bodyPr/>
-          <a:lstStyle/>
-          <a:p>
-            <a:fld id="{38EF696E-8A41-468D-8D02-F1A3912D54EF}" type="slidenum">
-              <a:rPr lang="nl-NL" smtClean="0"/>
-              <a:t>‹nr.›</a:t>
-            </a:fld>
-            <a:endParaRPr lang="nl-NL"/>
+            <a:endParaRPr lang="nl-NL" dirty="0"/>
           </a:p>
         </p:txBody>
       </p:sp>
     </p:spTree>
     <p:extLst>
       <p:ext uri="{BB962C8B-B14F-4D97-AF65-F5344CB8AC3E}">
-        <p14:creationId xmlns:p14="http://schemas.microsoft.com/office/powerpoint/2010/main" val="3028500438"/>
+        <p14:creationId xmlns:p14="http://schemas.microsoft.com/office/powerpoint/2010/main" val="494910722"/>
       </p:ext>
     </p:extLst>
   </p:cSld>
@@ -819,7 +2084,7 @@
 </p:sldLayout>
 </file>
 
-<file path=ppt/slideLayouts/slideLayout3.xml><?xml version="1.0" encoding="utf-8"?>
+<file path=ppt/slideLayouts/slideLayout4.xml><?xml version="1.0" encoding="utf-8"?>
 <p:sldLayout xmlns:a="http://schemas.openxmlformats.org/drawingml/2006/main" xmlns:r="http://schemas.openxmlformats.org/officeDocument/2006/relationships" xmlns:p="http://schemas.openxmlformats.org/presentationml/2006/main" type="secHead" preserve="1">
   <p:cSld name="Sectiekop">
     <p:spTree>
@@ -848,15 +2113,15 @@
         </p:nvSpPr>
         <p:spPr>
           <a:xfrm>
-            <a:off x="831850" y="1709738"/>
-            <a:ext cx="10515600" cy="2852737"/>
+            <a:off x="722313" y="4406900"/>
+            <a:ext cx="7772400" cy="1362075"/>
           </a:xfrm>
         </p:spPr>
         <p:txBody>
-          <a:bodyPr anchor="b"/>
+          <a:bodyPr/>
           <a:lstStyle>
-            <a:lvl1pPr>
-              <a:defRPr sz="6000"/>
+            <a:lvl1pPr algn="l">
+              <a:defRPr sz="4000" b="1" cap="all"/>
             </a:lvl1pPr>
           </a:lstStyle>
           <a:p>
@@ -880,102 +2145,48 @@
         </p:nvSpPr>
         <p:spPr>
           <a:xfrm>
-            <a:off x="831850" y="4589463"/>
-            <a:ext cx="10515600" cy="1500187"/>
+            <a:off x="722313" y="2906713"/>
+            <a:ext cx="7772400" cy="1500187"/>
           </a:xfrm>
         </p:spPr>
         <p:txBody>
-          <a:bodyPr/>
+          <a:bodyPr anchor="b"/>
           <a:lstStyle>
             <a:lvl1pPr marL="0" indent="0">
               <a:buNone/>
-              <a:defRPr sz="2400">
-                <a:solidFill>
-                  <a:schemeClr val="tx1">
-                    <a:tint val="75000"/>
-                  </a:schemeClr>
-                </a:solidFill>
-              </a:defRPr>
+              <a:defRPr sz="2000"/>
             </a:lvl1pPr>
             <a:lvl2pPr marL="457200" indent="0">
               <a:buNone/>
-              <a:defRPr sz="2000">
-                <a:solidFill>
-                  <a:schemeClr val="tx1">
-                    <a:tint val="75000"/>
-                  </a:schemeClr>
-                </a:solidFill>
-              </a:defRPr>
+              <a:defRPr sz="1800"/>
             </a:lvl2pPr>
             <a:lvl3pPr marL="914400" indent="0">
               <a:buNone/>
-              <a:defRPr sz="1800">
-                <a:solidFill>
-                  <a:schemeClr val="tx1">
-                    <a:tint val="75000"/>
-                  </a:schemeClr>
-                </a:solidFill>
-              </a:defRPr>
+              <a:defRPr sz="1600"/>
             </a:lvl3pPr>
             <a:lvl4pPr marL="1371600" indent="0">
               <a:buNone/>
-              <a:defRPr sz="1600">
-                <a:solidFill>
-                  <a:schemeClr val="tx1">
-                    <a:tint val="75000"/>
-                  </a:schemeClr>
-                </a:solidFill>
-              </a:defRPr>
+              <a:defRPr sz="1400"/>
             </a:lvl4pPr>
             <a:lvl5pPr marL="1828800" indent="0">
               <a:buNone/>
-              <a:defRPr sz="1600">
-                <a:solidFill>
-                  <a:schemeClr val="tx1">
-                    <a:tint val="75000"/>
-                  </a:schemeClr>
-                </a:solidFill>
-              </a:defRPr>
+              <a:defRPr sz="1400"/>
             </a:lvl5pPr>
             <a:lvl6pPr marL="2286000" indent="0">
               <a:buNone/>
-              <a:defRPr sz="1600">
-                <a:solidFill>
-                  <a:schemeClr val="tx1">
-                    <a:tint val="75000"/>
-                  </a:schemeClr>
-                </a:solidFill>
-              </a:defRPr>
+              <a:defRPr sz="1400"/>
             </a:lvl6pPr>
             <a:lvl7pPr marL="2743200" indent="0">
               <a:buNone/>
-              <a:defRPr sz="1600">
-                <a:solidFill>
-                  <a:schemeClr val="tx1">
-                    <a:tint val="75000"/>
-                  </a:schemeClr>
-                </a:solidFill>
-              </a:defRPr>
+              <a:defRPr sz="1400"/>
             </a:lvl7pPr>
             <a:lvl8pPr marL="3200400" indent="0">
               <a:buNone/>
-              <a:defRPr sz="1600">
-                <a:solidFill>
-                  <a:schemeClr val="tx1">
-                    <a:tint val="75000"/>
-                  </a:schemeClr>
-                </a:solidFill>
-              </a:defRPr>
+              <a:defRPr sz="1400"/>
             </a:lvl8pPr>
             <a:lvl9pPr marL="3657600" indent="0">
               <a:buNone/>
-              <a:defRPr sz="1600">
-                <a:solidFill>
-                  <a:schemeClr val="tx1">
-                    <a:tint val="75000"/>
-                  </a:schemeClr>
-                </a:solidFill>
-              </a:defRPr>
+              <a:defRPr sz="1400"/>
             </a:lvl9pPr>
           </a:lstStyle>
           <a:p>
@@ -984,78 +2195,13 @@
               <a:rPr lang="nl-NL" smtClean="0"/>
               <a:t>Klik om de modelstijlen te bewerken</a:t>
             </a:r>
-          </a:p>
-        </p:txBody>
-      </p:sp>
-      <p:sp>
-        <p:nvSpPr>
-          <p:cNvPr id="4" name="Tijdelijke aanduiding voor datum 3"/>
-          <p:cNvSpPr>
-            <a:spLocks noGrp="1"/>
-          </p:cNvSpPr>
-          <p:nvPr>
-            <p:ph type="dt" sz="half" idx="10"/>
-          </p:nvPr>
-        </p:nvSpPr>
-        <p:spPr/>
-        <p:txBody>
-          <a:bodyPr/>
-          <a:lstStyle/>
-          <a:p>
-            <a:fld id="{C4324EB6-76AB-4EF0-B9EB-4D963F0D75A1}" type="datetimeFigureOut">
-              <a:rPr lang="nl-NL" smtClean="0"/>
-              <a:t>15-1-2015</a:t>
-            </a:fld>
-            <a:endParaRPr lang="nl-NL"/>
-          </a:p>
-        </p:txBody>
-      </p:sp>
-      <p:sp>
-        <p:nvSpPr>
-          <p:cNvPr id="5" name="Tijdelijke aanduiding voor voettekst 4"/>
-          <p:cNvSpPr>
-            <a:spLocks noGrp="1"/>
-          </p:cNvSpPr>
-          <p:nvPr>
-            <p:ph type="ftr" sz="quarter" idx="11"/>
-          </p:nvPr>
-        </p:nvSpPr>
-        <p:spPr/>
-        <p:txBody>
-          <a:bodyPr/>
-          <a:lstStyle/>
-          <a:p>
-            <a:endParaRPr lang="nl-NL"/>
-          </a:p>
-        </p:txBody>
-      </p:sp>
-      <p:sp>
-        <p:nvSpPr>
-          <p:cNvPr id="6" name="Tijdelijke aanduiding voor dianummer 5"/>
-          <p:cNvSpPr>
-            <a:spLocks noGrp="1"/>
-          </p:cNvSpPr>
-          <p:nvPr>
-            <p:ph type="sldNum" sz="quarter" idx="12"/>
-          </p:nvPr>
-        </p:nvSpPr>
-        <p:spPr/>
-        <p:txBody>
-          <a:bodyPr/>
-          <a:lstStyle/>
-          <a:p>
-            <a:fld id="{38EF696E-8A41-468D-8D02-F1A3912D54EF}" type="slidenum">
-              <a:rPr lang="nl-NL" smtClean="0"/>
-              <a:t>‹nr.›</a:t>
-            </a:fld>
-            <a:endParaRPr lang="nl-NL"/>
           </a:p>
         </p:txBody>
       </p:sp>
     </p:spTree>
     <p:extLst>
       <p:ext uri="{BB962C8B-B14F-4D97-AF65-F5344CB8AC3E}">
-        <p14:creationId xmlns:p14="http://schemas.microsoft.com/office/powerpoint/2010/main" val="2248361596"/>
+        <p14:creationId xmlns:p14="http://schemas.microsoft.com/office/powerpoint/2010/main" val="391609493"/>
       </p:ext>
     </p:extLst>
   </p:cSld>
@@ -1065,7 +2211,7 @@
 </p:sldLayout>
 </file>
 
-<file path=ppt/slideLayouts/slideLayout4.xml><?xml version="1.0" encoding="utf-8"?>
+<file path=ppt/slideLayouts/slideLayout5.xml><?xml version="1.0" encoding="utf-8"?>
 <p:sldLayout xmlns:a="http://schemas.openxmlformats.org/drawingml/2006/main" xmlns:r="http://schemas.openxmlformats.org/officeDocument/2006/relationships" xmlns:p="http://schemas.openxmlformats.org/presentationml/2006/main" type="twoObj" preserve="1">
   <p:cSld name="Inhoud van twee">
     <p:spTree>
@@ -1117,13 +2263,41 @@
         </p:nvSpPr>
         <p:spPr>
           <a:xfrm>
-            <a:off x="838200" y="1825625"/>
-            <a:ext cx="5181600" cy="4351338"/>
+            <a:off x="925513" y="1828800"/>
+            <a:ext cx="3492500" cy="3506788"/>
           </a:xfrm>
         </p:spPr>
         <p:txBody>
           <a:bodyPr/>
-          <a:lstStyle/>
+          <a:lstStyle>
+            <a:lvl1pPr>
+              <a:defRPr sz="2800"/>
+            </a:lvl1pPr>
+            <a:lvl2pPr>
+              <a:defRPr sz="2400"/>
+            </a:lvl2pPr>
+            <a:lvl3pPr>
+              <a:defRPr sz="2000"/>
+            </a:lvl3pPr>
+            <a:lvl4pPr>
+              <a:defRPr sz="1800"/>
+            </a:lvl4pPr>
+            <a:lvl5pPr>
+              <a:defRPr sz="1800"/>
+            </a:lvl5pPr>
+            <a:lvl6pPr>
+              <a:defRPr sz="1800"/>
+            </a:lvl6pPr>
+            <a:lvl7pPr>
+              <a:defRPr sz="1800"/>
+            </a:lvl7pPr>
+            <a:lvl8pPr>
+              <a:defRPr sz="1800"/>
+            </a:lvl8pPr>
+            <a:lvl9pPr>
+              <a:defRPr sz="1800"/>
+            </a:lvl9pPr>
+          </a:lstStyle>
           <a:p>
             <a:pPr lvl="0"/>
             <a:r>
@@ -1174,13 +2348,41 @@
         </p:nvSpPr>
         <p:spPr>
           <a:xfrm>
-            <a:off x="6172200" y="1825625"/>
-            <a:ext cx="5181600" cy="4351338"/>
+            <a:off x="4570413" y="1828800"/>
+            <a:ext cx="3494087" cy="3506788"/>
           </a:xfrm>
         </p:spPr>
         <p:txBody>
           <a:bodyPr/>
-          <a:lstStyle/>
+          <a:lstStyle>
+            <a:lvl1pPr>
+              <a:defRPr sz="2800"/>
+            </a:lvl1pPr>
+            <a:lvl2pPr>
+              <a:defRPr sz="2400"/>
+            </a:lvl2pPr>
+            <a:lvl3pPr>
+              <a:defRPr sz="2000"/>
+            </a:lvl3pPr>
+            <a:lvl4pPr>
+              <a:defRPr sz="1800"/>
+            </a:lvl4pPr>
+            <a:lvl5pPr>
+              <a:defRPr sz="1800"/>
+            </a:lvl5pPr>
+            <a:lvl6pPr>
+              <a:defRPr sz="1800"/>
+            </a:lvl6pPr>
+            <a:lvl7pPr>
+              <a:defRPr sz="1800"/>
+            </a:lvl7pPr>
+            <a:lvl8pPr>
+              <a:defRPr sz="1800"/>
+            </a:lvl8pPr>
+            <a:lvl9pPr>
+              <a:defRPr sz="1800"/>
+            </a:lvl9pPr>
+          </a:lstStyle>
           <a:p>
             <a:pPr lvl="0"/>
             <a:r>
@@ -1215,71 +2417,6 @@
               <a:rPr lang="nl-NL" smtClean="0"/>
               <a:t>Vijfde niveau</a:t>
             </a:r>
-            <a:endParaRPr lang="nl-NL"/>
-          </a:p>
-        </p:txBody>
-      </p:sp>
-      <p:sp>
-        <p:nvSpPr>
-          <p:cNvPr id="5" name="Tijdelijke aanduiding voor datum 4"/>
-          <p:cNvSpPr>
-            <a:spLocks noGrp="1"/>
-          </p:cNvSpPr>
-          <p:nvPr>
-            <p:ph type="dt" sz="half" idx="10"/>
-          </p:nvPr>
-        </p:nvSpPr>
-        <p:spPr/>
-        <p:txBody>
-          <a:bodyPr/>
-          <a:lstStyle/>
-          <a:p>
-            <a:fld id="{C4324EB6-76AB-4EF0-B9EB-4D963F0D75A1}" type="datetimeFigureOut">
-              <a:rPr lang="nl-NL" smtClean="0"/>
-              <a:t>15-1-2015</a:t>
-            </a:fld>
-            <a:endParaRPr lang="nl-NL"/>
-          </a:p>
-        </p:txBody>
-      </p:sp>
-      <p:sp>
-        <p:nvSpPr>
-          <p:cNvPr id="6" name="Tijdelijke aanduiding voor voettekst 5"/>
-          <p:cNvSpPr>
-            <a:spLocks noGrp="1"/>
-          </p:cNvSpPr>
-          <p:nvPr>
-            <p:ph type="ftr" sz="quarter" idx="11"/>
-          </p:nvPr>
-        </p:nvSpPr>
-        <p:spPr/>
-        <p:txBody>
-          <a:bodyPr/>
-          <a:lstStyle/>
-          <a:p>
-            <a:endParaRPr lang="nl-NL"/>
-          </a:p>
-        </p:txBody>
-      </p:sp>
-      <p:sp>
-        <p:nvSpPr>
-          <p:cNvPr id="7" name="Tijdelijke aanduiding voor dianummer 6"/>
-          <p:cNvSpPr>
-            <a:spLocks noGrp="1"/>
-          </p:cNvSpPr>
-          <p:nvPr>
-            <p:ph type="sldNum" sz="quarter" idx="12"/>
-          </p:nvPr>
-        </p:nvSpPr>
-        <p:spPr/>
-        <p:txBody>
-          <a:bodyPr/>
-          <a:lstStyle/>
-          <a:p>
-            <a:fld id="{38EF696E-8A41-468D-8D02-F1A3912D54EF}" type="slidenum">
-              <a:rPr lang="nl-NL" smtClean="0"/>
-              <a:t>‹nr.›</a:t>
-            </a:fld>
             <a:endParaRPr lang="nl-NL"/>
           </a:p>
         </p:txBody>
@@ -1287,7 +2424,7 @@
     </p:spTree>
     <p:extLst>
       <p:ext uri="{BB962C8B-B14F-4D97-AF65-F5344CB8AC3E}">
-        <p14:creationId xmlns:p14="http://schemas.microsoft.com/office/powerpoint/2010/main" val="1139663901"/>
+        <p14:creationId xmlns:p14="http://schemas.microsoft.com/office/powerpoint/2010/main" val="1030540048"/>
       </p:ext>
     </p:extLst>
   </p:cSld>
@@ -1297,7 +2434,7 @@
 </p:sldLayout>
 </file>
 
-<file path=ppt/slideLayouts/slideLayout5.xml><?xml version="1.0" encoding="utf-8"?>
+<file path=ppt/slideLayouts/slideLayout6.xml><?xml version="1.0" encoding="utf-8"?>
 <p:sldLayout xmlns:a="http://schemas.openxmlformats.org/drawingml/2006/main" xmlns:r="http://schemas.openxmlformats.org/officeDocument/2006/relationships" xmlns:p="http://schemas.openxmlformats.org/presentationml/2006/main" type="twoTxTwoObj" preserve="1">
   <p:cSld name="Vergelijking">
     <p:spTree>
@@ -1326,13 +2463,17 @@
         </p:nvSpPr>
         <p:spPr>
           <a:xfrm>
-            <a:off x="839788" y="365125"/>
-            <a:ext cx="10515600" cy="1325563"/>
+            <a:off x="457200" y="274638"/>
+            <a:ext cx="8229600" cy="1143000"/>
           </a:xfrm>
         </p:spPr>
         <p:txBody>
           <a:bodyPr/>
-          <a:lstStyle/>
+          <a:lstStyle>
+            <a:lvl1pPr>
+              <a:defRPr/>
+            </a:lvl1pPr>
+          </a:lstStyle>
           <a:p>
             <a:r>
               <a:rPr lang="nl-NL" smtClean="0"/>
@@ -1354,8 +2495,8 @@
         </p:nvSpPr>
         <p:spPr>
           <a:xfrm>
-            <a:off x="839788" y="1681163"/>
-            <a:ext cx="5157787" cy="823912"/>
+            <a:off x="457200" y="1535113"/>
+            <a:ext cx="4040188" cy="639762"/>
           </a:xfrm>
         </p:spPr>
         <p:txBody>
@@ -1419,13 +2560,41 @@
         </p:nvSpPr>
         <p:spPr>
           <a:xfrm>
-            <a:off x="839788" y="2505075"/>
-            <a:ext cx="5157787" cy="3684588"/>
+            <a:off x="457200" y="2174875"/>
+            <a:ext cx="4040188" cy="3951288"/>
           </a:xfrm>
         </p:spPr>
         <p:txBody>
           <a:bodyPr/>
-          <a:lstStyle/>
+          <a:lstStyle>
+            <a:lvl1pPr>
+              <a:defRPr sz="2400"/>
+            </a:lvl1pPr>
+            <a:lvl2pPr>
+              <a:defRPr sz="2000"/>
+            </a:lvl2pPr>
+            <a:lvl3pPr>
+              <a:defRPr sz="1800"/>
+            </a:lvl3pPr>
+            <a:lvl4pPr>
+              <a:defRPr sz="1600"/>
+            </a:lvl4pPr>
+            <a:lvl5pPr>
+              <a:defRPr sz="1600"/>
+            </a:lvl5pPr>
+            <a:lvl6pPr>
+              <a:defRPr sz="1600"/>
+            </a:lvl6pPr>
+            <a:lvl7pPr>
+              <a:defRPr sz="1600"/>
+            </a:lvl7pPr>
+            <a:lvl8pPr>
+              <a:defRPr sz="1600"/>
+            </a:lvl8pPr>
+            <a:lvl9pPr>
+              <a:defRPr sz="1600"/>
+            </a:lvl9pPr>
+          </a:lstStyle>
           <a:p>
             <a:pPr lvl="0"/>
             <a:r>
@@ -1476,8 +2645,8 @@
         </p:nvSpPr>
         <p:spPr>
           <a:xfrm>
-            <a:off x="6172200" y="1681163"/>
-            <a:ext cx="5183188" cy="823912"/>
+            <a:off x="4645025" y="1535113"/>
+            <a:ext cx="4041775" cy="639762"/>
           </a:xfrm>
         </p:spPr>
         <p:txBody>
@@ -1541,13 +2710,41 @@
         </p:nvSpPr>
         <p:spPr>
           <a:xfrm>
-            <a:off x="6172200" y="2505075"/>
-            <a:ext cx="5183188" cy="3684588"/>
+            <a:off x="4645025" y="2174875"/>
+            <a:ext cx="4041775" cy="3951288"/>
           </a:xfrm>
         </p:spPr>
         <p:txBody>
           <a:bodyPr/>
-          <a:lstStyle/>
+          <a:lstStyle>
+            <a:lvl1pPr>
+              <a:defRPr sz="2400"/>
+            </a:lvl1pPr>
+            <a:lvl2pPr>
+              <a:defRPr sz="2000"/>
+            </a:lvl2pPr>
+            <a:lvl3pPr>
+              <a:defRPr sz="1800"/>
+            </a:lvl3pPr>
+            <a:lvl4pPr>
+              <a:defRPr sz="1600"/>
+            </a:lvl4pPr>
+            <a:lvl5pPr>
+              <a:defRPr sz="1600"/>
+            </a:lvl5pPr>
+            <a:lvl6pPr>
+              <a:defRPr sz="1600"/>
+            </a:lvl6pPr>
+            <a:lvl7pPr>
+              <a:defRPr sz="1600"/>
+            </a:lvl7pPr>
+            <a:lvl8pPr>
+              <a:defRPr sz="1600"/>
+            </a:lvl8pPr>
+            <a:lvl9pPr>
+              <a:defRPr sz="1600"/>
+            </a:lvl9pPr>
+          </a:lstStyle>
           <a:p>
             <a:pPr lvl="0"/>
             <a:r>
@@ -1582,71 +2779,6 @@
               <a:rPr lang="nl-NL" smtClean="0"/>
               <a:t>Vijfde niveau</a:t>
             </a:r>
-            <a:endParaRPr lang="nl-NL"/>
-          </a:p>
-        </p:txBody>
-      </p:sp>
-      <p:sp>
-        <p:nvSpPr>
-          <p:cNvPr id="7" name="Tijdelijke aanduiding voor datum 6"/>
-          <p:cNvSpPr>
-            <a:spLocks noGrp="1"/>
-          </p:cNvSpPr>
-          <p:nvPr>
-            <p:ph type="dt" sz="half" idx="10"/>
-          </p:nvPr>
-        </p:nvSpPr>
-        <p:spPr/>
-        <p:txBody>
-          <a:bodyPr/>
-          <a:lstStyle/>
-          <a:p>
-            <a:fld id="{C4324EB6-76AB-4EF0-B9EB-4D963F0D75A1}" type="datetimeFigureOut">
-              <a:rPr lang="nl-NL" smtClean="0"/>
-              <a:t>15-1-2015</a:t>
-            </a:fld>
-            <a:endParaRPr lang="nl-NL"/>
-          </a:p>
-        </p:txBody>
-      </p:sp>
-      <p:sp>
-        <p:nvSpPr>
-          <p:cNvPr id="8" name="Tijdelijke aanduiding voor voettekst 7"/>
-          <p:cNvSpPr>
-            <a:spLocks noGrp="1"/>
-          </p:cNvSpPr>
-          <p:nvPr>
-            <p:ph type="ftr" sz="quarter" idx="11"/>
-          </p:nvPr>
-        </p:nvSpPr>
-        <p:spPr/>
-        <p:txBody>
-          <a:bodyPr/>
-          <a:lstStyle/>
-          <a:p>
-            <a:endParaRPr lang="nl-NL"/>
-          </a:p>
-        </p:txBody>
-      </p:sp>
-      <p:sp>
-        <p:nvSpPr>
-          <p:cNvPr id="9" name="Tijdelijke aanduiding voor dianummer 8"/>
-          <p:cNvSpPr>
-            <a:spLocks noGrp="1"/>
-          </p:cNvSpPr>
-          <p:nvPr>
-            <p:ph type="sldNum" sz="quarter" idx="12"/>
-          </p:nvPr>
-        </p:nvSpPr>
-        <p:spPr/>
-        <p:txBody>
-          <a:bodyPr/>
-          <a:lstStyle/>
-          <a:p>
-            <a:fld id="{38EF696E-8A41-468D-8D02-F1A3912D54EF}" type="slidenum">
-              <a:rPr lang="nl-NL" smtClean="0"/>
-              <a:t>‹nr.›</a:t>
-            </a:fld>
             <a:endParaRPr lang="nl-NL"/>
           </a:p>
         </p:txBody>
@@ -1654,7 +2786,7 @@
     </p:spTree>
     <p:extLst>
       <p:ext uri="{BB962C8B-B14F-4D97-AF65-F5344CB8AC3E}">
-        <p14:creationId xmlns:p14="http://schemas.microsoft.com/office/powerpoint/2010/main" val="2503426882"/>
+        <p14:creationId xmlns:p14="http://schemas.microsoft.com/office/powerpoint/2010/main" val="2944762965"/>
       </p:ext>
     </p:extLst>
   </p:cSld>
@@ -1664,7 +2796,7 @@
 </p:sldLayout>
 </file>
 
-<file path=ppt/slideLayouts/slideLayout6.xml><?xml version="1.0" encoding="utf-8"?>
+<file path=ppt/slideLayouts/slideLayout7.xml><?xml version="1.0" encoding="utf-8"?>
 <p:sldLayout xmlns:a="http://schemas.openxmlformats.org/drawingml/2006/main" xmlns:r="http://schemas.openxmlformats.org/officeDocument/2006/relationships" xmlns:p="http://schemas.openxmlformats.org/presentationml/2006/main" type="titleOnly" preserve="1">
   <p:cSld name="Alleen titel">
     <p:spTree>
@@ -1704,75 +2836,10 @@
           </a:p>
         </p:txBody>
       </p:sp>
-      <p:sp>
-        <p:nvSpPr>
-          <p:cNvPr id="3" name="Tijdelijke aanduiding voor datum 2"/>
-          <p:cNvSpPr>
-            <a:spLocks noGrp="1"/>
-          </p:cNvSpPr>
-          <p:nvPr>
-            <p:ph type="dt" sz="half" idx="10"/>
-          </p:nvPr>
-        </p:nvSpPr>
-        <p:spPr/>
-        <p:txBody>
-          <a:bodyPr/>
-          <a:lstStyle/>
-          <a:p>
-            <a:fld id="{C4324EB6-76AB-4EF0-B9EB-4D963F0D75A1}" type="datetimeFigureOut">
-              <a:rPr lang="nl-NL" smtClean="0"/>
-              <a:t>15-1-2015</a:t>
-            </a:fld>
-            <a:endParaRPr lang="nl-NL"/>
-          </a:p>
-        </p:txBody>
-      </p:sp>
-      <p:sp>
-        <p:nvSpPr>
-          <p:cNvPr id="4" name="Tijdelijke aanduiding voor voettekst 3"/>
-          <p:cNvSpPr>
-            <a:spLocks noGrp="1"/>
-          </p:cNvSpPr>
-          <p:nvPr>
-            <p:ph type="ftr" sz="quarter" idx="11"/>
-          </p:nvPr>
-        </p:nvSpPr>
-        <p:spPr/>
-        <p:txBody>
-          <a:bodyPr/>
-          <a:lstStyle/>
-          <a:p>
-            <a:endParaRPr lang="nl-NL"/>
-          </a:p>
-        </p:txBody>
-      </p:sp>
-      <p:sp>
-        <p:nvSpPr>
-          <p:cNvPr id="5" name="Tijdelijke aanduiding voor dianummer 4"/>
-          <p:cNvSpPr>
-            <a:spLocks noGrp="1"/>
-          </p:cNvSpPr>
-          <p:nvPr>
-            <p:ph type="sldNum" sz="quarter" idx="12"/>
-          </p:nvPr>
-        </p:nvSpPr>
-        <p:spPr/>
-        <p:txBody>
-          <a:bodyPr/>
-          <a:lstStyle/>
-          <a:p>
-            <a:fld id="{38EF696E-8A41-468D-8D02-F1A3912D54EF}" type="slidenum">
-              <a:rPr lang="nl-NL" smtClean="0"/>
-              <a:t>‹nr.›</a:t>
-            </a:fld>
-            <a:endParaRPr lang="nl-NL"/>
-          </a:p>
-        </p:txBody>
-      </p:sp>
     </p:spTree>
     <p:extLst>
       <p:ext uri="{BB962C8B-B14F-4D97-AF65-F5344CB8AC3E}">
-        <p14:creationId xmlns:p14="http://schemas.microsoft.com/office/powerpoint/2010/main" val="1322727943"/>
+        <p14:creationId xmlns:p14="http://schemas.microsoft.com/office/powerpoint/2010/main" val="3745377353"/>
       </p:ext>
     </p:extLst>
   </p:cSld>
@@ -1782,7 +2849,7 @@
 </p:sldLayout>
 </file>
 
-<file path=ppt/slideLayouts/slideLayout7.xml><?xml version="1.0" encoding="utf-8"?>
+<file path=ppt/slideLayouts/slideLayout8.xml><?xml version="1.0" encoding="utf-8"?>
 <p:sldLayout xmlns:a="http://schemas.openxmlformats.org/drawingml/2006/main" xmlns:r="http://schemas.openxmlformats.org/officeDocument/2006/relationships" xmlns:p="http://schemas.openxmlformats.org/presentationml/2006/main" type="blank" preserve="1">
   <p:cSld name="Leeg">
     <p:spTree>
@@ -1799,75 +2866,10 @@
           <a:chExt cx="0" cy="0"/>
         </a:xfrm>
       </p:grpSpPr>
-      <p:sp>
-        <p:nvSpPr>
-          <p:cNvPr id="2" name="Tijdelijke aanduiding voor datum 1"/>
-          <p:cNvSpPr>
-            <a:spLocks noGrp="1"/>
-          </p:cNvSpPr>
-          <p:nvPr>
-            <p:ph type="dt" sz="half" idx="10"/>
-          </p:nvPr>
-        </p:nvSpPr>
-        <p:spPr/>
-        <p:txBody>
-          <a:bodyPr/>
-          <a:lstStyle/>
-          <a:p>
-            <a:fld id="{C4324EB6-76AB-4EF0-B9EB-4D963F0D75A1}" type="datetimeFigureOut">
-              <a:rPr lang="nl-NL" smtClean="0"/>
-              <a:t>15-1-2015</a:t>
-            </a:fld>
-            <a:endParaRPr lang="nl-NL"/>
-          </a:p>
-        </p:txBody>
-      </p:sp>
-      <p:sp>
-        <p:nvSpPr>
-          <p:cNvPr id="3" name="Tijdelijke aanduiding voor voettekst 2"/>
-          <p:cNvSpPr>
-            <a:spLocks noGrp="1"/>
-          </p:cNvSpPr>
-          <p:nvPr>
-            <p:ph type="ftr" sz="quarter" idx="11"/>
-          </p:nvPr>
-        </p:nvSpPr>
-        <p:spPr/>
-        <p:txBody>
-          <a:bodyPr/>
-          <a:lstStyle/>
-          <a:p>
-            <a:endParaRPr lang="nl-NL"/>
-          </a:p>
-        </p:txBody>
-      </p:sp>
-      <p:sp>
-        <p:nvSpPr>
-          <p:cNvPr id="4" name="Tijdelijke aanduiding voor dianummer 3"/>
-          <p:cNvSpPr>
-            <a:spLocks noGrp="1"/>
-          </p:cNvSpPr>
-          <p:nvPr>
-            <p:ph type="sldNum" sz="quarter" idx="12"/>
-          </p:nvPr>
-        </p:nvSpPr>
-        <p:spPr/>
-        <p:txBody>
-          <a:bodyPr/>
-          <a:lstStyle/>
-          <a:p>
-            <a:fld id="{38EF696E-8A41-468D-8D02-F1A3912D54EF}" type="slidenum">
-              <a:rPr lang="nl-NL" smtClean="0"/>
-              <a:t>‹nr.›</a:t>
-            </a:fld>
-            <a:endParaRPr lang="nl-NL"/>
-          </a:p>
-        </p:txBody>
-      </p:sp>
     </p:spTree>
     <p:extLst>
       <p:ext uri="{BB962C8B-B14F-4D97-AF65-F5344CB8AC3E}">
-        <p14:creationId xmlns:p14="http://schemas.microsoft.com/office/powerpoint/2010/main" val="340916928"/>
+        <p14:creationId xmlns:p14="http://schemas.microsoft.com/office/powerpoint/2010/main" val="2526670312"/>
       </p:ext>
     </p:extLst>
   </p:cSld>
@@ -1877,7 +2879,7 @@
 </p:sldLayout>
 </file>
 
-<file path=ppt/slideLayouts/slideLayout8.xml><?xml version="1.0" encoding="utf-8"?>
+<file path=ppt/slideLayouts/slideLayout9.xml><?xml version="1.0" encoding="utf-8"?>
 <p:sldLayout xmlns:a="http://schemas.openxmlformats.org/drawingml/2006/main" xmlns:r="http://schemas.openxmlformats.org/officeDocument/2006/relationships" xmlns:p="http://schemas.openxmlformats.org/presentationml/2006/main" type="objTx" preserve="1">
   <p:cSld name="Inhoud met bijschrift">
     <p:spTree>
@@ -1906,15 +2908,15 @@
         </p:nvSpPr>
         <p:spPr>
           <a:xfrm>
-            <a:off x="839788" y="457200"/>
-            <a:ext cx="3932237" cy="1600200"/>
+            <a:off x="457200" y="273050"/>
+            <a:ext cx="3008313" cy="1162050"/>
           </a:xfrm>
         </p:spPr>
         <p:txBody>
           <a:bodyPr anchor="b"/>
           <a:lstStyle>
-            <a:lvl1pPr>
-              <a:defRPr sz="3200"/>
+            <a:lvl1pPr algn="l">
+              <a:defRPr sz="2000" b="1"/>
             </a:lvl1pPr>
           </a:lstStyle>
           <a:p>
@@ -1938,8 +2940,8 @@
         </p:nvSpPr>
         <p:spPr>
           <a:xfrm>
-            <a:off x="5183188" y="987425"/>
-            <a:ext cx="6172200" cy="4873625"/>
+            <a:off x="3575050" y="273050"/>
+            <a:ext cx="5111750" cy="5853113"/>
           </a:xfrm>
         </p:spPr>
         <p:txBody>
@@ -2023,8 +3025,8 @@
         </p:nvSpPr>
         <p:spPr>
           <a:xfrm>
-            <a:off x="839788" y="2057400"/>
-            <a:ext cx="3932237" cy="3811588"/>
+            <a:off x="457200" y="1435100"/>
+            <a:ext cx="3008313" cy="4691063"/>
           </a:xfrm>
         </p:spPr>
         <p:txBody>
@@ -2032,39 +3034,39 @@
           <a:lstStyle>
             <a:lvl1pPr marL="0" indent="0">
               <a:buNone/>
-              <a:defRPr sz="1600"/>
+              <a:defRPr sz="1400"/>
             </a:lvl1pPr>
             <a:lvl2pPr marL="457200" indent="0">
               <a:buNone/>
-              <a:defRPr sz="1400"/>
+              <a:defRPr sz="1200"/>
             </a:lvl2pPr>
             <a:lvl3pPr marL="914400" indent="0">
               <a:buNone/>
-              <a:defRPr sz="1200"/>
+              <a:defRPr sz="1000"/>
             </a:lvl3pPr>
             <a:lvl4pPr marL="1371600" indent="0">
               <a:buNone/>
-              <a:defRPr sz="1000"/>
+              <a:defRPr sz="900"/>
             </a:lvl4pPr>
             <a:lvl5pPr marL="1828800" indent="0">
               <a:buNone/>
-              <a:defRPr sz="1000"/>
+              <a:defRPr sz="900"/>
             </a:lvl5pPr>
             <a:lvl6pPr marL="2286000" indent="0">
               <a:buNone/>
-              <a:defRPr sz="1000"/>
+              <a:defRPr sz="900"/>
             </a:lvl6pPr>
             <a:lvl7pPr marL="2743200" indent="0">
               <a:buNone/>
-              <a:defRPr sz="1000"/>
+              <a:defRPr sz="900"/>
             </a:lvl7pPr>
             <a:lvl8pPr marL="3200400" indent="0">
               <a:buNone/>
-              <a:defRPr sz="1000"/>
+              <a:defRPr sz="900"/>
             </a:lvl8pPr>
             <a:lvl9pPr marL="3657600" indent="0">
               <a:buNone/>
-              <a:defRPr sz="1000"/>
+              <a:defRPr sz="900"/>
             </a:lvl9pPr>
           </a:lstStyle>
           <a:p>
@@ -2073,331 +3075,13 @@
               <a:rPr lang="nl-NL" smtClean="0"/>
               <a:t>Klik om de modelstijlen te bewerken</a:t>
             </a:r>
-          </a:p>
-        </p:txBody>
-      </p:sp>
-      <p:sp>
-        <p:nvSpPr>
-          <p:cNvPr id="5" name="Tijdelijke aanduiding voor datum 4"/>
-          <p:cNvSpPr>
-            <a:spLocks noGrp="1"/>
-          </p:cNvSpPr>
-          <p:nvPr>
-            <p:ph type="dt" sz="half" idx="10"/>
-          </p:nvPr>
-        </p:nvSpPr>
-        <p:spPr/>
-        <p:txBody>
-          <a:bodyPr/>
-          <a:lstStyle/>
-          <a:p>
-            <a:fld id="{C4324EB6-76AB-4EF0-B9EB-4D963F0D75A1}" type="datetimeFigureOut">
-              <a:rPr lang="nl-NL" smtClean="0"/>
-              <a:t>15-1-2015</a:t>
-            </a:fld>
-            <a:endParaRPr lang="nl-NL"/>
-          </a:p>
-        </p:txBody>
-      </p:sp>
-      <p:sp>
-        <p:nvSpPr>
-          <p:cNvPr id="6" name="Tijdelijke aanduiding voor voettekst 5"/>
-          <p:cNvSpPr>
-            <a:spLocks noGrp="1"/>
-          </p:cNvSpPr>
-          <p:nvPr>
-            <p:ph type="ftr" sz="quarter" idx="11"/>
-          </p:nvPr>
-        </p:nvSpPr>
-        <p:spPr/>
-        <p:txBody>
-          <a:bodyPr/>
-          <a:lstStyle/>
-          <a:p>
-            <a:endParaRPr lang="nl-NL"/>
-          </a:p>
-        </p:txBody>
-      </p:sp>
-      <p:sp>
-        <p:nvSpPr>
-          <p:cNvPr id="7" name="Tijdelijke aanduiding voor dianummer 6"/>
-          <p:cNvSpPr>
-            <a:spLocks noGrp="1"/>
-          </p:cNvSpPr>
-          <p:nvPr>
-            <p:ph type="sldNum" sz="quarter" idx="12"/>
-          </p:nvPr>
-        </p:nvSpPr>
-        <p:spPr/>
-        <p:txBody>
-          <a:bodyPr/>
-          <a:lstStyle/>
-          <a:p>
-            <a:fld id="{38EF696E-8A41-468D-8D02-F1A3912D54EF}" type="slidenum">
-              <a:rPr lang="nl-NL" smtClean="0"/>
-              <a:t>‹nr.›</a:t>
-            </a:fld>
-            <a:endParaRPr lang="nl-NL"/>
           </a:p>
         </p:txBody>
       </p:sp>
     </p:spTree>
     <p:extLst>
       <p:ext uri="{BB962C8B-B14F-4D97-AF65-F5344CB8AC3E}">
-        <p14:creationId xmlns:p14="http://schemas.microsoft.com/office/powerpoint/2010/main" val="3585448860"/>
-      </p:ext>
-    </p:extLst>
-  </p:cSld>
-  <p:clrMapOvr>
-    <a:masterClrMapping/>
-  </p:clrMapOvr>
-</p:sldLayout>
-</file>
-
-<file path=ppt/slideLayouts/slideLayout9.xml><?xml version="1.0" encoding="utf-8"?>
-<p:sldLayout xmlns:a="http://schemas.openxmlformats.org/drawingml/2006/main" xmlns:r="http://schemas.openxmlformats.org/officeDocument/2006/relationships" xmlns:p="http://schemas.openxmlformats.org/presentationml/2006/main" type="picTx" preserve="1">
-  <p:cSld name="Afbeelding met bijschrift">
-    <p:spTree>
-      <p:nvGrpSpPr>
-        <p:cNvPr id="1" name=""/>
-        <p:cNvGrpSpPr/>
-        <p:nvPr/>
-      </p:nvGrpSpPr>
-      <p:grpSpPr>
-        <a:xfrm>
-          <a:off x="0" y="0"/>
-          <a:ext cx="0" cy="0"/>
-          <a:chOff x="0" y="0"/>
-          <a:chExt cx="0" cy="0"/>
-        </a:xfrm>
-      </p:grpSpPr>
-      <p:sp>
-        <p:nvSpPr>
-          <p:cNvPr id="2" name="Titel 1"/>
-          <p:cNvSpPr>
-            <a:spLocks noGrp="1"/>
-          </p:cNvSpPr>
-          <p:nvPr>
-            <p:ph type="title"/>
-          </p:nvPr>
-        </p:nvSpPr>
-        <p:spPr>
-          <a:xfrm>
-            <a:off x="839788" y="457200"/>
-            <a:ext cx="3932237" cy="1600200"/>
-          </a:xfrm>
-        </p:spPr>
-        <p:txBody>
-          <a:bodyPr anchor="b"/>
-          <a:lstStyle>
-            <a:lvl1pPr>
-              <a:defRPr sz="3200"/>
-            </a:lvl1pPr>
-          </a:lstStyle>
-          <a:p>
-            <a:r>
-              <a:rPr lang="nl-NL" smtClean="0"/>
-              <a:t>Klik om de stijl te bewerken</a:t>
-            </a:r>
-            <a:endParaRPr lang="nl-NL"/>
-          </a:p>
-        </p:txBody>
-      </p:sp>
-      <p:sp>
-        <p:nvSpPr>
-          <p:cNvPr id="3" name="Tijdelijke aanduiding voor afbeelding 2"/>
-          <p:cNvSpPr>
-            <a:spLocks noGrp="1"/>
-          </p:cNvSpPr>
-          <p:nvPr>
-            <p:ph type="pic" idx="1"/>
-          </p:nvPr>
-        </p:nvSpPr>
-        <p:spPr>
-          <a:xfrm>
-            <a:off x="5183188" y="987425"/>
-            <a:ext cx="6172200" cy="4873625"/>
-          </a:xfrm>
-        </p:spPr>
-        <p:txBody>
-          <a:bodyPr/>
-          <a:lstStyle>
-            <a:lvl1pPr marL="0" indent="0">
-              <a:buNone/>
-              <a:defRPr sz="3200"/>
-            </a:lvl1pPr>
-            <a:lvl2pPr marL="457200" indent="0">
-              <a:buNone/>
-              <a:defRPr sz="2800"/>
-            </a:lvl2pPr>
-            <a:lvl3pPr marL="914400" indent="0">
-              <a:buNone/>
-              <a:defRPr sz="2400"/>
-            </a:lvl3pPr>
-            <a:lvl4pPr marL="1371600" indent="0">
-              <a:buNone/>
-              <a:defRPr sz="2000"/>
-            </a:lvl4pPr>
-            <a:lvl5pPr marL="1828800" indent="0">
-              <a:buNone/>
-              <a:defRPr sz="2000"/>
-            </a:lvl5pPr>
-            <a:lvl6pPr marL="2286000" indent="0">
-              <a:buNone/>
-              <a:defRPr sz="2000"/>
-            </a:lvl6pPr>
-            <a:lvl7pPr marL="2743200" indent="0">
-              <a:buNone/>
-              <a:defRPr sz="2000"/>
-            </a:lvl7pPr>
-            <a:lvl8pPr marL="3200400" indent="0">
-              <a:buNone/>
-              <a:defRPr sz="2000"/>
-            </a:lvl8pPr>
-            <a:lvl9pPr marL="3657600" indent="0">
-              <a:buNone/>
-              <a:defRPr sz="2000"/>
-            </a:lvl9pPr>
-          </a:lstStyle>
-          <a:p>
-            <a:endParaRPr lang="nl-NL"/>
-          </a:p>
-        </p:txBody>
-      </p:sp>
-      <p:sp>
-        <p:nvSpPr>
-          <p:cNvPr id="4" name="Tijdelijke aanduiding voor tekst 3"/>
-          <p:cNvSpPr>
-            <a:spLocks noGrp="1"/>
-          </p:cNvSpPr>
-          <p:nvPr>
-            <p:ph type="body" sz="half" idx="2"/>
-          </p:nvPr>
-        </p:nvSpPr>
-        <p:spPr>
-          <a:xfrm>
-            <a:off x="839788" y="2057400"/>
-            <a:ext cx="3932237" cy="3811588"/>
-          </a:xfrm>
-        </p:spPr>
-        <p:txBody>
-          <a:bodyPr/>
-          <a:lstStyle>
-            <a:lvl1pPr marL="0" indent="0">
-              <a:buNone/>
-              <a:defRPr sz="1600"/>
-            </a:lvl1pPr>
-            <a:lvl2pPr marL="457200" indent="0">
-              <a:buNone/>
-              <a:defRPr sz="1400"/>
-            </a:lvl2pPr>
-            <a:lvl3pPr marL="914400" indent="0">
-              <a:buNone/>
-              <a:defRPr sz="1200"/>
-            </a:lvl3pPr>
-            <a:lvl4pPr marL="1371600" indent="0">
-              <a:buNone/>
-              <a:defRPr sz="1000"/>
-            </a:lvl4pPr>
-            <a:lvl5pPr marL="1828800" indent="0">
-              <a:buNone/>
-              <a:defRPr sz="1000"/>
-            </a:lvl5pPr>
-            <a:lvl6pPr marL="2286000" indent="0">
-              <a:buNone/>
-              <a:defRPr sz="1000"/>
-            </a:lvl6pPr>
-            <a:lvl7pPr marL="2743200" indent="0">
-              <a:buNone/>
-              <a:defRPr sz="1000"/>
-            </a:lvl7pPr>
-            <a:lvl8pPr marL="3200400" indent="0">
-              <a:buNone/>
-              <a:defRPr sz="1000"/>
-            </a:lvl8pPr>
-            <a:lvl9pPr marL="3657600" indent="0">
-              <a:buNone/>
-              <a:defRPr sz="1000"/>
-            </a:lvl9pPr>
-          </a:lstStyle>
-          <a:p>
-            <a:pPr lvl="0"/>
-            <a:r>
-              <a:rPr lang="nl-NL" smtClean="0"/>
-              <a:t>Klik om de modelstijlen te bewerken</a:t>
-            </a:r>
-          </a:p>
-        </p:txBody>
-      </p:sp>
-      <p:sp>
-        <p:nvSpPr>
-          <p:cNvPr id="5" name="Tijdelijke aanduiding voor datum 4"/>
-          <p:cNvSpPr>
-            <a:spLocks noGrp="1"/>
-          </p:cNvSpPr>
-          <p:nvPr>
-            <p:ph type="dt" sz="half" idx="10"/>
-          </p:nvPr>
-        </p:nvSpPr>
-        <p:spPr/>
-        <p:txBody>
-          <a:bodyPr/>
-          <a:lstStyle/>
-          <a:p>
-            <a:fld id="{C4324EB6-76AB-4EF0-B9EB-4D963F0D75A1}" type="datetimeFigureOut">
-              <a:rPr lang="nl-NL" smtClean="0"/>
-              <a:t>15-1-2015</a:t>
-            </a:fld>
-            <a:endParaRPr lang="nl-NL"/>
-          </a:p>
-        </p:txBody>
-      </p:sp>
-      <p:sp>
-        <p:nvSpPr>
-          <p:cNvPr id="6" name="Tijdelijke aanduiding voor voettekst 5"/>
-          <p:cNvSpPr>
-            <a:spLocks noGrp="1"/>
-          </p:cNvSpPr>
-          <p:nvPr>
-            <p:ph type="ftr" sz="quarter" idx="11"/>
-          </p:nvPr>
-        </p:nvSpPr>
-        <p:spPr/>
-        <p:txBody>
-          <a:bodyPr/>
-          <a:lstStyle/>
-          <a:p>
-            <a:endParaRPr lang="nl-NL"/>
-          </a:p>
-        </p:txBody>
-      </p:sp>
-      <p:sp>
-        <p:nvSpPr>
-          <p:cNvPr id="7" name="Tijdelijke aanduiding voor dianummer 6"/>
-          <p:cNvSpPr>
-            <a:spLocks noGrp="1"/>
-          </p:cNvSpPr>
-          <p:nvPr>
-            <p:ph type="sldNum" sz="quarter" idx="12"/>
-          </p:nvPr>
-        </p:nvSpPr>
-        <p:spPr/>
-        <p:txBody>
-          <a:bodyPr/>
-          <a:lstStyle/>
-          <a:p>
-            <a:fld id="{38EF696E-8A41-468D-8D02-F1A3912D54EF}" type="slidenum">
-              <a:rPr lang="nl-NL" smtClean="0"/>
-              <a:t>‹nr.›</a:t>
-            </a:fld>
-            <a:endParaRPr lang="nl-NL"/>
-          </a:p>
-        </p:txBody>
-      </p:sp>
-    </p:spTree>
-    <p:extLst>
-      <p:ext uri="{BB962C8B-B14F-4D97-AF65-F5344CB8AC3E}">
-        <p14:creationId xmlns:p14="http://schemas.microsoft.com/office/powerpoint/2010/main" val="4035622849"/>
+        <p14:creationId xmlns:p14="http://schemas.microsoft.com/office/powerpoint/2010/main" val="2441092656"/>
       </p:ext>
     </p:extLst>
   </p:cSld>
@@ -2411,9 +3095,12 @@
 <p:sldMaster xmlns:a="http://schemas.openxmlformats.org/drawingml/2006/main" xmlns:r="http://schemas.openxmlformats.org/officeDocument/2006/relationships" xmlns:p="http://schemas.openxmlformats.org/presentationml/2006/main">
   <p:cSld>
     <p:bg>
-      <p:bgRef idx="1001">
-        <a:schemeClr val="bg1"/>
-      </p:bgRef>
+      <p:bgPr>
+        <a:solidFill>
+          <a:schemeClr val="bg1"/>
+        </a:solidFill>
+        <a:effectLst/>
+      </p:bgPr>
     </p:bg>
     <p:spTree>
       <p:nvGrpSpPr>
@@ -2431,420 +3118,1579 @@
       </p:grpSpPr>
       <p:sp>
         <p:nvSpPr>
-          <p:cNvPr id="2" name="Tijdelijke aanduiding voor titel 1"/>
+          <p:cNvPr id="1026" name="Rectangle 10"/>
           <p:cNvSpPr>
-            <a:spLocks noGrp="1"/>
+            <a:spLocks noGrp="1" noChangeArrowheads="1"/>
           </p:cNvSpPr>
           <p:nvPr>
             <p:ph type="title"/>
           </p:nvPr>
         </p:nvSpPr>
-        <p:spPr>
+        <p:spPr bwMode="auto">
           <a:xfrm>
-            <a:off x="838200" y="365125"/>
-            <a:ext cx="10515600" cy="1325563"/>
+            <a:off x="917575" y="457200"/>
+            <a:ext cx="7159625" cy="1244600"/>
           </a:xfrm>
           <a:prstGeom prst="rect">
             <a:avLst/>
           </a:prstGeom>
+          <a:noFill/>
+          <a:ln>
+            <a:noFill/>
+          </a:ln>
+          <a:extLst>
+            <a:ext uri="{909E8E84-426E-40DD-AFC4-6F175D3DCCD1}">
+              <a14:hiddenFill xmlns:a14="http://schemas.microsoft.com/office/drawing/2010/main">
+                <a:solidFill>
+                  <a:srgbClr val="FFFFFF"/>
+                </a:solidFill>
+              </a14:hiddenFill>
+            </a:ext>
+            <a:ext uri="{91240B29-F687-4F45-9708-019B960494DF}">
+              <a14:hiddenLine xmlns:a14="http://schemas.microsoft.com/office/drawing/2010/main" w="9525">
+                <a:solidFill>
+                  <a:srgbClr val="000000"/>
+                </a:solidFill>
+                <a:miter lim="800000"/>
+                <a:headEnd/>
+                <a:tailEnd/>
+              </a14:hiddenLine>
+            </a:ext>
+          </a:extLst>
         </p:spPr>
         <p:txBody>
-          <a:bodyPr vert="horz" lIns="91440" tIns="45720" rIns="91440" bIns="45720" rtlCol="0" anchor="ctr">
-            <a:normAutofit/>
+          <a:bodyPr vert="horz" wrap="square" lIns="0" tIns="0" rIns="0" bIns="0" numCol="1" anchor="t" anchorCtr="0" compatLnSpc="1">
+            <a:prstTxWarp prst="textNoShape">
+              <a:avLst/>
+            </a:prstTxWarp>
           </a:bodyPr>
           <a:lstStyle/>
           <a:p>
-            <a:r>
-              <a:rPr lang="nl-NL" smtClean="0"/>
-              <a:t>Klik om de stijl te bewerken</a:t>
-            </a:r>
-            <a:endParaRPr lang="nl-NL"/>
+            <a:pPr lvl="0"/>
+            <a:r>
+              <a:rPr lang="nl-NL" altLang="nl-NL" smtClean="0"/>
+              <a:t>Click to edit Master title style</a:t>
+            </a:r>
+            <a:br>
+              <a:rPr lang="nl-NL" altLang="nl-NL" smtClean="0"/>
+            </a:br>
+            <a:endParaRPr lang="nl-NL" altLang="nl-NL" smtClean="0"/>
           </a:p>
         </p:txBody>
       </p:sp>
       <p:sp>
         <p:nvSpPr>
-          <p:cNvPr id="3" name="Tijdelijke aanduiding voor tekst 2"/>
+          <p:cNvPr id="1027" name="Rectangle 11"/>
           <p:cNvSpPr>
-            <a:spLocks noGrp="1"/>
+            <a:spLocks noGrp="1" noChangeArrowheads="1"/>
           </p:cNvSpPr>
           <p:nvPr>
             <p:ph type="body" idx="1"/>
           </p:nvPr>
         </p:nvSpPr>
-        <p:spPr>
+        <p:spPr bwMode="auto">
           <a:xfrm>
-            <a:off x="838200" y="1825625"/>
-            <a:ext cx="10515600" cy="4351338"/>
+            <a:off x="925513" y="1828800"/>
+            <a:ext cx="7138987" cy="3506788"/>
           </a:xfrm>
           <a:prstGeom prst="rect">
             <a:avLst/>
           </a:prstGeom>
+          <a:noFill/>
+          <a:ln>
+            <a:noFill/>
+          </a:ln>
+          <a:extLst>
+            <a:ext uri="{909E8E84-426E-40DD-AFC4-6F175D3DCCD1}">
+              <a14:hiddenFill xmlns:a14="http://schemas.microsoft.com/office/drawing/2010/main">
+                <a:solidFill>
+                  <a:srgbClr val="FFFFFF"/>
+                </a:solidFill>
+              </a14:hiddenFill>
+            </a:ext>
+            <a:ext uri="{91240B29-F687-4F45-9708-019B960494DF}">
+              <a14:hiddenLine xmlns:a14="http://schemas.microsoft.com/office/drawing/2010/main" w="9525">
+                <a:solidFill>
+                  <a:srgbClr val="000000"/>
+                </a:solidFill>
+                <a:miter lim="800000"/>
+                <a:headEnd/>
+                <a:tailEnd/>
+              </a14:hiddenLine>
+            </a:ext>
+          </a:extLst>
         </p:spPr>
         <p:txBody>
-          <a:bodyPr vert="horz" lIns="91440" tIns="45720" rIns="91440" bIns="45720" rtlCol="0">
-            <a:normAutofit/>
+          <a:bodyPr vert="horz" wrap="square" lIns="0" tIns="0" rIns="0" bIns="0" numCol="1" anchor="t" anchorCtr="0" compatLnSpc="1">
+            <a:prstTxWarp prst="textNoShape">
+              <a:avLst/>
+            </a:prstTxWarp>
           </a:bodyPr>
           <a:lstStyle/>
           <a:p>
             <a:pPr lvl="0"/>
             <a:r>
-              <a:rPr lang="nl-NL" smtClean="0"/>
-              <a:t>Klik om de modelstijlen te bewerken</a:t>
+              <a:rPr lang="nl-NL" altLang="nl-NL" smtClean="0"/>
+              <a:t>Click to edit Master text styles</a:t>
             </a:r>
           </a:p>
           <a:p>
             <a:pPr lvl="1"/>
             <a:r>
-              <a:rPr lang="nl-NL" smtClean="0"/>
-              <a:t>Tweede niveau</a:t>
+              <a:rPr lang="nl-NL" altLang="nl-NL" smtClean="0"/>
+              <a:t>Second level</a:t>
             </a:r>
           </a:p>
           <a:p>
             <a:pPr lvl="2"/>
             <a:r>
-              <a:rPr lang="nl-NL" smtClean="0"/>
-              <a:t>Derde niveau</a:t>
-            </a:r>
-          </a:p>
-          <a:p>
-            <a:pPr lvl="3"/>
-            <a:r>
-              <a:rPr lang="nl-NL" smtClean="0"/>
-              <a:t>Vierde niveau</a:t>
-            </a:r>
-          </a:p>
-          <a:p>
-            <a:pPr lvl="4"/>
-            <a:r>
-              <a:rPr lang="nl-NL" smtClean="0"/>
-              <a:t>Vijfde niveau</a:t>
-            </a:r>
-            <a:endParaRPr lang="nl-NL"/>
+              <a:rPr lang="nl-NL" altLang="nl-NL" smtClean="0"/>
+              <a:t>Third level</a:t>
+            </a:r>
           </a:p>
         </p:txBody>
       </p:sp>
       <p:sp>
         <p:nvSpPr>
-          <p:cNvPr id="4" name="Tijdelijke aanduiding voor datum 3"/>
+          <p:cNvPr id="1028" name="Rectangle 13"/>
           <p:cNvSpPr>
-            <a:spLocks noGrp="1"/>
+            <a:spLocks noChangeArrowheads="1"/>
           </p:cNvSpPr>
-          <p:nvPr>
-            <p:ph type="dt" sz="half" idx="2"/>
-          </p:nvPr>
+          <p:nvPr userDrawn="1"/>
         </p:nvSpPr>
-        <p:spPr>
+        <p:spPr bwMode="auto">
           <a:xfrm>
-            <a:off x="838200" y="6356350"/>
-            <a:ext cx="2743200" cy="365125"/>
+            <a:off x="0" y="6132513"/>
+            <a:ext cx="9144000" cy="725487"/>
           </a:xfrm>
           <a:prstGeom prst="rect">
             <a:avLst/>
           </a:prstGeom>
+          <a:solidFill>
+            <a:schemeClr val="bg1"/>
+          </a:solidFill>
+          <a:ln>
+            <a:noFill/>
+          </a:ln>
+          <a:extLst>
+            <a:ext uri="{91240B29-F687-4F45-9708-019B960494DF}">
+              <a14:hiddenLine xmlns:a14="http://schemas.microsoft.com/office/drawing/2010/main" w="9525">
+                <a:solidFill>
+                  <a:srgbClr val="000000"/>
+                </a:solidFill>
+                <a:miter lim="800000"/>
+                <a:headEnd/>
+                <a:tailEnd/>
+              </a14:hiddenLine>
+            </a:ext>
+          </a:extLst>
         </p:spPr>
         <p:txBody>
-          <a:bodyPr vert="horz" lIns="91440" tIns="45720" rIns="91440" bIns="45720" rtlCol="0" anchor="ctr"/>
+          <a:bodyPr wrap="none" anchor="ctr"/>
           <a:lstStyle>
-            <a:lvl1pPr algn="l">
-              <a:defRPr sz="1200">
-                <a:solidFill>
-                  <a:schemeClr val="tx1">
-                    <a:tint val="75000"/>
-                  </a:schemeClr>
-                </a:solidFill>
+            <a:lvl1pPr eaLnBrk="0" hangingPunct="0">
+              <a:defRPr sz="2400">
+                <a:solidFill>
+                  <a:schemeClr val="tx1"/>
+                </a:solidFill>
+                <a:latin typeface="Tahoma" pitchFamily="34" charset="0"/>
+                <a:cs typeface="Arial" pitchFamily="34" charset="0"/>
               </a:defRPr>
             </a:lvl1pPr>
+            <a:lvl2pPr marL="742950" indent="-285750" eaLnBrk="0" hangingPunct="0">
+              <a:defRPr sz="2400">
+                <a:solidFill>
+                  <a:schemeClr val="tx1"/>
+                </a:solidFill>
+                <a:latin typeface="Tahoma" pitchFamily="34" charset="0"/>
+                <a:cs typeface="Arial" pitchFamily="34" charset="0"/>
+              </a:defRPr>
+            </a:lvl2pPr>
+            <a:lvl3pPr marL="1143000" indent="-228600" eaLnBrk="0" hangingPunct="0">
+              <a:defRPr sz="2400">
+                <a:solidFill>
+                  <a:schemeClr val="tx1"/>
+                </a:solidFill>
+                <a:latin typeface="Tahoma" pitchFamily="34" charset="0"/>
+                <a:cs typeface="Arial" pitchFamily="34" charset="0"/>
+              </a:defRPr>
+            </a:lvl3pPr>
+            <a:lvl4pPr marL="1600200" indent="-228600" eaLnBrk="0" hangingPunct="0">
+              <a:defRPr sz="2400">
+                <a:solidFill>
+                  <a:schemeClr val="tx1"/>
+                </a:solidFill>
+                <a:latin typeface="Tahoma" pitchFamily="34" charset="0"/>
+                <a:cs typeface="Arial" pitchFamily="34" charset="0"/>
+              </a:defRPr>
+            </a:lvl4pPr>
+            <a:lvl5pPr marL="2057400" indent="-228600" eaLnBrk="0" hangingPunct="0">
+              <a:defRPr sz="2400">
+                <a:solidFill>
+                  <a:schemeClr val="tx1"/>
+                </a:solidFill>
+                <a:latin typeface="Tahoma" pitchFamily="34" charset="0"/>
+                <a:cs typeface="Arial" pitchFamily="34" charset="0"/>
+              </a:defRPr>
+            </a:lvl5pPr>
+            <a:lvl6pPr marL="2514600" indent="-228600" algn="ctr" eaLnBrk="0" fontAlgn="base" hangingPunct="0">
+              <a:spcBef>
+                <a:spcPct val="0"/>
+              </a:spcBef>
+              <a:spcAft>
+                <a:spcPct val="0"/>
+              </a:spcAft>
+              <a:defRPr sz="2400">
+                <a:solidFill>
+                  <a:schemeClr val="tx1"/>
+                </a:solidFill>
+                <a:latin typeface="Tahoma" pitchFamily="34" charset="0"/>
+                <a:cs typeface="Arial" pitchFamily="34" charset="0"/>
+              </a:defRPr>
+            </a:lvl6pPr>
+            <a:lvl7pPr marL="2971800" indent="-228600" algn="ctr" eaLnBrk="0" fontAlgn="base" hangingPunct="0">
+              <a:spcBef>
+                <a:spcPct val="0"/>
+              </a:spcBef>
+              <a:spcAft>
+                <a:spcPct val="0"/>
+              </a:spcAft>
+              <a:defRPr sz="2400">
+                <a:solidFill>
+                  <a:schemeClr val="tx1"/>
+                </a:solidFill>
+                <a:latin typeface="Tahoma" pitchFamily="34" charset="0"/>
+                <a:cs typeface="Arial" pitchFamily="34" charset="0"/>
+              </a:defRPr>
+            </a:lvl7pPr>
+            <a:lvl8pPr marL="3429000" indent="-228600" algn="ctr" eaLnBrk="0" fontAlgn="base" hangingPunct="0">
+              <a:spcBef>
+                <a:spcPct val="0"/>
+              </a:spcBef>
+              <a:spcAft>
+                <a:spcPct val="0"/>
+              </a:spcAft>
+              <a:defRPr sz="2400">
+                <a:solidFill>
+                  <a:schemeClr val="tx1"/>
+                </a:solidFill>
+                <a:latin typeface="Tahoma" pitchFamily="34" charset="0"/>
+                <a:cs typeface="Arial" pitchFamily="34" charset="0"/>
+              </a:defRPr>
+            </a:lvl8pPr>
+            <a:lvl9pPr marL="3886200" indent="-228600" algn="ctr" eaLnBrk="0" fontAlgn="base" hangingPunct="0">
+              <a:spcBef>
+                <a:spcPct val="0"/>
+              </a:spcBef>
+              <a:spcAft>
+                <a:spcPct val="0"/>
+              </a:spcAft>
+              <a:defRPr sz="2400">
+                <a:solidFill>
+                  <a:schemeClr val="tx1"/>
+                </a:solidFill>
+                <a:latin typeface="Tahoma" pitchFamily="34" charset="0"/>
+                <a:cs typeface="Arial" pitchFamily="34" charset="0"/>
+              </a:defRPr>
+            </a:lvl9pPr>
           </a:lstStyle>
           <a:p>
-            <a:fld id="{C4324EB6-76AB-4EF0-B9EB-4D963F0D75A1}" type="datetimeFigureOut">
-              <a:rPr lang="nl-NL" smtClean="0"/>
-              <a:t>15-1-2015</a:t>
-            </a:fld>
-            <a:endParaRPr lang="nl-NL"/>
+            <a:pPr algn="r" eaLnBrk="1" hangingPunct="1">
+              <a:defRPr/>
+            </a:pPr>
+            <a:endParaRPr lang="nl-NL" altLang="nl-NL" sz="2200" smtClean="0"/>
           </a:p>
         </p:txBody>
       </p:sp>
       <p:sp>
         <p:nvSpPr>
-          <p:cNvPr id="5" name="Tijdelijke aanduiding voor voettekst 4"/>
+          <p:cNvPr id="1029" name="Rectangle 19"/>
           <p:cNvSpPr>
-            <a:spLocks noGrp="1"/>
+            <a:spLocks noChangeArrowheads="1"/>
           </p:cNvSpPr>
-          <p:nvPr>
-            <p:ph type="ftr" sz="quarter" idx="3"/>
-          </p:nvPr>
+          <p:nvPr userDrawn="1"/>
         </p:nvSpPr>
-        <p:spPr>
+        <p:spPr bwMode="auto">
           <a:xfrm>
-            <a:off x="4038600" y="6356350"/>
-            <a:ext cx="4114800" cy="365125"/>
+            <a:off x="0" y="6584950"/>
+            <a:ext cx="9144000" cy="273050"/>
           </a:xfrm>
           <a:prstGeom prst="rect">
             <a:avLst/>
           </a:prstGeom>
+          <a:solidFill>
+            <a:srgbClr val="00A6D6"/>
+          </a:solidFill>
+          <a:ln>
+            <a:noFill/>
+          </a:ln>
+          <a:extLst>
+            <a:ext uri="{91240B29-F687-4F45-9708-019B960494DF}">
+              <a14:hiddenLine xmlns:a14="http://schemas.microsoft.com/office/drawing/2010/main" w="9525">
+                <a:solidFill>
+                  <a:srgbClr val="000000"/>
+                </a:solidFill>
+                <a:miter lim="800000"/>
+                <a:headEnd/>
+                <a:tailEnd/>
+              </a14:hiddenLine>
+            </a:ext>
+          </a:extLst>
         </p:spPr>
         <p:txBody>
-          <a:bodyPr vert="horz" lIns="91440" tIns="45720" rIns="91440" bIns="45720" rtlCol="0" anchor="ctr"/>
+          <a:bodyPr wrap="none" anchor="ctr"/>
           <a:lstStyle>
-            <a:lvl1pPr algn="ctr">
-              <a:defRPr sz="1200">
-                <a:solidFill>
-                  <a:schemeClr val="tx1">
-                    <a:tint val="75000"/>
-                  </a:schemeClr>
-                </a:solidFill>
+            <a:lvl1pPr eaLnBrk="0" hangingPunct="0">
+              <a:defRPr sz="2400">
+                <a:solidFill>
+                  <a:schemeClr val="tx1"/>
+                </a:solidFill>
+                <a:latin typeface="Tahoma" pitchFamily="34" charset="0"/>
+                <a:cs typeface="Arial" pitchFamily="34" charset="0"/>
               </a:defRPr>
             </a:lvl1pPr>
+            <a:lvl2pPr marL="742950" indent="-285750" eaLnBrk="0" hangingPunct="0">
+              <a:defRPr sz="2400">
+                <a:solidFill>
+                  <a:schemeClr val="tx1"/>
+                </a:solidFill>
+                <a:latin typeface="Tahoma" pitchFamily="34" charset="0"/>
+                <a:cs typeface="Arial" pitchFamily="34" charset="0"/>
+              </a:defRPr>
+            </a:lvl2pPr>
+            <a:lvl3pPr marL="1143000" indent="-228600" eaLnBrk="0" hangingPunct="0">
+              <a:defRPr sz="2400">
+                <a:solidFill>
+                  <a:schemeClr val="tx1"/>
+                </a:solidFill>
+                <a:latin typeface="Tahoma" pitchFamily="34" charset="0"/>
+                <a:cs typeface="Arial" pitchFamily="34" charset="0"/>
+              </a:defRPr>
+            </a:lvl3pPr>
+            <a:lvl4pPr marL="1600200" indent="-228600" eaLnBrk="0" hangingPunct="0">
+              <a:defRPr sz="2400">
+                <a:solidFill>
+                  <a:schemeClr val="tx1"/>
+                </a:solidFill>
+                <a:latin typeface="Tahoma" pitchFamily="34" charset="0"/>
+                <a:cs typeface="Arial" pitchFamily="34" charset="0"/>
+              </a:defRPr>
+            </a:lvl4pPr>
+            <a:lvl5pPr marL="2057400" indent="-228600" eaLnBrk="0" hangingPunct="0">
+              <a:defRPr sz="2400">
+                <a:solidFill>
+                  <a:schemeClr val="tx1"/>
+                </a:solidFill>
+                <a:latin typeface="Tahoma" pitchFamily="34" charset="0"/>
+                <a:cs typeface="Arial" pitchFamily="34" charset="0"/>
+              </a:defRPr>
+            </a:lvl5pPr>
+            <a:lvl6pPr marL="2514600" indent="-228600" algn="ctr" eaLnBrk="0" fontAlgn="base" hangingPunct="0">
+              <a:spcBef>
+                <a:spcPct val="0"/>
+              </a:spcBef>
+              <a:spcAft>
+                <a:spcPct val="0"/>
+              </a:spcAft>
+              <a:defRPr sz="2400">
+                <a:solidFill>
+                  <a:schemeClr val="tx1"/>
+                </a:solidFill>
+                <a:latin typeface="Tahoma" pitchFamily="34" charset="0"/>
+                <a:cs typeface="Arial" pitchFamily="34" charset="0"/>
+              </a:defRPr>
+            </a:lvl6pPr>
+            <a:lvl7pPr marL="2971800" indent="-228600" algn="ctr" eaLnBrk="0" fontAlgn="base" hangingPunct="0">
+              <a:spcBef>
+                <a:spcPct val="0"/>
+              </a:spcBef>
+              <a:spcAft>
+                <a:spcPct val="0"/>
+              </a:spcAft>
+              <a:defRPr sz="2400">
+                <a:solidFill>
+                  <a:schemeClr val="tx1"/>
+                </a:solidFill>
+                <a:latin typeface="Tahoma" pitchFamily="34" charset="0"/>
+                <a:cs typeface="Arial" pitchFamily="34" charset="0"/>
+              </a:defRPr>
+            </a:lvl7pPr>
+            <a:lvl8pPr marL="3429000" indent="-228600" algn="ctr" eaLnBrk="0" fontAlgn="base" hangingPunct="0">
+              <a:spcBef>
+                <a:spcPct val="0"/>
+              </a:spcBef>
+              <a:spcAft>
+                <a:spcPct val="0"/>
+              </a:spcAft>
+              <a:defRPr sz="2400">
+                <a:solidFill>
+                  <a:schemeClr val="tx1"/>
+                </a:solidFill>
+                <a:latin typeface="Tahoma" pitchFamily="34" charset="0"/>
+                <a:cs typeface="Arial" pitchFamily="34" charset="0"/>
+              </a:defRPr>
+            </a:lvl8pPr>
+            <a:lvl9pPr marL="3886200" indent="-228600" algn="ctr" eaLnBrk="0" fontAlgn="base" hangingPunct="0">
+              <a:spcBef>
+                <a:spcPct val="0"/>
+              </a:spcBef>
+              <a:spcAft>
+                <a:spcPct val="0"/>
+              </a:spcAft>
+              <a:defRPr sz="2400">
+                <a:solidFill>
+                  <a:schemeClr val="tx1"/>
+                </a:solidFill>
+                <a:latin typeface="Tahoma" pitchFamily="34" charset="0"/>
+                <a:cs typeface="Arial" pitchFamily="34" charset="0"/>
+              </a:defRPr>
+            </a:lvl9pPr>
           </a:lstStyle>
           <a:p>
-            <a:endParaRPr lang="nl-NL"/>
+            <a:pPr algn="r" eaLnBrk="1" hangingPunct="1">
+              <a:defRPr/>
+            </a:pPr>
+            <a:endParaRPr lang="nl-NL" altLang="nl-NL" sz="2200" smtClean="0"/>
           </a:p>
         </p:txBody>
       </p:sp>
       <p:sp>
         <p:nvSpPr>
-          <p:cNvPr id="6" name="Tijdelijke aanduiding voor dianummer 5"/>
+          <p:cNvPr id="1030" name="Line 20"/>
           <p:cNvSpPr>
-            <a:spLocks noGrp="1"/>
+            <a:spLocks noChangeShapeType="1"/>
           </p:cNvSpPr>
-          <p:nvPr>
-            <p:ph type="sldNum" sz="quarter" idx="4"/>
-          </p:nvPr>
+          <p:nvPr userDrawn="1"/>
         </p:nvSpPr>
-        <p:spPr>
+        <p:spPr bwMode="auto">
           <a:xfrm>
-            <a:off x="8610600" y="6356350"/>
-            <a:ext cx="2743200" cy="365125"/>
+            <a:off x="0" y="6781800"/>
+            <a:ext cx="9144000" cy="0"/>
+          </a:xfrm>
+          <a:prstGeom prst="line">
+            <a:avLst/>
+          </a:prstGeom>
+          <a:noFill/>
+          <a:ln w="9525">
+            <a:solidFill>
+              <a:schemeClr val="bg1"/>
+            </a:solidFill>
+            <a:round/>
+            <a:headEnd/>
+            <a:tailEnd/>
+          </a:ln>
+          <a:extLst>
+            <a:ext uri="{909E8E84-426E-40DD-AFC4-6F175D3DCCD1}">
+              <a14:hiddenFill xmlns:a14="http://schemas.microsoft.com/office/drawing/2010/main">
+                <a:noFill/>
+              </a14:hiddenFill>
+            </a:ext>
+          </a:extLst>
+        </p:spPr>
+        <p:txBody>
+          <a:bodyPr wrap="none" anchor="ctr"/>
+          <a:lstStyle/>
+          <a:p>
+            <a:endParaRPr lang="nl-NL"/>
+          </a:p>
+        </p:txBody>
+      </p:sp>
+      <p:sp>
+        <p:nvSpPr>
+          <p:cNvPr id="1031" name="Line 22"/>
+          <p:cNvSpPr>
+            <a:spLocks noChangeShapeType="1"/>
+          </p:cNvSpPr>
+          <p:nvPr userDrawn="1"/>
+        </p:nvSpPr>
+        <p:spPr bwMode="auto">
+          <a:xfrm>
+            <a:off x="0" y="6134100"/>
+            <a:ext cx="9144000" cy="0"/>
+          </a:xfrm>
+          <a:prstGeom prst="line">
+            <a:avLst/>
+          </a:prstGeom>
+          <a:noFill/>
+          <a:ln w="12700">
+            <a:solidFill>
+              <a:schemeClr val="tx1"/>
+            </a:solidFill>
+            <a:round/>
+            <a:headEnd/>
+            <a:tailEnd/>
+          </a:ln>
+          <a:extLst>
+            <a:ext uri="{909E8E84-426E-40DD-AFC4-6F175D3DCCD1}">
+              <a14:hiddenFill xmlns:a14="http://schemas.microsoft.com/office/drawing/2010/main">
+                <a:noFill/>
+              </a14:hiddenFill>
+            </a:ext>
+          </a:extLst>
+        </p:spPr>
+        <p:txBody>
+          <a:bodyPr wrap="none" anchor="ctr"/>
+          <a:lstStyle/>
+          <a:p>
+            <a:endParaRPr lang="nl-NL"/>
+          </a:p>
+        </p:txBody>
+      </p:sp>
+      <p:sp>
+        <p:nvSpPr>
+          <p:cNvPr id="1032" name="Text Box 23"/>
+          <p:cNvSpPr txBox="1">
+            <a:spLocks noChangeArrowheads="1"/>
+          </p:cNvSpPr>
+          <p:nvPr userDrawn="1"/>
+        </p:nvSpPr>
+        <p:spPr bwMode="auto">
+          <a:xfrm>
+            <a:off x="3124200" y="6248400"/>
+            <a:ext cx="4419600" cy="304800"/>
           </a:xfrm>
           <a:prstGeom prst="rect">
             <a:avLst/>
           </a:prstGeom>
+          <a:noFill/>
+          <a:ln>
+            <a:noFill/>
+          </a:ln>
+          <a:extLst>
+            <a:ext uri="{909E8E84-426E-40DD-AFC4-6F175D3DCCD1}">
+              <a14:hiddenFill xmlns:a14="http://schemas.microsoft.com/office/drawing/2010/main">
+                <a:solidFill>
+                  <a:srgbClr val="FFFFFF"/>
+                </a:solidFill>
+              </a14:hiddenFill>
+            </a:ext>
+            <a:ext uri="{91240B29-F687-4F45-9708-019B960494DF}">
+              <a14:hiddenLine xmlns:a14="http://schemas.microsoft.com/office/drawing/2010/main" w="9525">
+                <a:solidFill>
+                  <a:srgbClr val="000000"/>
+                </a:solidFill>
+                <a:miter lim="800000"/>
+                <a:headEnd/>
+                <a:tailEnd/>
+              </a14:hiddenLine>
+            </a:ext>
+          </a:extLst>
         </p:spPr>
         <p:txBody>
-          <a:bodyPr vert="horz" lIns="91440" tIns="45720" rIns="91440" bIns="45720" rtlCol="0" anchor="ctr"/>
+          <a:bodyPr>
+            <a:spAutoFit/>
+          </a:bodyPr>
           <a:lstStyle>
-            <a:lvl1pPr algn="r">
-              <a:defRPr sz="1200">
-                <a:solidFill>
-                  <a:schemeClr val="tx1">
-                    <a:tint val="75000"/>
-                  </a:schemeClr>
-                </a:solidFill>
+            <a:lvl1pPr eaLnBrk="0" hangingPunct="0">
+              <a:defRPr sz="2400">
+                <a:solidFill>
+                  <a:schemeClr val="tx1"/>
+                </a:solidFill>
+                <a:latin typeface="Tahoma" pitchFamily="34" charset="0"/>
+                <a:cs typeface="Arial" pitchFamily="34" charset="0"/>
               </a:defRPr>
             </a:lvl1pPr>
+            <a:lvl2pPr marL="742950" indent="-285750" eaLnBrk="0" hangingPunct="0">
+              <a:defRPr sz="2400">
+                <a:solidFill>
+                  <a:schemeClr val="tx1"/>
+                </a:solidFill>
+                <a:latin typeface="Tahoma" pitchFamily="34" charset="0"/>
+                <a:cs typeface="Arial" pitchFamily="34" charset="0"/>
+              </a:defRPr>
+            </a:lvl2pPr>
+            <a:lvl3pPr marL="1143000" indent="-228600" eaLnBrk="0" hangingPunct="0">
+              <a:defRPr sz="2400">
+                <a:solidFill>
+                  <a:schemeClr val="tx1"/>
+                </a:solidFill>
+                <a:latin typeface="Tahoma" pitchFamily="34" charset="0"/>
+                <a:cs typeface="Arial" pitchFamily="34" charset="0"/>
+              </a:defRPr>
+            </a:lvl3pPr>
+            <a:lvl4pPr marL="1600200" indent="-228600" eaLnBrk="0" hangingPunct="0">
+              <a:defRPr sz="2400">
+                <a:solidFill>
+                  <a:schemeClr val="tx1"/>
+                </a:solidFill>
+                <a:latin typeface="Tahoma" pitchFamily="34" charset="0"/>
+                <a:cs typeface="Arial" pitchFamily="34" charset="0"/>
+              </a:defRPr>
+            </a:lvl4pPr>
+            <a:lvl5pPr marL="2057400" indent="-228600" eaLnBrk="0" hangingPunct="0">
+              <a:defRPr sz="2400">
+                <a:solidFill>
+                  <a:schemeClr val="tx1"/>
+                </a:solidFill>
+                <a:latin typeface="Tahoma" pitchFamily="34" charset="0"/>
+                <a:cs typeface="Arial" pitchFamily="34" charset="0"/>
+              </a:defRPr>
+            </a:lvl5pPr>
+            <a:lvl6pPr marL="2514600" indent="-228600" algn="ctr" eaLnBrk="0" fontAlgn="base" hangingPunct="0">
+              <a:spcBef>
+                <a:spcPct val="0"/>
+              </a:spcBef>
+              <a:spcAft>
+                <a:spcPct val="0"/>
+              </a:spcAft>
+              <a:defRPr sz="2400">
+                <a:solidFill>
+                  <a:schemeClr val="tx1"/>
+                </a:solidFill>
+                <a:latin typeface="Tahoma" pitchFamily="34" charset="0"/>
+                <a:cs typeface="Arial" pitchFamily="34" charset="0"/>
+              </a:defRPr>
+            </a:lvl6pPr>
+            <a:lvl7pPr marL="2971800" indent="-228600" algn="ctr" eaLnBrk="0" fontAlgn="base" hangingPunct="0">
+              <a:spcBef>
+                <a:spcPct val="0"/>
+              </a:spcBef>
+              <a:spcAft>
+                <a:spcPct val="0"/>
+              </a:spcAft>
+              <a:defRPr sz="2400">
+                <a:solidFill>
+                  <a:schemeClr val="tx1"/>
+                </a:solidFill>
+                <a:latin typeface="Tahoma" pitchFamily="34" charset="0"/>
+                <a:cs typeface="Arial" pitchFamily="34" charset="0"/>
+              </a:defRPr>
+            </a:lvl7pPr>
+            <a:lvl8pPr marL="3429000" indent="-228600" algn="ctr" eaLnBrk="0" fontAlgn="base" hangingPunct="0">
+              <a:spcBef>
+                <a:spcPct val="0"/>
+              </a:spcBef>
+              <a:spcAft>
+                <a:spcPct val="0"/>
+              </a:spcAft>
+              <a:defRPr sz="2400">
+                <a:solidFill>
+                  <a:schemeClr val="tx1"/>
+                </a:solidFill>
+                <a:latin typeface="Tahoma" pitchFamily="34" charset="0"/>
+                <a:cs typeface="Arial" pitchFamily="34" charset="0"/>
+              </a:defRPr>
+            </a:lvl8pPr>
+            <a:lvl9pPr marL="3886200" indent="-228600" algn="ctr" eaLnBrk="0" fontAlgn="base" hangingPunct="0">
+              <a:spcBef>
+                <a:spcPct val="0"/>
+              </a:spcBef>
+              <a:spcAft>
+                <a:spcPct val="0"/>
+              </a:spcAft>
+              <a:defRPr sz="2400">
+                <a:solidFill>
+                  <a:schemeClr val="tx1"/>
+                </a:solidFill>
+                <a:latin typeface="Tahoma" pitchFamily="34" charset="0"/>
+                <a:cs typeface="Arial" pitchFamily="34" charset="0"/>
+              </a:defRPr>
+            </a:lvl9pPr>
           </a:lstStyle>
           <a:p>
-            <a:fld id="{38EF696E-8A41-468D-8D02-F1A3912D54EF}" type="slidenum">
-              <a:rPr lang="nl-NL" smtClean="0"/>
+            <a:pPr algn="r" eaLnBrk="1" hangingPunct="1">
+              <a:spcBef>
+                <a:spcPct val="50000"/>
+              </a:spcBef>
+              <a:defRPr/>
+            </a:pPr>
+            <a:endParaRPr lang="nl-NL" altLang="nl-NL" sz="1400" smtClean="0">
+              <a:solidFill>
+                <a:schemeClr val="bg2"/>
+              </a:solidFill>
+              <a:ea typeface="ＭＳ Ｐゴシック" pitchFamily="34" charset="-128"/>
+            </a:endParaRPr>
+          </a:p>
+        </p:txBody>
+      </p:sp>
+      <p:sp>
+        <p:nvSpPr>
+          <p:cNvPr id="1033" name="Rectangle 20"/>
+          <p:cNvSpPr>
+            <a:spLocks noChangeArrowheads="1"/>
+          </p:cNvSpPr>
+          <p:nvPr userDrawn="1"/>
+        </p:nvSpPr>
+        <p:spPr bwMode="auto">
+          <a:xfrm>
+            <a:off x="0" y="0"/>
+            <a:ext cx="469900" cy="2057400"/>
+          </a:xfrm>
+          <a:prstGeom prst="rect">
+            <a:avLst/>
+          </a:prstGeom>
+          <a:solidFill>
+            <a:srgbClr val="00A6D6"/>
+          </a:solidFill>
+          <a:ln>
+            <a:noFill/>
+          </a:ln>
+          <a:extLst>
+            <a:ext uri="{91240B29-F687-4F45-9708-019B960494DF}">
+              <a14:hiddenLine xmlns:a14="http://schemas.microsoft.com/office/drawing/2010/main" w="9525">
+                <a:solidFill>
+                  <a:srgbClr val="000000"/>
+                </a:solidFill>
+                <a:miter lim="800000"/>
+                <a:headEnd/>
+                <a:tailEnd/>
+              </a14:hiddenLine>
+            </a:ext>
+          </a:extLst>
+        </p:spPr>
+        <p:txBody>
+          <a:bodyPr wrap="none" anchor="ctr"/>
+          <a:lstStyle>
+            <a:lvl1pPr eaLnBrk="0" hangingPunct="0">
+              <a:defRPr sz="2400">
+                <a:solidFill>
+                  <a:schemeClr val="tx1"/>
+                </a:solidFill>
+                <a:latin typeface="Tahoma" pitchFamily="34" charset="0"/>
+                <a:cs typeface="Arial" pitchFamily="34" charset="0"/>
+              </a:defRPr>
+            </a:lvl1pPr>
+            <a:lvl2pPr marL="742950" indent="-285750" eaLnBrk="0" hangingPunct="0">
+              <a:defRPr sz="2400">
+                <a:solidFill>
+                  <a:schemeClr val="tx1"/>
+                </a:solidFill>
+                <a:latin typeface="Tahoma" pitchFamily="34" charset="0"/>
+                <a:cs typeface="Arial" pitchFamily="34" charset="0"/>
+              </a:defRPr>
+            </a:lvl2pPr>
+            <a:lvl3pPr marL="1143000" indent="-228600" eaLnBrk="0" hangingPunct="0">
+              <a:defRPr sz="2400">
+                <a:solidFill>
+                  <a:schemeClr val="tx1"/>
+                </a:solidFill>
+                <a:latin typeface="Tahoma" pitchFamily="34" charset="0"/>
+                <a:cs typeface="Arial" pitchFamily="34" charset="0"/>
+              </a:defRPr>
+            </a:lvl3pPr>
+            <a:lvl4pPr marL="1600200" indent="-228600" eaLnBrk="0" hangingPunct="0">
+              <a:defRPr sz="2400">
+                <a:solidFill>
+                  <a:schemeClr val="tx1"/>
+                </a:solidFill>
+                <a:latin typeface="Tahoma" pitchFamily="34" charset="0"/>
+                <a:cs typeface="Arial" pitchFamily="34" charset="0"/>
+              </a:defRPr>
+            </a:lvl4pPr>
+            <a:lvl5pPr marL="2057400" indent="-228600" eaLnBrk="0" hangingPunct="0">
+              <a:defRPr sz="2400">
+                <a:solidFill>
+                  <a:schemeClr val="tx1"/>
+                </a:solidFill>
+                <a:latin typeface="Tahoma" pitchFamily="34" charset="0"/>
+                <a:cs typeface="Arial" pitchFamily="34" charset="0"/>
+              </a:defRPr>
+            </a:lvl5pPr>
+            <a:lvl6pPr marL="2514600" indent="-228600" algn="ctr" eaLnBrk="0" fontAlgn="base" hangingPunct="0">
+              <a:spcBef>
+                <a:spcPct val="0"/>
+              </a:spcBef>
+              <a:spcAft>
+                <a:spcPct val="0"/>
+              </a:spcAft>
+              <a:defRPr sz="2400">
+                <a:solidFill>
+                  <a:schemeClr val="tx1"/>
+                </a:solidFill>
+                <a:latin typeface="Tahoma" pitchFamily="34" charset="0"/>
+                <a:cs typeface="Arial" pitchFamily="34" charset="0"/>
+              </a:defRPr>
+            </a:lvl6pPr>
+            <a:lvl7pPr marL="2971800" indent="-228600" algn="ctr" eaLnBrk="0" fontAlgn="base" hangingPunct="0">
+              <a:spcBef>
+                <a:spcPct val="0"/>
+              </a:spcBef>
+              <a:spcAft>
+                <a:spcPct val="0"/>
+              </a:spcAft>
+              <a:defRPr sz="2400">
+                <a:solidFill>
+                  <a:schemeClr val="tx1"/>
+                </a:solidFill>
+                <a:latin typeface="Tahoma" pitchFamily="34" charset="0"/>
+                <a:cs typeface="Arial" pitchFamily="34" charset="0"/>
+              </a:defRPr>
+            </a:lvl7pPr>
+            <a:lvl8pPr marL="3429000" indent="-228600" algn="ctr" eaLnBrk="0" fontAlgn="base" hangingPunct="0">
+              <a:spcBef>
+                <a:spcPct val="0"/>
+              </a:spcBef>
+              <a:spcAft>
+                <a:spcPct val="0"/>
+              </a:spcAft>
+              <a:defRPr sz="2400">
+                <a:solidFill>
+                  <a:schemeClr val="tx1"/>
+                </a:solidFill>
+                <a:latin typeface="Tahoma" pitchFamily="34" charset="0"/>
+                <a:cs typeface="Arial" pitchFamily="34" charset="0"/>
+              </a:defRPr>
+            </a:lvl8pPr>
+            <a:lvl9pPr marL="3886200" indent="-228600" algn="ctr" eaLnBrk="0" fontAlgn="base" hangingPunct="0">
+              <a:spcBef>
+                <a:spcPct val="0"/>
+              </a:spcBef>
+              <a:spcAft>
+                <a:spcPct val="0"/>
+              </a:spcAft>
+              <a:defRPr sz="2400">
+                <a:solidFill>
+                  <a:schemeClr val="tx1"/>
+                </a:solidFill>
+                <a:latin typeface="Tahoma" pitchFamily="34" charset="0"/>
+                <a:cs typeface="Arial" pitchFamily="34" charset="0"/>
+              </a:defRPr>
+            </a:lvl9pPr>
+          </a:lstStyle>
+          <a:p>
+            <a:pPr algn="r" eaLnBrk="1" hangingPunct="1">
+              <a:defRPr/>
+            </a:pPr>
+            <a:endParaRPr lang="nl-NL" altLang="nl-NL" sz="2200" smtClean="0"/>
+          </a:p>
+        </p:txBody>
+      </p:sp>
+      <p:pic>
+        <p:nvPicPr>
+          <p:cNvPr id="1034" name="Picture 10" descr="logo_rgb4"/>
+          <p:cNvPicPr>
+            <a:picLocks noChangeAspect="1" noChangeArrowheads="1"/>
+          </p:cNvPicPr>
+          <p:nvPr userDrawn="1"/>
+        </p:nvPicPr>
+        <p:blipFill>
+          <a:blip r:embed="rId15">
+            <a:extLst>
+              <a:ext uri="{28A0092B-C50C-407E-A947-70E740481C1C}">
+                <a14:useLocalDpi xmlns:a14="http://schemas.microsoft.com/office/drawing/2010/main" val="0"/>
+              </a:ext>
+            </a:extLst>
+          </a:blip>
+          <a:srcRect/>
+          <a:stretch>
+            <a:fillRect/>
+          </a:stretch>
+        </p:blipFill>
+        <p:spPr bwMode="auto">
+          <a:xfrm>
+            <a:off x="571500" y="6181725"/>
+            <a:ext cx="881063" cy="346075"/>
+          </a:xfrm>
+          <a:prstGeom prst="rect">
+            <a:avLst/>
+          </a:prstGeom>
+          <a:noFill/>
+          <a:ln>
+            <a:noFill/>
+          </a:ln>
+          <a:extLst>
+            <a:ext uri="{909E8E84-426E-40DD-AFC4-6F175D3DCCD1}">
+              <a14:hiddenFill xmlns:a14="http://schemas.microsoft.com/office/drawing/2010/main">
+                <a:solidFill>
+                  <a:srgbClr val="FFFFFF"/>
+                </a:solidFill>
+              </a14:hiddenFill>
+            </a:ext>
+            <a:ext uri="{91240B29-F687-4F45-9708-019B960494DF}">
+              <a14:hiddenLine xmlns:a14="http://schemas.microsoft.com/office/drawing/2010/main" w="9525">
+                <a:solidFill>
+                  <a:srgbClr val="000000"/>
+                </a:solidFill>
+                <a:miter lim="800000"/>
+                <a:headEnd/>
+                <a:tailEnd/>
+              </a14:hiddenLine>
+            </a:ext>
+          </a:extLst>
+        </p:spPr>
+      </p:pic>
+      <p:sp>
+        <p:nvSpPr>
+          <p:cNvPr id="15" name="Rectangle 17"/>
+          <p:cNvSpPr>
+            <a:spLocks noChangeArrowheads="1"/>
+          </p:cNvSpPr>
+          <p:nvPr userDrawn="1"/>
+        </p:nvSpPr>
+        <p:spPr bwMode="auto">
+          <a:xfrm>
+            <a:off x="7735888" y="6362700"/>
+            <a:ext cx="452437" cy="252413"/>
+          </a:xfrm>
+          <a:prstGeom prst="rect">
+            <a:avLst/>
+          </a:prstGeom>
+          <a:noFill/>
+          <a:ln w="9525">
+            <a:noFill/>
+            <a:miter lim="800000"/>
+            <a:headEnd/>
+            <a:tailEnd/>
+          </a:ln>
+          <a:effectLst/>
+        </p:spPr>
+        <p:txBody>
+          <a:bodyPr lIns="0" tIns="0" rIns="0" bIns="0"/>
+          <a:lstStyle>
+            <a:lvl1pPr eaLnBrk="0" hangingPunct="0">
+              <a:defRPr sz="2400">
+                <a:solidFill>
+                  <a:schemeClr val="tx1"/>
+                </a:solidFill>
+                <a:latin typeface="Tahoma" panose="020B0604030504040204" pitchFamily="34" charset="0"/>
+                <a:cs typeface="Arial" panose="020B0604020202020204" pitchFamily="34" charset="0"/>
+              </a:defRPr>
+            </a:lvl1pPr>
+            <a:lvl2pPr marL="37931725" indent="-37474525" eaLnBrk="0" hangingPunct="0">
+              <a:defRPr sz="2400">
+                <a:solidFill>
+                  <a:schemeClr val="tx1"/>
+                </a:solidFill>
+                <a:latin typeface="Tahoma" panose="020B0604030504040204" pitchFamily="34" charset="0"/>
+                <a:cs typeface="Arial" panose="020B0604020202020204" pitchFamily="34" charset="0"/>
+              </a:defRPr>
+            </a:lvl2pPr>
+            <a:lvl3pPr marL="1143000" indent="-228600" eaLnBrk="0" hangingPunct="0">
+              <a:defRPr sz="2400">
+                <a:solidFill>
+                  <a:schemeClr val="tx1"/>
+                </a:solidFill>
+                <a:latin typeface="Tahoma" panose="020B0604030504040204" pitchFamily="34" charset="0"/>
+                <a:cs typeface="Arial" panose="020B0604020202020204" pitchFamily="34" charset="0"/>
+              </a:defRPr>
+            </a:lvl3pPr>
+            <a:lvl4pPr marL="1600200" indent="-228600" eaLnBrk="0" hangingPunct="0">
+              <a:defRPr sz="2400">
+                <a:solidFill>
+                  <a:schemeClr val="tx1"/>
+                </a:solidFill>
+                <a:latin typeface="Tahoma" panose="020B0604030504040204" pitchFamily="34" charset="0"/>
+                <a:cs typeface="Arial" panose="020B0604020202020204" pitchFamily="34" charset="0"/>
+              </a:defRPr>
+            </a:lvl4pPr>
+            <a:lvl5pPr marL="2057400" indent="-228600" eaLnBrk="0" hangingPunct="0">
+              <a:defRPr sz="2400">
+                <a:solidFill>
+                  <a:schemeClr val="tx1"/>
+                </a:solidFill>
+                <a:latin typeface="Tahoma" panose="020B0604030504040204" pitchFamily="34" charset="0"/>
+                <a:cs typeface="Arial" panose="020B0604020202020204" pitchFamily="34" charset="0"/>
+              </a:defRPr>
+            </a:lvl5pPr>
+            <a:lvl6pPr marL="2514600" indent="-228600" algn="ctr" eaLnBrk="0" fontAlgn="base" hangingPunct="0">
+              <a:spcBef>
+                <a:spcPct val="0"/>
+              </a:spcBef>
+              <a:spcAft>
+                <a:spcPct val="0"/>
+              </a:spcAft>
+              <a:defRPr sz="2400">
+                <a:solidFill>
+                  <a:schemeClr val="tx1"/>
+                </a:solidFill>
+                <a:latin typeface="Tahoma" panose="020B0604030504040204" pitchFamily="34" charset="0"/>
+                <a:cs typeface="Arial" panose="020B0604020202020204" pitchFamily="34" charset="0"/>
+              </a:defRPr>
+            </a:lvl6pPr>
+            <a:lvl7pPr marL="2971800" indent="-228600" algn="ctr" eaLnBrk="0" fontAlgn="base" hangingPunct="0">
+              <a:spcBef>
+                <a:spcPct val="0"/>
+              </a:spcBef>
+              <a:spcAft>
+                <a:spcPct val="0"/>
+              </a:spcAft>
+              <a:defRPr sz="2400">
+                <a:solidFill>
+                  <a:schemeClr val="tx1"/>
+                </a:solidFill>
+                <a:latin typeface="Tahoma" panose="020B0604030504040204" pitchFamily="34" charset="0"/>
+                <a:cs typeface="Arial" panose="020B0604020202020204" pitchFamily="34" charset="0"/>
+              </a:defRPr>
+            </a:lvl7pPr>
+            <a:lvl8pPr marL="3429000" indent="-228600" algn="ctr" eaLnBrk="0" fontAlgn="base" hangingPunct="0">
+              <a:spcBef>
+                <a:spcPct val="0"/>
+              </a:spcBef>
+              <a:spcAft>
+                <a:spcPct val="0"/>
+              </a:spcAft>
+              <a:defRPr sz="2400">
+                <a:solidFill>
+                  <a:schemeClr val="tx1"/>
+                </a:solidFill>
+                <a:latin typeface="Tahoma" panose="020B0604030504040204" pitchFamily="34" charset="0"/>
+                <a:cs typeface="Arial" panose="020B0604020202020204" pitchFamily="34" charset="0"/>
+              </a:defRPr>
+            </a:lvl8pPr>
+            <a:lvl9pPr marL="3886200" indent="-228600" algn="ctr" eaLnBrk="0" fontAlgn="base" hangingPunct="0">
+              <a:spcBef>
+                <a:spcPct val="0"/>
+              </a:spcBef>
+              <a:spcAft>
+                <a:spcPct val="0"/>
+              </a:spcAft>
+              <a:defRPr sz="2400">
+                <a:solidFill>
+                  <a:schemeClr val="tx1"/>
+                </a:solidFill>
+                <a:latin typeface="Tahoma" panose="020B0604030504040204" pitchFamily="34" charset="0"/>
+                <a:cs typeface="Arial" panose="020B0604020202020204" pitchFamily="34" charset="0"/>
+              </a:defRPr>
+            </a:lvl9pPr>
+          </a:lstStyle>
+          <a:p>
+            <a:pPr algn="r" eaLnBrk="1" hangingPunct="1"/>
+            <a:fld id="{1C957FF4-009F-46A4-B09E-9B4CB64A91C0}" type="slidenum">
+              <a:rPr lang="nl-NL" altLang="nl-NL" sz="1100">
+                <a:ea typeface="ＭＳ Ｐゴシック" panose="020B0600070205080204" pitchFamily="34" charset="-128"/>
+              </a:rPr>
+              <a:pPr algn="r" eaLnBrk="1" hangingPunct="1"/>
               <a:t>‹nr.›</a:t>
             </a:fld>
-            <a:endParaRPr lang="nl-NL"/>
+            <a:endParaRPr lang="nl-NL" altLang="nl-NL" sz="1100">
+              <a:ea typeface="ＭＳ Ｐゴシック" panose="020B0600070205080204" pitchFamily="34" charset="-128"/>
+            </a:endParaRPr>
+          </a:p>
+        </p:txBody>
+      </p:sp>
+      <p:sp>
+        <p:nvSpPr>
+          <p:cNvPr id="1036" name="TextBox 19"/>
+          <p:cNvSpPr txBox="1">
+            <a:spLocks noChangeArrowheads="1"/>
+          </p:cNvSpPr>
+          <p:nvPr userDrawn="1"/>
+        </p:nvSpPr>
+        <p:spPr bwMode="auto">
+          <a:xfrm>
+            <a:off x="6656388" y="6324600"/>
+            <a:ext cx="1463675" cy="246063"/>
+          </a:xfrm>
+          <a:prstGeom prst="rect">
+            <a:avLst/>
+          </a:prstGeom>
+          <a:noFill/>
+          <a:ln>
+            <a:noFill/>
+          </a:ln>
+          <a:extLst>
+            <a:ext uri="{909E8E84-426E-40DD-AFC4-6F175D3DCCD1}">
+              <a14:hiddenFill xmlns:a14="http://schemas.microsoft.com/office/drawing/2010/main">
+                <a:solidFill>
+                  <a:srgbClr val="FFFFFF"/>
+                </a:solidFill>
+              </a14:hiddenFill>
+            </a:ext>
+            <a:ext uri="{91240B29-F687-4F45-9708-019B960494DF}">
+              <a14:hiddenLine xmlns:a14="http://schemas.microsoft.com/office/drawing/2010/main" w="9525">
+                <a:solidFill>
+                  <a:srgbClr val="000000"/>
+                </a:solidFill>
+                <a:miter lim="800000"/>
+                <a:headEnd/>
+                <a:tailEnd/>
+              </a14:hiddenLine>
+            </a:ext>
+          </a:extLst>
+        </p:spPr>
+        <p:txBody>
+          <a:bodyPr>
+            <a:spAutoFit/>
+          </a:bodyPr>
+          <a:lstStyle>
+            <a:lvl1pPr eaLnBrk="0" hangingPunct="0">
+              <a:defRPr sz="2400">
+                <a:solidFill>
+                  <a:schemeClr val="tx1"/>
+                </a:solidFill>
+                <a:latin typeface="Tahoma" pitchFamily="34" charset="0"/>
+                <a:cs typeface="Arial" pitchFamily="34" charset="0"/>
+              </a:defRPr>
+            </a:lvl1pPr>
+            <a:lvl2pPr marL="742950" indent="-285750" eaLnBrk="0" hangingPunct="0">
+              <a:defRPr sz="2400">
+                <a:solidFill>
+                  <a:schemeClr val="tx1"/>
+                </a:solidFill>
+                <a:latin typeface="Tahoma" pitchFamily="34" charset="0"/>
+                <a:cs typeface="Arial" pitchFamily="34" charset="0"/>
+              </a:defRPr>
+            </a:lvl2pPr>
+            <a:lvl3pPr marL="1143000" indent="-228600" eaLnBrk="0" hangingPunct="0">
+              <a:defRPr sz="2400">
+                <a:solidFill>
+                  <a:schemeClr val="tx1"/>
+                </a:solidFill>
+                <a:latin typeface="Tahoma" pitchFamily="34" charset="0"/>
+                <a:cs typeface="Arial" pitchFamily="34" charset="0"/>
+              </a:defRPr>
+            </a:lvl3pPr>
+            <a:lvl4pPr marL="1600200" indent="-228600" eaLnBrk="0" hangingPunct="0">
+              <a:defRPr sz="2400">
+                <a:solidFill>
+                  <a:schemeClr val="tx1"/>
+                </a:solidFill>
+                <a:latin typeface="Tahoma" pitchFamily="34" charset="0"/>
+                <a:cs typeface="Arial" pitchFamily="34" charset="0"/>
+              </a:defRPr>
+            </a:lvl4pPr>
+            <a:lvl5pPr marL="2057400" indent="-228600" eaLnBrk="0" hangingPunct="0">
+              <a:defRPr sz="2400">
+                <a:solidFill>
+                  <a:schemeClr val="tx1"/>
+                </a:solidFill>
+                <a:latin typeface="Tahoma" pitchFamily="34" charset="0"/>
+                <a:cs typeface="Arial" pitchFamily="34" charset="0"/>
+              </a:defRPr>
+            </a:lvl5pPr>
+            <a:lvl6pPr marL="2514600" indent="-228600" algn="ctr" eaLnBrk="0" fontAlgn="base" hangingPunct="0">
+              <a:spcBef>
+                <a:spcPct val="0"/>
+              </a:spcBef>
+              <a:spcAft>
+                <a:spcPct val="0"/>
+              </a:spcAft>
+              <a:defRPr sz="2400">
+                <a:solidFill>
+                  <a:schemeClr val="tx1"/>
+                </a:solidFill>
+                <a:latin typeface="Tahoma" pitchFamily="34" charset="0"/>
+                <a:cs typeface="Arial" pitchFamily="34" charset="0"/>
+              </a:defRPr>
+            </a:lvl6pPr>
+            <a:lvl7pPr marL="2971800" indent="-228600" algn="ctr" eaLnBrk="0" fontAlgn="base" hangingPunct="0">
+              <a:spcBef>
+                <a:spcPct val="0"/>
+              </a:spcBef>
+              <a:spcAft>
+                <a:spcPct val="0"/>
+              </a:spcAft>
+              <a:defRPr sz="2400">
+                <a:solidFill>
+                  <a:schemeClr val="tx1"/>
+                </a:solidFill>
+                <a:latin typeface="Tahoma" pitchFamily="34" charset="0"/>
+                <a:cs typeface="Arial" pitchFamily="34" charset="0"/>
+              </a:defRPr>
+            </a:lvl7pPr>
+            <a:lvl8pPr marL="3429000" indent="-228600" algn="ctr" eaLnBrk="0" fontAlgn="base" hangingPunct="0">
+              <a:spcBef>
+                <a:spcPct val="0"/>
+              </a:spcBef>
+              <a:spcAft>
+                <a:spcPct val="0"/>
+              </a:spcAft>
+              <a:defRPr sz="2400">
+                <a:solidFill>
+                  <a:schemeClr val="tx1"/>
+                </a:solidFill>
+                <a:latin typeface="Tahoma" pitchFamily="34" charset="0"/>
+                <a:cs typeface="Arial" pitchFamily="34" charset="0"/>
+              </a:defRPr>
+            </a:lvl8pPr>
+            <a:lvl9pPr marL="3886200" indent="-228600" algn="ctr" eaLnBrk="0" fontAlgn="base" hangingPunct="0">
+              <a:spcBef>
+                <a:spcPct val="0"/>
+              </a:spcBef>
+              <a:spcAft>
+                <a:spcPct val="0"/>
+              </a:spcAft>
+              <a:defRPr sz="2400">
+                <a:solidFill>
+                  <a:schemeClr val="tx1"/>
+                </a:solidFill>
+                <a:latin typeface="Tahoma" pitchFamily="34" charset="0"/>
+                <a:cs typeface="Arial" pitchFamily="34" charset="0"/>
+              </a:defRPr>
+            </a:lvl9pPr>
+          </a:lstStyle>
+          <a:p>
+            <a:pPr algn="l" eaLnBrk="1" hangingPunct="1">
+              <a:defRPr/>
+            </a:pPr>
+            <a:r>
+              <a:rPr lang="en-US" altLang="nl-NL" sz="1000" smtClean="0">
+                <a:solidFill>
+                  <a:srgbClr val="00A6D6"/>
+                </a:solidFill>
+              </a:rPr>
+              <a:t>Challenge the future</a:t>
+            </a:r>
           </a:p>
         </p:txBody>
       </p:sp>
     </p:spTree>
-    <p:extLst>
-      <p:ext uri="{BB962C8B-B14F-4D97-AF65-F5344CB8AC3E}">
-        <p14:creationId xmlns:p14="http://schemas.microsoft.com/office/powerpoint/2010/main" val="2308338276"/>
-      </p:ext>
-    </p:extLst>
   </p:cSld>
   <p:clrMap bg1="lt1" tx1="dk1" bg2="lt2" tx2="dk2" accent1="accent1" accent2="accent2" accent3="accent3" accent4="accent4" accent5="accent5" accent6="accent6" hlink="hlink" folHlink="folHlink"/>
   <p:sldLayoutIdLst>
-    <p:sldLayoutId id="2147483649" r:id="rId1"/>
-    <p:sldLayoutId id="2147483650" r:id="rId2"/>
-    <p:sldLayoutId id="2147483651" r:id="rId3"/>
-    <p:sldLayoutId id="2147483652" r:id="rId4"/>
-    <p:sldLayoutId id="2147483653" r:id="rId5"/>
-    <p:sldLayoutId id="2147483654" r:id="rId6"/>
-    <p:sldLayoutId id="2147483655" r:id="rId7"/>
-    <p:sldLayoutId id="2147483656" r:id="rId8"/>
-    <p:sldLayoutId id="2147483657" r:id="rId9"/>
-    <p:sldLayoutId id="2147483658" r:id="rId10"/>
-    <p:sldLayoutId id="2147483659" r:id="rId11"/>
+    <p:sldLayoutId id="2147483774" r:id="rId1"/>
+    <p:sldLayoutId id="2147483762" r:id="rId2"/>
+    <p:sldLayoutId id="2147483763" r:id="rId3"/>
+    <p:sldLayoutId id="2147483764" r:id="rId4"/>
+    <p:sldLayoutId id="2147483765" r:id="rId5"/>
+    <p:sldLayoutId id="2147483766" r:id="rId6"/>
+    <p:sldLayoutId id="2147483767" r:id="rId7"/>
+    <p:sldLayoutId id="2147483768" r:id="rId8"/>
+    <p:sldLayoutId id="2147483769" r:id="rId9"/>
+    <p:sldLayoutId id="2147483770" r:id="rId10"/>
+    <p:sldLayoutId id="2147483771" r:id="rId11"/>
+    <p:sldLayoutId id="2147483772" r:id="rId12"/>
+    <p:sldLayoutId id="2147483773" r:id="rId13"/>
   </p:sldLayoutIdLst>
+  <p:timing>
+    <p:tnLst>
+      <p:par>
+        <p:cTn id="1" dur="indefinite" restart="never" nodeType="tmRoot"/>
+      </p:par>
+    </p:tnLst>
+  </p:timing>
+  <p:hf hdr="0" ftr="0" dt="0"/>
   <p:txStyles>
     <p:titleStyle>
-      <a:lvl1pPr algn="l" defTabSz="914400" rtl="0" eaLnBrk="1" latinLnBrk="0" hangingPunct="1">
+      <a:lvl1pPr marL="857250" indent="-857250" algn="l" rtl="0" eaLnBrk="0" fontAlgn="base" hangingPunct="0">
+        <a:spcBef>
+          <a:spcPct val="0"/>
+        </a:spcBef>
+        <a:spcAft>
+          <a:spcPct val="0"/>
+        </a:spcAft>
+        <a:defRPr sz="3300">
+          <a:solidFill>
+            <a:schemeClr val="tx1"/>
+          </a:solidFill>
+          <a:latin typeface="+mj-lt"/>
+          <a:ea typeface="ＭＳ Ｐゴシック" charset="-128"/>
+          <a:cs typeface="ＭＳ Ｐゴシック" charset="-128"/>
+        </a:defRPr>
+      </a:lvl1pPr>
+      <a:lvl2pPr marL="857250" indent="-857250" algn="l" rtl="0" eaLnBrk="0" fontAlgn="base" hangingPunct="0">
+        <a:spcBef>
+          <a:spcPct val="0"/>
+        </a:spcBef>
+        <a:spcAft>
+          <a:spcPct val="0"/>
+        </a:spcAft>
+        <a:defRPr sz="3300">
+          <a:solidFill>
+            <a:schemeClr val="tx1"/>
+          </a:solidFill>
+          <a:latin typeface="Bookman Old Style" pitchFamily="18" charset="0"/>
+          <a:ea typeface="ＭＳ Ｐゴシック" charset="-128"/>
+          <a:cs typeface="ＭＳ Ｐゴシック" charset="-128"/>
+        </a:defRPr>
+      </a:lvl2pPr>
+      <a:lvl3pPr marL="857250" indent="-857250" algn="l" rtl="0" eaLnBrk="0" fontAlgn="base" hangingPunct="0">
+        <a:spcBef>
+          <a:spcPct val="0"/>
+        </a:spcBef>
+        <a:spcAft>
+          <a:spcPct val="0"/>
+        </a:spcAft>
+        <a:defRPr sz="3300">
+          <a:solidFill>
+            <a:schemeClr val="tx1"/>
+          </a:solidFill>
+          <a:latin typeface="Bookman Old Style" pitchFamily="18" charset="0"/>
+          <a:ea typeface="ＭＳ Ｐゴシック" charset="-128"/>
+          <a:cs typeface="ＭＳ Ｐゴシック" charset="-128"/>
+        </a:defRPr>
+      </a:lvl3pPr>
+      <a:lvl4pPr marL="857250" indent="-857250" algn="l" rtl="0" eaLnBrk="0" fontAlgn="base" hangingPunct="0">
+        <a:spcBef>
+          <a:spcPct val="0"/>
+        </a:spcBef>
+        <a:spcAft>
+          <a:spcPct val="0"/>
+        </a:spcAft>
+        <a:defRPr sz="3300">
+          <a:solidFill>
+            <a:schemeClr val="tx1"/>
+          </a:solidFill>
+          <a:latin typeface="Bookman Old Style" pitchFamily="18" charset="0"/>
+          <a:ea typeface="ＭＳ Ｐゴシック" charset="-128"/>
+          <a:cs typeface="ＭＳ Ｐゴシック" charset="-128"/>
+        </a:defRPr>
+      </a:lvl4pPr>
+      <a:lvl5pPr marL="857250" indent="-857250" algn="l" rtl="0" eaLnBrk="0" fontAlgn="base" hangingPunct="0">
+        <a:spcBef>
+          <a:spcPct val="0"/>
+        </a:spcBef>
+        <a:spcAft>
+          <a:spcPct val="0"/>
+        </a:spcAft>
+        <a:defRPr sz="3300">
+          <a:solidFill>
+            <a:schemeClr val="tx1"/>
+          </a:solidFill>
+          <a:latin typeface="Bookman Old Style" pitchFamily="18" charset="0"/>
+          <a:ea typeface="ＭＳ Ｐゴシック" charset="-128"/>
+          <a:cs typeface="ＭＳ Ｐゴシック" charset="-128"/>
+        </a:defRPr>
+      </a:lvl5pPr>
+      <a:lvl6pPr marL="1314450" indent="-857250" algn="l" rtl="0" eaLnBrk="0" fontAlgn="base" hangingPunct="0">
+        <a:spcBef>
+          <a:spcPct val="0"/>
+        </a:spcBef>
+        <a:spcAft>
+          <a:spcPct val="0"/>
+        </a:spcAft>
+        <a:defRPr sz="3300">
+          <a:solidFill>
+            <a:schemeClr val="tx1"/>
+          </a:solidFill>
+          <a:latin typeface="Bookman Old Style" pitchFamily="18" charset="0"/>
+        </a:defRPr>
+      </a:lvl6pPr>
+      <a:lvl7pPr marL="1771650" indent="-857250" algn="l" rtl="0" eaLnBrk="0" fontAlgn="base" hangingPunct="0">
+        <a:spcBef>
+          <a:spcPct val="0"/>
+        </a:spcBef>
+        <a:spcAft>
+          <a:spcPct val="0"/>
+        </a:spcAft>
+        <a:defRPr sz="3300">
+          <a:solidFill>
+            <a:schemeClr val="tx1"/>
+          </a:solidFill>
+          <a:latin typeface="Bookman Old Style" pitchFamily="18" charset="0"/>
+        </a:defRPr>
+      </a:lvl7pPr>
+      <a:lvl8pPr marL="2228850" indent="-857250" algn="l" rtl="0" eaLnBrk="0" fontAlgn="base" hangingPunct="0">
+        <a:spcBef>
+          <a:spcPct val="0"/>
+        </a:spcBef>
+        <a:spcAft>
+          <a:spcPct val="0"/>
+        </a:spcAft>
+        <a:defRPr sz="3300">
+          <a:solidFill>
+            <a:schemeClr val="tx1"/>
+          </a:solidFill>
+          <a:latin typeface="Bookman Old Style" pitchFamily="18" charset="0"/>
+        </a:defRPr>
+      </a:lvl8pPr>
+      <a:lvl9pPr marL="2686050" indent="-857250" algn="l" rtl="0" eaLnBrk="0" fontAlgn="base" hangingPunct="0">
+        <a:spcBef>
+          <a:spcPct val="0"/>
+        </a:spcBef>
+        <a:spcAft>
+          <a:spcPct val="0"/>
+        </a:spcAft>
+        <a:defRPr sz="3300">
+          <a:solidFill>
+            <a:schemeClr val="tx1"/>
+          </a:solidFill>
+          <a:latin typeface="Bookman Old Style" pitchFamily="18" charset="0"/>
+        </a:defRPr>
+      </a:lvl9pPr>
+    </p:titleStyle>
+    <p:bodyStyle>
+      <a:lvl1pPr marL="195263" indent="-195263" algn="l" rtl="0" eaLnBrk="0" fontAlgn="base" hangingPunct="0">
         <a:lnSpc>
-          <a:spcPct val="90000"/>
+          <a:spcPts val="2500"/>
         </a:lnSpc>
         <a:spcBef>
           <a:spcPct val="0"/>
         </a:spcBef>
-        <a:buNone/>
-        <a:defRPr sz="4400" kern="1200">
-          <a:solidFill>
-            <a:schemeClr val="tx1"/>
-          </a:solidFill>
-          <a:latin typeface="+mj-lt"/>
-          <a:ea typeface="+mj-ea"/>
-          <a:cs typeface="+mj-cs"/>
-        </a:defRPr>
-      </a:lvl1pPr>
-    </p:titleStyle>
-    <p:bodyStyle>
-      <a:lvl1pPr marL="228600" indent="-228600" algn="l" defTabSz="914400" rtl="0" eaLnBrk="1" latinLnBrk="0" hangingPunct="1">
-        <a:lnSpc>
-          <a:spcPct val="90000"/>
-        </a:lnSpc>
-        <a:spcBef>
-          <a:spcPts val="1000"/>
-        </a:spcBef>
-        <a:buFont typeface="Arial" panose="020B0604020202020204" pitchFamily="34" charset="0"/>
+        <a:spcAft>
+          <a:spcPct val="0"/>
+        </a:spcAft>
+        <a:buClr>
+          <a:srgbClr val="00A6D6"/>
+        </a:buClr>
         <a:buChar char="•"/>
-        <a:defRPr sz="2800" kern="1200">
+        <a:defRPr sz="2000">
           <a:solidFill>
             <a:schemeClr val="tx1"/>
           </a:solidFill>
           <a:latin typeface="+mn-lt"/>
-          <a:ea typeface="+mn-ea"/>
-          <a:cs typeface="+mn-cs"/>
+          <a:ea typeface="ＭＳ Ｐゴシック" charset="-128"/>
+          <a:cs typeface="ＭＳ Ｐゴシック" charset="-128"/>
         </a:defRPr>
       </a:lvl1pPr>
-      <a:lvl2pPr marL="685800" indent="-228600" algn="l" defTabSz="914400" rtl="0" eaLnBrk="1" latinLnBrk="0" hangingPunct="1">
+      <a:lvl2pPr marL="576263" indent="-190500" algn="l" rtl="0" eaLnBrk="0" fontAlgn="base" hangingPunct="0">
         <a:lnSpc>
-          <a:spcPct val="90000"/>
+          <a:spcPts val="2500"/>
         </a:lnSpc>
         <a:spcBef>
-          <a:spcPts val="500"/>
+          <a:spcPct val="0"/>
         </a:spcBef>
-        <a:buFont typeface="Arial" panose="020B0604020202020204" pitchFamily="34" charset="0"/>
+        <a:spcAft>
+          <a:spcPct val="0"/>
+        </a:spcAft>
+        <a:buClr>
+          <a:srgbClr val="00A6D6"/>
+        </a:buClr>
+        <a:buFont typeface="Times" panose="02020603050405020304" pitchFamily="18" charset="0"/>
         <a:buChar char="•"/>
-        <a:defRPr sz="2400" kern="1200">
+        <a:defRPr>
           <a:solidFill>
             <a:schemeClr val="tx1"/>
           </a:solidFill>
           <a:latin typeface="+mn-lt"/>
-          <a:ea typeface="+mn-ea"/>
-          <a:cs typeface="+mn-cs"/>
+          <a:ea typeface="ＭＳ Ｐゴシック" charset="-128"/>
         </a:defRPr>
       </a:lvl2pPr>
-      <a:lvl3pPr marL="1143000" indent="-228600" algn="l" defTabSz="914400" rtl="0" eaLnBrk="1" latinLnBrk="0" hangingPunct="1">
+      <a:lvl3pPr marL="957263" indent="-190500" algn="l" rtl="0" eaLnBrk="0" fontAlgn="base" hangingPunct="0">
         <a:lnSpc>
-          <a:spcPct val="90000"/>
+          <a:spcPts val="2500"/>
         </a:lnSpc>
         <a:spcBef>
-          <a:spcPts val="500"/>
+          <a:spcPct val="0"/>
         </a:spcBef>
-        <a:buFont typeface="Arial" panose="020B0604020202020204" pitchFamily="34" charset="0"/>
+        <a:spcAft>
+          <a:spcPct val="0"/>
+        </a:spcAft>
+        <a:buClr>
+          <a:srgbClr val="00A6D6"/>
+        </a:buClr>
+        <a:buFont typeface="Times" panose="02020603050405020304" pitchFamily="18" charset="0"/>
         <a:buChar char="•"/>
-        <a:defRPr sz="2000" kern="1200">
+        <a:defRPr sz="1600">
           <a:solidFill>
             <a:schemeClr val="tx1"/>
           </a:solidFill>
           <a:latin typeface="+mn-lt"/>
-          <a:ea typeface="+mn-ea"/>
-          <a:cs typeface="+mn-cs"/>
+          <a:ea typeface="ＭＳ Ｐゴシック" charset="-128"/>
         </a:defRPr>
       </a:lvl3pPr>
-      <a:lvl4pPr marL="1600200" indent="-228600" algn="l" defTabSz="914400" rtl="0" eaLnBrk="1" latinLnBrk="0" hangingPunct="1">
+      <a:lvl4pPr marL="1338263" indent="-190500" algn="l" rtl="0" eaLnBrk="0" fontAlgn="base" hangingPunct="0">
         <a:lnSpc>
-          <a:spcPct val="90000"/>
+          <a:spcPts val="2500"/>
         </a:lnSpc>
         <a:spcBef>
-          <a:spcPts val="500"/>
+          <a:spcPct val="0"/>
         </a:spcBef>
-        <a:buFont typeface="Arial" panose="020B0604020202020204" pitchFamily="34" charset="0"/>
+        <a:spcAft>
+          <a:spcPct val="0"/>
+        </a:spcAft>
+        <a:buClr>
+          <a:schemeClr val="bg2"/>
+        </a:buClr>
+        <a:buFont typeface="Times" panose="02020603050405020304" pitchFamily="18" charset="0"/>
         <a:buChar char="•"/>
-        <a:defRPr sz="1800" kern="1200">
+        <a:defRPr sz="1400">
           <a:solidFill>
             <a:schemeClr val="tx1"/>
           </a:solidFill>
           <a:latin typeface="+mn-lt"/>
-          <a:ea typeface="+mn-ea"/>
-          <a:cs typeface="+mn-cs"/>
+          <a:ea typeface="ＭＳ Ｐゴシック" charset="-128"/>
         </a:defRPr>
       </a:lvl4pPr>
-      <a:lvl5pPr marL="2057400" indent="-228600" algn="l" defTabSz="914400" rtl="0" eaLnBrk="1" latinLnBrk="0" hangingPunct="1">
+      <a:lvl5pPr marL="1719263" indent="-190500" algn="l" rtl="0" eaLnBrk="0" fontAlgn="base" hangingPunct="0">
         <a:lnSpc>
-          <a:spcPct val="90000"/>
+          <a:spcPts val="2500"/>
         </a:lnSpc>
         <a:spcBef>
-          <a:spcPts val="500"/>
+          <a:spcPct val="0"/>
         </a:spcBef>
-        <a:buFont typeface="Arial" panose="020B0604020202020204" pitchFamily="34" charset="0"/>
+        <a:spcAft>
+          <a:spcPct val="0"/>
+        </a:spcAft>
+        <a:buClr>
+          <a:schemeClr val="bg2"/>
+        </a:buClr>
+        <a:buFont typeface="Times" panose="02020603050405020304" pitchFamily="18" charset="0"/>
         <a:buChar char="•"/>
-        <a:defRPr sz="1800" kern="1200">
+        <a:defRPr sz="1200">
           <a:solidFill>
             <a:schemeClr val="tx1"/>
           </a:solidFill>
           <a:latin typeface="+mn-lt"/>
-          <a:ea typeface="+mn-ea"/>
-          <a:cs typeface="+mn-cs"/>
+          <a:ea typeface="ＭＳ Ｐゴシック" charset="-128"/>
         </a:defRPr>
       </a:lvl5pPr>
-      <a:lvl6pPr marL="2514600" indent="-228600" algn="l" defTabSz="914400" rtl="0" eaLnBrk="1" latinLnBrk="0" hangingPunct="1">
+      <a:lvl6pPr marL="2176463" indent="-190500" algn="l" rtl="0" eaLnBrk="0" fontAlgn="base" hangingPunct="0">
         <a:lnSpc>
-          <a:spcPct val="90000"/>
+          <a:spcPts val="2500"/>
         </a:lnSpc>
         <a:spcBef>
-          <a:spcPts val="500"/>
+          <a:spcPct val="0"/>
         </a:spcBef>
-        <a:buFont typeface="Arial" panose="020B0604020202020204" pitchFamily="34" charset="0"/>
+        <a:spcAft>
+          <a:spcPct val="0"/>
+        </a:spcAft>
+        <a:buClr>
+          <a:schemeClr val="bg2"/>
+        </a:buClr>
+        <a:buFont typeface="Times" pitchFamily="18" charset="0"/>
         <a:buChar char="•"/>
-        <a:defRPr sz="1800" kern="1200">
+        <a:defRPr sz="1200">
           <a:solidFill>
             <a:schemeClr val="tx1"/>
           </a:solidFill>
           <a:latin typeface="+mn-lt"/>
-          <a:ea typeface="+mn-ea"/>
-          <a:cs typeface="+mn-cs"/>
         </a:defRPr>
       </a:lvl6pPr>
-      <a:lvl7pPr marL="2971800" indent="-228600" algn="l" defTabSz="914400" rtl="0" eaLnBrk="1" latinLnBrk="0" hangingPunct="1">
+      <a:lvl7pPr marL="2633663" indent="-190500" algn="l" rtl="0" eaLnBrk="0" fontAlgn="base" hangingPunct="0">
         <a:lnSpc>
-          <a:spcPct val="90000"/>
+          <a:spcPts val="2500"/>
         </a:lnSpc>
         <a:spcBef>
-          <a:spcPts val="500"/>
+          <a:spcPct val="0"/>
         </a:spcBef>
-        <a:buFont typeface="Arial" panose="020B0604020202020204" pitchFamily="34" charset="0"/>
+        <a:spcAft>
+          <a:spcPct val="0"/>
+        </a:spcAft>
+        <a:buClr>
+          <a:schemeClr val="bg2"/>
+        </a:buClr>
+        <a:buFont typeface="Times" pitchFamily="18" charset="0"/>
         <a:buChar char="•"/>
-        <a:defRPr sz="1800" kern="1200">
+        <a:defRPr sz="1200">
           <a:solidFill>
             <a:schemeClr val="tx1"/>
           </a:solidFill>
           <a:latin typeface="+mn-lt"/>
-          <a:ea typeface="+mn-ea"/>
-          <a:cs typeface="+mn-cs"/>
         </a:defRPr>
       </a:lvl7pPr>
-      <a:lvl8pPr marL="3429000" indent="-228600" algn="l" defTabSz="914400" rtl="0" eaLnBrk="1" latinLnBrk="0" hangingPunct="1">
+      <a:lvl8pPr marL="3090863" indent="-190500" algn="l" rtl="0" eaLnBrk="0" fontAlgn="base" hangingPunct="0">
         <a:lnSpc>
-          <a:spcPct val="90000"/>
+          <a:spcPts val="2500"/>
         </a:lnSpc>
         <a:spcBef>
-          <a:spcPts val="500"/>
+          <a:spcPct val="0"/>
         </a:spcBef>
-        <a:buFont typeface="Arial" panose="020B0604020202020204" pitchFamily="34" charset="0"/>
+        <a:spcAft>
+          <a:spcPct val="0"/>
+        </a:spcAft>
+        <a:buClr>
+          <a:schemeClr val="bg2"/>
+        </a:buClr>
+        <a:buFont typeface="Times" pitchFamily="18" charset="0"/>
         <a:buChar char="•"/>
-        <a:defRPr sz="1800" kern="1200">
+        <a:defRPr sz="1200">
           <a:solidFill>
             <a:schemeClr val="tx1"/>
           </a:solidFill>
           <a:latin typeface="+mn-lt"/>
-          <a:ea typeface="+mn-ea"/>
-          <a:cs typeface="+mn-cs"/>
         </a:defRPr>
       </a:lvl8pPr>
-      <a:lvl9pPr marL="3886200" indent="-228600" algn="l" defTabSz="914400" rtl="0" eaLnBrk="1" latinLnBrk="0" hangingPunct="1">
+      <a:lvl9pPr marL="3548063" indent="-190500" algn="l" rtl="0" eaLnBrk="0" fontAlgn="base" hangingPunct="0">
         <a:lnSpc>
-          <a:spcPct val="90000"/>
+          <a:spcPts val="2500"/>
         </a:lnSpc>
         <a:spcBef>
-          <a:spcPts val="500"/>
+          <a:spcPct val="0"/>
         </a:spcBef>
-        <a:buFont typeface="Arial" panose="020B0604020202020204" pitchFamily="34" charset="0"/>
+        <a:spcAft>
+          <a:spcPct val="0"/>
+        </a:spcAft>
+        <a:buClr>
+          <a:schemeClr val="bg2"/>
+        </a:buClr>
+        <a:buFont typeface="Times" pitchFamily="18" charset="0"/>
         <a:buChar char="•"/>
-        <a:defRPr sz="1800" kern="1200">
+        <a:defRPr sz="1200">
           <a:solidFill>
             <a:schemeClr val="tx1"/>
           </a:solidFill>
           <a:latin typeface="+mn-lt"/>
-          <a:ea typeface="+mn-ea"/>
-          <a:cs typeface="+mn-cs"/>
         </a:defRPr>
       </a:lvl9pPr>
     </p:bodyStyle>
@@ -2966,7 +4812,237 @@
       </p:grpSpPr>
       <p:sp>
         <p:nvSpPr>
-          <p:cNvPr id="2" name="Titel 1"/>
+          <p:cNvPr id="3074" name="Rectangle 5"/>
+          <p:cNvSpPr>
+            <a:spLocks noChangeArrowheads="1"/>
+          </p:cNvSpPr>
+          <p:nvPr/>
+        </p:nvSpPr>
+        <p:spPr bwMode="auto">
+          <a:xfrm>
+            <a:off x="471488" y="2055813"/>
+            <a:ext cx="7307262" cy="1897062"/>
+          </a:xfrm>
+          <a:prstGeom prst="rect">
+            <a:avLst/>
+          </a:prstGeom>
+          <a:solidFill>
+            <a:schemeClr val="tx1"/>
+          </a:solidFill>
+          <a:ln>
+            <a:noFill/>
+          </a:ln>
+          <a:extLst>
+            <a:ext uri="{91240B29-F687-4F45-9708-019B960494DF}">
+              <a14:hiddenLine xmlns:a14="http://schemas.microsoft.com/office/drawing/2010/main" w="9525">
+                <a:solidFill>
+                  <a:srgbClr val="000000"/>
+                </a:solidFill>
+                <a:round/>
+                <a:headEnd/>
+                <a:tailEnd/>
+              </a14:hiddenLine>
+            </a:ext>
+          </a:extLst>
+        </p:spPr>
+        <p:txBody>
+          <a:bodyPr/>
+          <a:lstStyle>
+            <a:lvl1pPr algn="l" eaLnBrk="0" hangingPunct="0">
+              <a:lnSpc>
+                <a:spcPts val="2500"/>
+              </a:lnSpc>
+              <a:buClr>
+                <a:srgbClr val="00A6D6"/>
+              </a:buClr>
+              <a:buChar char="•"/>
+              <a:defRPr sz="2000">
+                <a:solidFill>
+                  <a:schemeClr val="tx1"/>
+                </a:solidFill>
+                <a:latin typeface="Tahoma" panose="020B0604030504040204" pitchFamily="34" charset="0"/>
+                <a:ea typeface="ＭＳ Ｐゴシック" panose="020B0600070205080204" pitchFamily="34" charset="-128"/>
+              </a:defRPr>
+            </a:lvl1pPr>
+            <a:lvl2pPr marL="37931725" indent="-37474525" algn="l" eaLnBrk="0" hangingPunct="0">
+              <a:lnSpc>
+                <a:spcPts val="2500"/>
+              </a:lnSpc>
+              <a:buClr>
+                <a:srgbClr val="00A6D6"/>
+              </a:buClr>
+              <a:buFont typeface="Times" panose="02020603050405020304" pitchFamily="18" charset="0"/>
+              <a:buChar char="•"/>
+              <a:defRPr>
+                <a:solidFill>
+                  <a:schemeClr val="tx1"/>
+                </a:solidFill>
+                <a:latin typeface="Tahoma" panose="020B0604030504040204" pitchFamily="34" charset="0"/>
+                <a:ea typeface="ＭＳ Ｐゴシック" panose="020B0600070205080204" pitchFamily="34" charset="-128"/>
+              </a:defRPr>
+            </a:lvl2pPr>
+            <a:lvl3pPr marL="957263" indent="-190500" algn="l" eaLnBrk="0" hangingPunct="0">
+              <a:lnSpc>
+                <a:spcPts val="2500"/>
+              </a:lnSpc>
+              <a:buClr>
+                <a:srgbClr val="00A6D6"/>
+              </a:buClr>
+              <a:buFont typeface="Times" panose="02020603050405020304" pitchFamily="18" charset="0"/>
+              <a:buChar char="•"/>
+              <a:defRPr sz="1600">
+                <a:solidFill>
+                  <a:schemeClr val="tx1"/>
+                </a:solidFill>
+                <a:latin typeface="Tahoma" panose="020B0604030504040204" pitchFamily="34" charset="0"/>
+                <a:ea typeface="ＭＳ Ｐゴシック" panose="020B0600070205080204" pitchFamily="34" charset="-128"/>
+              </a:defRPr>
+            </a:lvl3pPr>
+            <a:lvl4pPr marL="1338263" indent="-190500" algn="l" eaLnBrk="0" hangingPunct="0">
+              <a:lnSpc>
+                <a:spcPts val="2500"/>
+              </a:lnSpc>
+              <a:buClr>
+                <a:schemeClr val="bg2"/>
+              </a:buClr>
+              <a:buFont typeface="Times" panose="02020603050405020304" pitchFamily="18" charset="0"/>
+              <a:buChar char="•"/>
+              <a:defRPr sz="1400">
+                <a:solidFill>
+                  <a:schemeClr val="tx1"/>
+                </a:solidFill>
+                <a:latin typeface="Tahoma" panose="020B0604030504040204" pitchFamily="34" charset="0"/>
+                <a:ea typeface="ＭＳ Ｐゴシック" panose="020B0600070205080204" pitchFamily="34" charset="-128"/>
+              </a:defRPr>
+            </a:lvl4pPr>
+            <a:lvl5pPr marL="1719263" indent="-190500" algn="l" eaLnBrk="0" hangingPunct="0">
+              <a:lnSpc>
+                <a:spcPts val="2500"/>
+              </a:lnSpc>
+              <a:buClr>
+                <a:schemeClr val="bg2"/>
+              </a:buClr>
+              <a:buFont typeface="Times" panose="02020603050405020304" pitchFamily="18" charset="0"/>
+              <a:buChar char="•"/>
+              <a:defRPr sz="1200">
+                <a:solidFill>
+                  <a:schemeClr val="tx1"/>
+                </a:solidFill>
+                <a:latin typeface="Tahoma" panose="020B0604030504040204" pitchFamily="34" charset="0"/>
+                <a:ea typeface="ＭＳ Ｐゴシック" panose="020B0600070205080204" pitchFamily="34" charset="-128"/>
+              </a:defRPr>
+            </a:lvl5pPr>
+            <a:lvl6pPr marL="2176463" indent="-190500" eaLnBrk="0" fontAlgn="base" hangingPunct="0">
+              <a:lnSpc>
+                <a:spcPts val="2500"/>
+              </a:lnSpc>
+              <a:spcBef>
+                <a:spcPct val="0"/>
+              </a:spcBef>
+              <a:spcAft>
+                <a:spcPct val="0"/>
+              </a:spcAft>
+              <a:buClr>
+                <a:schemeClr val="bg2"/>
+              </a:buClr>
+              <a:buFont typeface="Times" panose="02020603050405020304" pitchFamily="18" charset="0"/>
+              <a:buChar char="•"/>
+              <a:defRPr sz="1200">
+                <a:solidFill>
+                  <a:schemeClr val="tx1"/>
+                </a:solidFill>
+                <a:latin typeface="Tahoma" panose="020B0604030504040204" pitchFamily="34" charset="0"/>
+                <a:ea typeface="ＭＳ Ｐゴシック" panose="020B0600070205080204" pitchFamily="34" charset="-128"/>
+              </a:defRPr>
+            </a:lvl6pPr>
+            <a:lvl7pPr marL="2633663" indent="-190500" eaLnBrk="0" fontAlgn="base" hangingPunct="0">
+              <a:lnSpc>
+                <a:spcPts val="2500"/>
+              </a:lnSpc>
+              <a:spcBef>
+                <a:spcPct val="0"/>
+              </a:spcBef>
+              <a:spcAft>
+                <a:spcPct val="0"/>
+              </a:spcAft>
+              <a:buClr>
+                <a:schemeClr val="bg2"/>
+              </a:buClr>
+              <a:buFont typeface="Times" panose="02020603050405020304" pitchFamily="18" charset="0"/>
+              <a:buChar char="•"/>
+              <a:defRPr sz="1200">
+                <a:solidFill>
+                  <a:schemeClr val="tx1"/>
+                </a:solidFill>
+                <a:latin typeface="Tahoma" panose="020B0604030504040204" pitchFamily="34" charset="0"/>
+                <a:ea typeface="ＭＳ Ｐゴシック" panose="020B0600070205080204" pitchFamily="34" charset="-128"/>
+              </a:defRPr>
+            </a:lvl7pPr>
+            <a:lvl8pPr marL="3090863" indent="-190500" eaLnBrk="0" fontAlgn="base" hangingPunct="0">
+              <a:lnSpc>
+                <a:spcPts val="2500"/>
+              </a:lnSpc>
+              <a:spcBef>
+                <a:spcPct val="0"/>
+              </a:spcBef>
+              <a:spcAft>
+                <a:spcPct val="0"/>
+              </a:spcAft>
+              <a:buClr>
+                <a:schemeClr val="bg2"/>
+              </a:buClr>
+              <a:buFont typeface="Times" panose="02020603050405020304" pitchFamily="18" charset="0"/>
+              <a:buChar char="•"/>
+              <a:defRPr sz="1200">
+                <a:solidFill>
+                  <a:schemeClr val="tx1"/>
+                </a:solidFill>
+                <a:latin typeface="Tahoma" panose="020B0604030504040204" pitchFamily="34" charset="0"/>
+                <a:ea typeface="ＭＳ Ｐゴシック" panose="020B0600070205080204" pitchFamily="34" charset="-128"/>
+              </a:defRPr>
+            </a:lvl8pPr>
+            <a:lvl9pPr marL="3548063" indent="-190500" eaLnBrk="0" fontAlgn="base" hangingPunct="0">
+              <a:lnSpc>
+                <a:spcPts val="2500"/>
+              </a:lnSpc>
+              <a:spcBef>
+                <a:spcPct val="0"/>
+              </a:spcBef>
+              <a:spcAft>
+                <a:spcPct val="0"/>
+              </a:spcAft>
+              <a:buClr>
+                <a:schemeClr val="bg2"/>
+              </a:buClr>
+              <a:buFont typeface="Times" panose="02020603050405020304" pitchFamily="18" charset="0"/>
+              <a:buChar char="•"/>
+              <a:defRPr sz="1200">
+                <a:solidFill>
+                  <a:schemeClr val="tx1"/>
+                </a:solidFill>
+                <a:latin typeface="Tahoma" panose="020B0604030504040204" pitchFamily="34" charset="0"/>
+                <a:ea typeface="ＭＳ Ｐゴシック" panose="020B0600070205080204" pitchFamily="34" charset="-128"/>
+              </a:defRPr>
+            </a:lvl9pPr>
+          </a:lstStyle>
+          <a:p>
+            <a:pPr>
+              <a:lnSpc>
+                <a:spcPct val="100000"/>
+              </a:lnSpc>
+              <a:buClrTx/>
+              <a:buFontTx/>
+              <a:buNone/>
+            </a:pPr>
+            <a:endParaRPr lang="nl-NL" altLang="nl-NL" sz="2400">
+              <a:latin typeface="Arial" panose="020B0604020202020204" pitchFamily="34" charset="0"/>
+            </a:endParaRPr>
+          </a:p>
+        </p:txBody>
+      </p:sp>
+      <p:sp>
+        <p:nvSpPr>
+          <p:cNvPr id="17411" name="Title 3"/>
           <p:cNvSpPr>
             <a:spLocks noGrp="1"/>
           </p:cNvSpPr>
@@ -2976,25 +5052,32 @@
         </p:nvSpPr>
         <p:spPr>
           <a:xfrm>
-            <a:off x="1524000" y="1122363"/>
-            <a:ext cx="9144000" cy="1092803"/>
+            <a:off x="685800" y="2155825"/>
+            <a:ext cx="6799263" cy="646113"/>
           </a:xfrm>
         </p:spPr>
         <p:txBody>
           <a:bodyPr/>
           <a:lstStyle/>
           <a:p>
-            <a:r>
-              <a:rPr lang="nl-NL" dirty="0" smtClean="0"/>
-              <a:t>Alarm	</a:t>
-            </a:r>
-            <a:endParaRPr lang="nl-NL" dirty="0"/>
+            <a:pPr marL="0" indent="0">
+              <a:defRPr/>
+            </a:pPr>
+            <a:r>
+              <a:rPr lang="en-US" altLang="nl-NL" dirty="0" smtClean="0">
+                <a:latin typeface="+mn-lt"/>
+              </a:rPr>
+              <a:t>Alarm</a:t>
+            </a:r>
+            <a:endParaRPr lang="en-US" altLang="nl-NL" dirty="0" smtClean="0">
+              <a:latin typeface="+mn-lt"/>
+            </a:endParaRPr>
           </a:p>
         </p:txBody>
       </p:sp>
       <p:sp>
         <p:nvSpPr>
-          <p:cNvPr id="3" name="Ondertitel 2"/>
+          <p:cNvPr id="3076" name="Subtitle 4"/>
           <p:cNvSpPr>
             <a:spLocks noGrp="1"/>
           </p:cNvSpPr>
@@ -3002,72 +5085,1084 @@
             <p:ph type="subTitle" idx="1"/>
           </p:nvPr>
         </p:nvSpPr>
+        <p:spPr>
+          <a:xfrm>
+            <a:off x="693738" y="2862263"/>
+            <a:ext cx="6781800" cy="828675"/>
+          </a:xfrm>
+        </p:spPr>
+        <p:txBody>
+          <a:bodyPr/>
+          <a:lstStyle/>
+          <a:p>
+            <a:endParaRPr lang="en-US" altLang="nl-NL" dirty="0" smtClean="0">
+              <a:latin typeface="Tahoma" panose="020B0604030504040204" pitchFamily="34" charset="0"/>
+              <a:ea typeface="ＭＳ Ｐゴシック" panose="020B0600070205080204" pitchFamily="34" charset="-128"/>
+            </a:endParaRPr>
+          </a:p>
+        </p:txBody>
+      </p:sp>
+      <p:sp>
+        <p:nvSpPr>
+          <p:cNvPr id="7" name="Rectangle 20"/>
+          <p:cNvSpPr>
+            <a:spLocks noChangeArrowheads="1"/>
+          </p:cNvSpPr>
+          <p:nvPr/>
+        </p:nvSpPr>
+        <p:spPr bwMode="auto">
+          <a:xfrm>
+            <a:off x="0" y="0"/>
+            <a:ext cx="469900" cy="2057400"/>
+          </a:xfrm>
+          <a:prstGeom prst="rect">
+            <a:avLst/>
+          </a:prstGeom>
+          <a:solidFill>
+            <a:srgbClr val="00A6D6"/>
+          </a:solidFill>
+          <a:ln w="9525">
+            <a:noFill/>
+            <a:miter lim="800000"/>
+            <a:headEnd/>
+            <a:tailEnd/>
+          </a:ln>
+          <a:effectLst/>
+        </p:spPr>
+        <p:txBody>
+          <a:bodyPr wrap="none" anchor="ctr"/>
+          <a:lstStyle/>
+          <a:p>
+            <a:pPr algn="r">
+              <a:defRPr/>
+            </a:pPr>
+            <a:endParaRPr lang="nl-NL" sz="2200">
+              <a:cs typeface="+mn-cs"/>
+            </a:endParaRPr>
+          </a:p>
+        </p:txBody>
+      </p:sp>
+    </p:spTree>
+  </p:cSld>
+  <p:clrMapOvr>
+    <a:masterClrMapping/>
+  </p:clrMapOvr>
+  <p:timing>
+    <p:tnLst>
+      <p:par>
+        <p:cTn id="1" dur="indefinite" restart="never" nodeType="tmRoot"/>
+      </p:par>
+    </p:tnLst>
+  </p:timing>
+</p:sld>
+</file>
+
+<file path=ppt/slides/slide2.xml><?xml version="1.0" encoding="utf-8"?>
+<p:sld xmlns:a="http://schemas.openxmlformats.org/drawingml/2006/main" xmlns:r="http://schemas.openxmlformats.org/officeDocument/2006/relationships" xmlns:p="http://schemas.openxmlformats.org/presentationml/2006/main">
+  <p:cSld>
+    <p:spTree>
+      <p:nvGrpSpPr>
+        <p:cNvPr id="1" name=""/>
+        <p:cNvGrpSpPr/>
+        <p:nvPr/>
+      </p:nvGrpSpPr>
+      <p:grpSpPr>
+        <a:xfrm>
+          <a:off x="0" y="0"/>
+          <a:ext cx="0" cy="0"/>
+          <a:chOff x="0" y="0"/>
+          <a:chExt cx="0" cy="0"/>
+        </a:xfrm>
+      </p:grpSpPr>
+      <p:sp>
+        <p:nvSpPr>
+          <p:cNvPr id="2" name="Titel 1"/>
+          <p:cNvSpPr>
+            <a:spLocks noGrp="1"/>
+          </p:cNvSpPr>
+          <p:nvPr>
+            <p:ph type="title"/>
+          </p:nvPr>
+        </p:nvSpPr>
         <p:spPr/>
         <p:txBody>
           <a:bodyPr/>
           <a:lstStyle/>
           <a:p>
-            <a:endParaRPr lang="nl-NL"/>
+            <a:r>
+              <a:rPr lang="nl-NL" dirty="0" smtClean="0">
+                <a:latin typeface="+mn-lt"/>
+              </a:rPr>
+              <a:t>Totaal</a:t>
+            </a:r>
+            <a:endParaRPr lang="nl-NL" dirty="0">
+              <a:latin typeface="+mn-lt"/>
+            </a:endParaRPr>
           </a:p>
         </p:txBody>
       </p:sp>
+      <p:pic>
+        <p:nvPicPr>
+          <p:cNvPr id="6" name="Tijdelijke aanduiding voor inhoud 5"/>
+          <p:cNvPicPr>
+            <a:picLocks noGrp="1" noChangeAspect="1"/>
+          </p:cNvPicPr>
+          <p:nvPr>
+            <p:ph idx="1"/>
+          </p:nvPr>
+        </p:nvPicPr>
+        <p:blipFill>
+          <a:blip r:embed="rId2">
+            <a:extLst>
+              <a:ext uri="{28A0092B-C50C-407E-A947-70E740481C1C}">
+                <a14:useLocalDpi xmlns:a14="http://schemas.microsoft.com/office/drawing/2010/main" val="0"/>
+              </a:ext>
+            </a:extLst>
+          </a:blip>
+          <a:stretch>
+            <a:fillRect/>
+          </a:stretch>
+        </p:blipFill>
+        <p:spPr>
+          <a:xfrm>
+            <a:off x="153448" y="2238233"/>
+            <a:ext cx="8990552" cy="3745381"/>
+          </a:xfrm>
+        </p:spPr>
+      </p:pic>
     </p:spTree>
     <p:extLst>
       <p:ext uri="{BB962C8B-B14F-4D97-AF65-F5344CB8AC3E}">
-        <p14:creationId xmlns:p14="http://schemas.microsoft.com/office/powerpoint/2010/main" val="1125518701"/>
+        <p14:creationId xmlns:p14="http://schemas.microsoft.com/office/powerpoint/2010/main" val="2892823922"/>
       </p:ext>
     </p:extLst>
   </p:cSld>
   <p:clrMapOvr>
     <a:masterClrMapping/>
   </p:clrMapOvr>
+  <p:timing>
+    <p:tnLst>
+      <p:par>
+        <p:cTn id="1" dur="indefinite" restart="never" nodeType="tmRoot"/>
+      </p:par>
+    </p:tnLst>
+  </p:timing>
+</p:sld>
+</file>
+
+<file path=ppt/slides/slide3.xml><?xml version="1.0" encoding="utf-8"?>
+<p:sld xmlns:a="http://schemas.openxmlformats.org/drawingml/2006/main" xmlns:r="http://schemas.openxmlformats.org/officeDocument/2006/relationships" xmlns:p="http://schemas.openxmlformats.org/presentationml/2006/main">
+  <p:cSld>
+    <p:spTree>
+      <p:nvGrpSpPr>
+        <p:cNvPr id="1" name=""/>
+        <p:cNvGrpSpPr/>
+        <p:nvPr/>
+      </p:nvGrpSpPr>
+      <p:grpSpPr>
+        <a:xfrm>
+          <a:off x="0" y="0"/>
+          <a:ext cx="0" cy="0"/>
+          <a:chOff x="0" y="0"/>
+          <a:chExt cx="0" cy="0"/>
+        </a:xfrm>
+      </p:grpSpPr>
+      <p:sp>
+        <p:nvSpPr>
+          <p:cNvPr id="4098" name="Title 3"/>
+          <p:cNvSpPr>
+            <a:spLocks noGrp="1"/>
+          </p:cNvSpPr>
+          <p:nvPr>
+            <p:ph type="title"/>
+          </p:nvPr>
+        </p:nvSpPr>
+        <p:spPr>
+          <a:xfrm>
+            <a:off x="917575" y="457200"/>
+            <a:ext cx="7159625" cy="627063"/>
+          </a:xfrm>
+        </p:spPr>
+        <p:txBody>
+          <a:bodyPr/>
+          <a:lstStyle/>
+          <a:p>
+            <a:pPr>
+              <a:defRPr/>
+            </a:pPr>
+            <a:r>
+              <a:rPr lang="nl-NL" altLang="nl-NL" dirty="0" smtClean="0">
+                <a:latin typeface="+mn-lt"/>
+                <a:ea typeface="ＭＳ Ｐゴシック" pitchFamily="34" charset="-128"/>
+              </a:rPr>
+              <a:t>FSM</a:t>
+            </a:r>
+            <a:endParaRPr lang="nl-NL" altLang="nl-NL" dirty="0" smtClean="0">
+              <a:latin typeface="+mn-lt"/>
+              <a:ea typeface="ＭＳ Ｐゴシック" pitchFamily="34" charset="-128"/>
+            </a:endParaRPr>
+          </a:p>
+        </p:txBody>
+      </p:sp>
+      <p:pic>
+        <p:nvPicPr>
+          <p:cNvPr id="2" name="Tijdelijke aanduiding voor inhoud 1"/>
+          <p:cNvPicPr>
+            <a:picLocks noGrp="1" noChangeAspect="1"/>
+          </p:cNvPicPr>
+          <p:nvPr>
+            <p:ph idx="1"/>
+          </p:nvPr>
+        </p:nvPicPr>
+        <p:blipFill>
+          <a:blip r:embed="rId2">
+            <a:extLst>
+              <a:ext uri="{28A0092B-C50C-407E-A947-70E740481C1C}">
+                <a14:useLocalDpi xmlns:a14="http://schemas.microsoft.com/office/drawing/2010/main" val="0"/>
+              </a:ext>
+            </a:extLst>
+          </a:blip>
+          <a:stretch>
+            <a:fillRect/>
+          </a:stretch>
+        </p:blipFill>
+        <p:spPr>
+          <a:xfrm>
+            <a:off x="532263" y="1316251"/>
+            <a:ext cx="7789246" cy="4646400"/>
+          </a:xfrm>
+        </p:spPr>
+      </p:pic>
+      <p:sp>
+        <p:nvSpPr>
+          <p:cNvPr id="6" name="Ondertitel 2"/>
+          <p:cNvSpPr txBox="1">
+            <a:spLocks/>
+          </p:cNvSpPr>
+          <p:nvPr/>
+        </p:nvSpPr>
+        <p:spPr bwMode="auto">
+          <a:xfrm>
+            <a:off x="914400" y="1041400"/>
+            <a:ext cx="6781800" cy="474663"/>
+          </a:xfrm>
+          <a:prstGeom prst="rect">
+            <a:avLst/>
+          </a:prstGeom>
+          <a:noFill/>
+          <a:ln w="9525">
+            <a:noFill/>
+            <a:miter lim="800000"/>
+            <a:headEnd/>
+            <a:tailEnd/>
+          </a:ln>
+        </p:spPr>
+        <p:txBody>
+          <a:bodyPr lIns="0" tIns="0" rIns="0" bIns="0"/>
+          <a:lstStyle>
+            <a:lvl1pPr eaLnBrk="0" hangingPunct="0">
+              <a:defRPr sz="2400">
+                <a:solidFill>
+                  <a:schemeClr val="tx1"/>
+                </a:solidFill>
+                <a:latin typeface="Tahoma" charset="0"/>
+                <a:cs typeface="Arial" charset="0"/>
+              </a:defRPr>
+            </a:lvl1pPr>
+            <a:lvl2pPr marL="37931725" indent="-37474525" eaLnBrk="0" hangingPunct="0">
+              <a:defRPr sz="2400">
+                <a:solidFill>
+                  <a:schemeClr val="tx1"/>
+                </a:solidFill>
+                <a:latin typeface="Tahoma" charset="0"/>
+                <a:cs typeface="Arial" charset="0"/>
+              </a:defRPr>
+            </a:lvl2pPr>
+            <a:lvl3pPr eaLnBrk="0" hangingPunct="0">
+              <a:defRPr sz="2400">
+                <a:solidFill>
+                  <a:schemeClr val="tx1"/>
+                </a:solidFill>
+                <a:latin typeface="Tahoma" charset="0"/>
+                <a:cs typeface="Arial" charset="0"/>
+              </a:defRPr>
+            </a:lvl3pPr>
+            <a:lvl4pPr eaLnBrk="0" hangingPunct="0">
+              <a:defRPr sz="2400">
+                <a:solidFill>
+                  <a:schemeClr val="tx1"/>
+                </a:solidFill>
+                <a:latin typeface="Tahoma" charset="0"/>
+                <a:cs typeface="Arial" charset="0"/>
+              </a:defRPr>
+            </a:lvl4pPr>
+            <a:lvl5pPr eaLnBrk="0" hangingPunct="0">
+              <a:defRPr sz="2400">
+                <a:solidFill>
+                  <a:schemeClr val="tx1"/>
+                </a:solidFill>
+                <a:latin typeface="Tahoma" charset="0"/>
+                <a:cs typeface="Arial" charset="0"/>
+              </a:defRPr>
+            </a:lvl5pPr>
+            <a:lvl6pPr marL="457200" eaLnBrk="0" fontAlgn="base" hangingPunct="0">
+              <a:spcBef>
+                <a:spcPct val="0"/>
+              </a:spcBef>
+              <a:spcAft>
+                <a:spcPct val="0"/>
+              </a:spcAft>
+              <a:defRPr sz="2400">
+                <a:solidFill>
+                  <a:schemeClr val="tx1"/>
+                </a:solidFill>
+                <a:latin typeface="Tahoma" charset="0"/>
+                <a:cs typeface="Arial" charset="0"/>
+              </a:defRPr>
+            </a:lvl6pPr>
+            <a:lvl7pPr marL="914400" eaLnBrk="0" fontAlgn="base" hangingPunct="0">
+              <a:spcBef>
+                <a:spcPct val="0"/>
+              </a:spcBef>
+              <a:spcAft>
+                <a:spcPct val="0"/>
+              </a:spcAft>
+              <a:defRPr sz="2400">
+                <a:solidFill>
+                  <a:schemeClr val="tx1"/>
+                </a:solidFill>
+                <a:latin typeface="Tahoma" charset="0"/>
+                <a:cs typeface="Arial" charset="0"/>
+              </a:defRPr>
+            </a:lvl7pPr>
+            <a:lvl8pPr marL="1371600" eaLnBrk="0" fontAlgn="base" hangingPunct="0">
+              <a:spcBef>
+                <a:spcPct val="0"/>
+              </a:spcBef>
+              <a:spcAft>
+                <a:spcPct val="0"/>
+              </a:spcAft>
+              <a:defRPr sz="2400">
+                <a:solidFill>
+                  <a:schemeClr val="tx1"/>
+                </a:solidFill>
+                <a:latin typeface="Tahoma" charset="0"/>
+                <a:cs typeface="Arial" charset="0"/>
+              </a:defRPr>
+            </a:lvl8pPr>
+            <a:lvl9pPr marL="1828800" eaLnBrk="0" fontAlgn="base" hangingPunct="0">
+              <a:spcBef>
+                <a:spcPct val="0"/>
+              </a:spcBef>
+              <a:spcAft>
+                <a:spcPct val="0"/>
+              </a:spcAft>
+              <a:defRPr sz="2400">
+                <a:solidFill>
+                  <a:schemeClr val="tx1"/>
+                </a:solidFill>
+                <a:latin typeface="Tahoma" charset="0"/>
+                <a:cs typeface="Arial" charset="0"/>
+              </a:defRPr>
+            </a:lvl9pPr>
+          </a:lstStyle>
+          <a:p>
+            <a:pPr algn="l">
+              <a:lnSpc>
+                <a:spcPts val="2500"/>
+              </a:lnSpc>
+              <a:buClr>
+                <a:srgbClr val="00A6D6"/>
+              </a:buClr>
+              <a:defRPr/>
+            </a:pPr>
+            <a:endParaRPr lang="nl-NL" altLang="nl-NL" sz="2000" dirty="0" smtClean="0">
+              <a:solidFill>
+                <a:srgbClr val="00A6D6"/>
+              </a:solidFill>
+              <a:latin typeface="+mn-lt"/>
+              <a:ea typeface="ＭＳ Ｐゴシック" charset="-128"/>
+            </a:endParaRPr>
+          </a:p>
+        </p:txBody>
+      </p:sp>
+    </p:spTree>
+  </p:cSld>
+  <p:clrMapOvr>
+    <a:masterClrMapping/>
+  </p:clrMapOvr>
+  <p:timing>
+    <p:tnLst>
+      <p:par>
+        <p:cTn id="1" dur="indefinite" restart="never" nodeType="tmRoot"/>
+      </p:par>
+    </p:tnLst>
+  </p:timing>
+</p:sld>
+</file>
+
+<file path=ppt/slides/slide4.xml><?xml version="1.0" encoding="utf-8"?>
+<p:sld xmlns:a="http://schemas.openxmlformats.org/drawingml/2006/main" xmlns:r="http://schemas.openxmlformats.org/officeDocument/2006/relationships" xmlns:p="http://schemas.openxmlformats.org/presentationml/2006/main">
+  <p:cSld>
+    <p:spTree>
+      <p:nvGrpSpPr>
+        <p:cNvPr id="1" name=""/>
+        <p:cNvGrpSpPr/>
+        <p:nvPr/>
+      </p:nvGrpSpPr>
+      <p:grpSpPr>
+        <a:xfrm>
+          <a:off x="0" y="0"/>
+          <a:ext cx="0" cy="0"/>
+          <a:chOff x="0" y="0"/>
+          <a:chExt cx="0" cy="0"/>
+        </a:xfrm>
+      </p:grpSpPr>
+      <p:sp>
+        <p:nvSpPr>
+          <p:cNvPr id="2" name="Titel 1"/>
+          <p:cNvSpPr>
+            <a:spLocks noGrp="1"/>
+          </p:cNvSpPr>
+          <p:nvPr>
+            <p:ph type="title"/>
+          </p:nvPr>
+        </p:nvSpPr>
+        <p:spPr/>
+        <p:txBody>
+          <a:bodyPr/>
+          <a:lstStyle/>
+          <a:p>
+            <a:r>
+              <a:rPr lang="nl-NL" dirty="0" smtClean="0">
+                <a:latin typeface="+mn-lt"/>
+              </a:rPr>
+              <a:t>FSM</a:t>
+            </a:r>
+            <a:endParaRPr lang="nl-NL" dirty="0">
+              <a:latin typeface="+mn-lt"/>
+            </a:endParaRPr>
+          </a:p>
+        </p:txBody>
+      </p:sp>
+      <p:pic>
+        <p:nvPicPr>
+          <p:cNvPr id="4" name="Tijdelijke aanduiding voor inhoud 3"/>
+          <p:cNvPicPr>
+            <a:picLocks noGrp="1" noChangeAspect="1"/>
+          </p:cNvPicPr>
+          <p:nvPr>
+            <p:ph idx="1"/>
+          </p:nvPr>
+        </p:nvPicPr>
+        <p:blipFill>
+          <a:blip r:embed="rId2">
+            <a:extLst>
+              <a:ext uri="{28A0092B-C50C-407E-A947-70E740481C1C}">
+                <a14:useLocalDpi xmlns:a14="http://schemas.microsoft.com/office/drawing/2010/main" val="0"/>
+              </a:ext>
+            </a:extLst>
+          </a:blip>
+          <a:stretch>
+            <a:fillRect/>
+          </a:stretch>
+        </p:blipFill>
+        <p:spPr>
+          <a:xfrm>
+            <a:off x="917575" y="1310185"/>
+            <a:ext cx="7154574" cy="4403832"/>
+          </a:xfrm>
+        </p:spPr>
+      </p:pic>
+    </p:spTree>
+    <p:extLst>
+      <p:ext uri="{BB962C8B-B14F-4D97-AF65-F5344CB8AC3E}">
+        <p14:creationId xmlns:p14="http://schemas.microsoft.com/office/powerpoint/2010/main" val="4069521829"/>
+      </p:ext>
+    </p:extLst>
+  </p:cSld>
+  <p:clrMapOvr>
+    <a:masterClrMapping/>
+  </p:clrMapOvr>
+  <p:timing>
+    <p:tnLst>
+      <p:par>
+        <p:cTn id="1" dur="indefinite" restart="never" nodeType="tmRoot"/>
+      </p:par>
+    </p:tnLst>
+  </p:timing>
+</p:sld>
+</file>
+
+<file path=ppt/slides/slide5.xml><?xml version="1.0" encoding="utf-8"?>
+<p:sld xmlns:a="http://schemas.openxmlformats.org/drawingml/2006/main" xmlns:r="http://schemas.openxmlformats.org/officeDocument/2006/relationships" xmlns:p="http://schemas.openxmlformats.org/presentationml/2006/main">
+  <p:cSld>
+    <p:spTree>
+      <p:nvGrpSpPr>
+        <p:cNvPr id="1" name=""/>
+        <p:cNvGrpSpPr/>
+        <p:nvPr/>
+      </p:nvGrpSpPr>
+      <p:grpSpPr>
+        <a:xfrm>
+          <a:off x="0" y="0"/>
+          <a:ext cx="0" cy="0"/>
+          <a:chOff x="0" y="0"/>
+          <a:chExt cx="0" cy="0"/>
+        </a:xfrm>
+      </p:grpSpPr>
+      <p:sp>
+        <p:nvSpPr>
+          <p:cNvPr id="2" name="Titel 1"/>
+          <p:cNvSpPr>
+            <a:spLocks noGrp="1"/>
+          </p:cNvSpPr>
+          <p:nvPr>
+            <p:ph type="title"/>
+          </p:nvPr>
+        </p:nvSpPr>
+        <p:spPr/>
+        <p:txBody>
+          <a:bodyPr/>
+          <a:lstStyle/>
+          <a:p>
+            <a:r>
+              <a:rPr lang="nl-NL" dirty="0" smtClean="0">
+                <a:latin typeface="+mn-lt"/>
+              </a:rPr>
+              <a:t>FSM</a:t>
+            </a:r>
+            <a:endParaRPr lang="nl-NL" dirty="0">
+              <a:latin typeface="+mn-lt"/>
+            </a:endParaRPr>
+          </a:p>
+        </p:txBody>
+      </p:sp>
+      <p:pic>
+        <p:nvPicPr>
+          <p:cNvPr id="4" name="Tijdelijke aanduiding voor inhoud 3"/>
+          <p:cNvPicPr>
+            <a:picLocks noGrp="1" noChangeAspect="1"/>
+          </p:cNvPicPr>
+          <p:nvPr>
+            <p:ph idx="1"/>
+          </p:nvPr>
+        </p:nvPicPr>
+        <p:blipFill>
+          <a:blip r:embed="rId2">
+            <a:extLst>
+              <a:ext uri="{28A0092B-C50C-407E-A947-70E740481C1C}">
+                <a14:useLocalDpi xmlns:a14="http://schemas.microsoft.com/office/drawing/2010/main" val="0"/>
+              </a:ext>
+            </a:extLst>
+          </a:blip>
+          <a:stretch>
+            <a:fillRect/>
+          </a:stretch>
+        </p:blipFill>
+        <p:spPr>
+          <a:xfrm>
+            <a:off x="1378424" y="916596"/>
+            <a:ext cx="6815905" cy="5210562"/>
+          </a:xfrm>
+        </p:spPr>
+      </p:pic>
+    </p:spTree>
+    <p:extLst>
+      <p:ext uri="{BB962C8B-B14F-4D97-AF65-F5344CB8AC3E}">
+        <p14:creationId xmlns:p14="http://schemas.microsoft.com/office/powerpoint/2010/main" val="1154045973"/>
+      </p:ext>
+    </p:extLst>
+  </p:cSld>
+  <p:clrMapOvr>
+    <a:masterClrMapping/>
+  </p:clrMapOvr>
+  <p:timing>
+    <p:tnLst>
+      <p:par>
+        <p:cTn id="1" dur="indefinite" restart="never" nodeType="tmRoot"/>
+      </p:par>
+    </p:tnLst>
+  </p:timing>
 </p:sld>
 </file>
 
 <file path=ppt/theme/theme1.xml><?xml version="1.0" encoding="utf-8"?>
-<a:theme xmlns:a="http://schemas.openxmlformats.org/drawingml/2006/main" name="Kantoorthema">
+<a:theme xmlns:a="http://schemas.openxmlformats.org/drawingml/2006/main" name="text">
   <a:themeElements>
-    <a:clrScheme name="Kantoor">
+    <a:clrScheme name="">
       <a:dk1>
-        <a:sysClr val="windowText" lastClr="000000"/>
+        <a:srgbClr val="000000"/>
       </a:dk1>
       <a:lt1>
-        <a:sysClr val="window" lastClr="FFFFFF"/>
+        <a:srgbClr val="FFFFFF"/>
       </a:lt1>
       <a:dk2>
-        <a:srgbClr val="44546A"/>
+        <a:srgbClr val="000000"/>
       </a:dk2>
       <a:lt2>
-        <a:srgbClr val="E7E6E6"/>
+        <a:srgbClr val="108BD9"/>
       </a:lt2>
       <a:accent1>
-        <a:srgbClr val="5B9BD5"/>
+        <a:srgbClr val="ADC610"/>
       </a:accent1>
       <a:accent2>
-        <a:srgbClr val="ED7D31"/>
+        <a:srgbClr val="002B60"/>
       </a:accent2>
       <a:accent3>
-        <a:srgbClr val="A5A5A5"/>
+        <a:srgbClr val="FFFFFF"/>
       </a:accent3>
       <a:accent4>
-        <a:srgbClr val="FFC000"/>
+        <a:srgbClr val="000000"/>
       </a:accent4>
       <a:accent5>
-        <a:srgbClr val="4472C4"/>
+        <a:srgbClr val="D3DFAA"/>
       </a:accent5>
       <a:accent6>
-        <a:srgbClr val="70AD47"/>
+        <a:srgbClr val="002656"/>
       </a:accent6>
       <a:hlink>
-        <a:srgbClr val="0563C1"/>
+        <a:srgbClr val="A10058"/>
       </a:hlink>
       <a:folHlink>
-        <a:srgbClr val="954F72"/>
+        <a:srgbClr val="66BCAA"/>
+      </a:folHlink>
+    </a:clrScheme>
+    <a:fontScheme name="text">
+      <a:majorFont>
+        <a:latin typeface="Bookman Old Style"/>
+        <a:ea typeface=""/>
+        <a:cs typeface=""/>
+      </a:majorFont>
+      <a:minorFont>
+        <a:latin typeface="Tahoma"/>
+        <a:ea typeface=""/>
+        <a:cs typeface=""/>
+      </a:minorFont>
+    </a:fontScheme>
+    <a:fmtScheme name="Trek">
+      <a:fillStyleLst>
+        <a:solidFill>
+          <a:schemeClr val="phClr"/>
+        </a:solidFill>
+        <a:gradFill rotWithShape="1">
+          <a:gsLst>
+            <a:gs pos="0">
+              <a:schemeClr val="phClr">
+                <a:tint val="30000"/>
+                <a:satMod val="250000"/>
+              </a:schemeClr>
+            </a:gs>
+            <a:gs pos="72000">
+              <a:schemeClr val="phClr">
+                <a:tint val="75000"/>
+                <a:satMod val="210000"/>
+              </a:schemeClr>
+            </a:gs>
+            <a:gs pos="100000">
+              <a:schemeClr val="phClr">
+                <a:tint val="85000"/>
+                <a:satMod val="210000"/>
+              </a:schemeClr>
+            </a:gs>
+          </a:gsLst>
+          <a:lin ang="5400000" scaled="1"/>
+        </a:gradFill>
+        <a:gradFill rotWithShape="1">
+          <a:gsLst>
+            <a:gs pos="0">
+              <a:schemeClr val="phClr">
+                <a:tint val="75000"/>
+                <a:shade val="85000"/>
+                <a:satMod val="230000"/>
+              </a:schemeClr>
+            </a:gs>
+            <a:gs pos="25000">
+              <a:schemeClr val="phClr">
+                <a:tint val="90000"/>
+                <a:shade val="70000"/>
+                <a:satMod val="220000"/>
+              </a:schemeClr>
+            </a:gs>
+            <a:gs pos="50000">
+              <a:schemeClr val="phClr">
+                <a:tint val="90000"/>
+                <a:shade val="58000"/>
+                <a:satMod val="225000"/>
+              </a:schemeClr>
+            </a:gs>
+            <a:gs pos="65000">
+              <a:schemeClr val="phClr">
+                <a:tint val="90000"/>
+                <a:shade val="58000"/>
+                <a:satMod val="225000"/>
+              </a:schemeClr>
+            </a:gs>
+            <a:gs pos="80000">
+              <a:schemeClr val="phClr">
+                <a:tint val="90000"/>
+                <a:shade val="69000"/>
+                <a:satMod val="220000"/>
+              </a:schemeClr>
+            </a:gs>
+            <a:gs pos="100000">
+              <a:schemeClr val="phClr">
+                <a:tint val="77000"/>
+                <a:shade val="80000"/>
+                <a:satMod val="230000"/>
+              </a:schemeClr>
+            </a:gs>
+          </a:gsLst>
+          <a:lin ang="5400000" scaled="1"/>
+        </a:gradFill>
+      </a:fillStyleLst>
+      <a:lnStyleLst>
+        <a:ln w="10000" cap="flat" cmpd="sng" algn="ctr">
+          <a:solidFill>
+            <a:schemeClr val="phClr"/>
+          </a:solidFill>
+          <a:prstDash val="solid"/>
+        </a:ln>
+        <a:ln w="25400" cap="flat" cmpd="sng" algn="ctr">
+          <a:solidFill>
+            <a:schemeClr val="phClr"/>
+          </a:solidFill>
+          <a:prstDash val="solid"/>
+        </a:ln>
+        <a:ln w="38100" cap="flat" cmpd="sng" algn="ctr">
+          <a:solidFill>
+            <a:schemeClr val="phClr"/>
+          </a:solidFill>
+          <a:prstDash val="solid"/>
+        </a:ln>
+      </a:lnStyleLst>
+      <a:effectStyleLst>
+        <a:effectStyle>
+          <a:effectLst>
+            <a:outerShdw blurRad="76200" dist="50800" dir="5400000" rotWithShape="0">
+              <a:srgbClr val="4E3B30">
+                <a:alpha val="60000"/>
+              </a:srgbClr>
+            </a:outerShdw>
+          </a:effectLst>
+        </a:effectStyle>
+        <a:effectStyle>
+          <a:effectLst>
+            <a:outerShdw blurRad="76200" dist="50800" dir="5400000" rotWithShape="0">
+              <a:srgbClr val="4E3B30">
+                <a:alpha val="60000"/>
+              </a:srgbClr>
+            </a:outerShdw>
+          </a:effectLst>
+          <a:scene3d>
+            <a:camera prst="orthographicFront">
+              <a:rot lat="0" lon="0" rev="0"/>
+            </a:camera>
+            <a:lightRig rig="threePt" dir="tl">
+              <a:rot lat="0" lon="0" rev="0"/>
+            </a:lightRig>
+          </a:scene3d>
+          <a:sp3d prstMaterial="metal">
+            <a:bevelT w="10000" h="10000"/>
+          </a:sp3d>
+        </a:effectStyle>
+        <a:effectStyle>
+          <a:effectLst>
+            <a:outerShdw blurRad="76200" dist="50800" dir="5400000" rotWithShape="0">
+              <a:srgbClr val="4E3B30">
+                <a:alpha val="60000"/>
+              </a:srgbClr>
+            </a:outerShdw>
+          </a:effectLst>
+          <a:scene3d>
+            <a:camera prst="obliqueTopLeft" fov="600000">
+              <a:rot lat="0" lon="0" rev="0"/>
+            </a:camera>
+            <a:lightRig rig="balanced" dir="t">
+              <a:rot lat="0" lon="0" rev="19200000"/>
+            </a:lightRig>
+          </a:scene3d>
+          <a:sp3d contourW="12700" prstMaterial="matte">
+            <a:bevelT w="60000" h="50800"/>
+            <a:contourClr>
+              <a:schemeClr val="phClr">
+                <a:shade val="60000"/>
+                <a:satMod val="110000"/>
+              </a:schemeClr>
+            </a:contourClr>
+          </a:sp3d>
+        </a:effectStyle>
+      </a:effectStyleLst>
+      <a:bgFillStyleLst>
+        <a:solidFill>
+          <a:schemeClr val="phClr"/>
+        </a:solidFill>
+        <a:gradFill rotWithShape="1">
+          <a:gsLst>
+            <a:gs pos="0">
+              <a:schemeClr val="phClr">
+                <a:tint val="40000"/>
+                <a:satMod val="350000"/>
+              </a:schemeClr>
+            </a:gs>
+            <a:gs pos="40000">
+              <a:schemeClr val="phClr">
+                <a:tint val="45000"/>
+                <a:shade val="99000"/>
+                <a:satMod val="350000"/>
+              </a:schemeClr>
+            </a:gs>
+            <a:gs pos="100000">
+              <a:schemeClr val="phClr">
+                <a:shade val="20000"/>
+                <a:satMod val="255000"/>
+              </a:schemeClr>
+            </a:gs>
+          </a:gsLst>
+          <a:path path="circle">
+            <a:fillToRect l="50000" t="-80000" r="50000" b="180000"/>
+          </a:path>
+        </a:gradFill>
+        <a:gradFill rotWithShape="1">
+          <a:gsLst>
+            <a:gs pos="0">
+              <a:schemeClr val="phClr">
+                <a:tint val="80000"/>
+                <a:satMod val="300000"/>
+              </a:schemeClr>
+            </a:gs>
+            <a:gs pos="100000">
+              <a:schemeClr val="phClr">
+                <a:shade val="30000"/>
+                <a:satMod val="200000"/>
+              </a:schemeClr>
+            </a:gs>
+          </a:gsLst>
+          <a:path path="circle">
+            <a:fillToRect l="50000" t="50000" r="50000" b="50000"/>
+          </a:path>
+        </a:gradFill>
+      </a:bgFillStyleLst>
+    </a:fmtScheme>
+  </a:themeElements>
+  <a:objectDefaults>
+    <a:spDef>
+      <a:spPr bwMode="auto">
+        <a:xfrm>
+          <a:off x="0" y="0"/>
+          <a:ext cx="1" cy="1"/>
+        </a:xfrm>
+        <a:custGeom>
+          <a:avLst/>
+          <a:gdLst/>
+          <a:ahLst/>
+          <a:cxnLst/>
+          <a:rect l="0" t="0" r="0" b="0"/>
+          <a:pathLst/>
+        </a:custGeom>
+        <a:solidFill>
+          <a:schemeClr val="accent1"/>
+        </a:solidFill>
+        <a:ln w="9525" cap="flat" cmpd="sng" algn="ctr">
+          <a:solidFill>
+            <a:schemeClr val="tx1"/>
+          </a:solidFill>
+          <a:prstDash val="solid"/>
+          <a:round/>
+          <a:headEnd type="none" w="med" len="med"/>
+          <a:tailEnd type="none" w="med" len="med"/>
+        </a:ln>
+        <a:effectLst/>
+      </a:spPr>
+      <a:bodyPr vert="horz" wrap="square" lIns="91440" tIns="45720" rIns="91440" bIns="45720" numCol="1" anchor="t" anchorCtr="0" compatLnSpc="1">
+        <a:prstTxWarp prst="textNoShape">
+          <a:avLst/>
+        </a:prstTxWarp>
+      </a:bodyPr>
+      <a:lstStyle>
+        <a:defPPr marL="0" marR="0" indent="0" algn="l" defTabSz="914400" rtl="0" eaLnBrk="0" fontAlgn="base" latinLnBrk="0" hangingPunct="0">
+          <a:lnSpc>
+            <a:spcPct val="100000"/>
+          </a:lnSpc>
+          <a:spcBef>
+            <a:spcPct val="0"/>
+          </a:spcBef>
+          <a:spcAft>
+            <a:spcPct val="0"/>
+          </a:spcAft>
+          <a:buClrTx/>
+          <a:buSzTx/>
+          <a:buFontTx/>
+          <a:buNone/>
+          <a:tabLst/>
+          <a:defRPr kumimoji="0" lang="en-US" sz="2400" b="0" i="0" u="none" strike="noStrike" cap="none" normalizeH="0" baseline="0" smtClean="0">
+            <a:ln>
+              <a:noFill/>
+            </a:ln>
+            <a:solidFill>
+              <a:schemeClr val="tx1"/>
+            </a:solidFill>
+            <a:effectLst/>
+            <a:latin typeface="Arial" charset="0"/>
+            <a:ea typeface="ＭＳ Ｐゴシック" pitchFamily="1" charset="-128"/>
+          </a:defRPr>
+        </a:defPPr>
+      </a:lstStyle>
+    </a:spDef>
+    <a:lnDef>
+      <a:spPr bwMode="auto">
+        <a:xfrm>
+          <a:off x="0" y="0"/>
+          <a:ext cx="1" cy="1"/>
+        </a:xfrm>
+        <a:custGeom>
+          <a:avLst/>
+          <a:gdLst/>
+          <a:ahLst/>
+          <a:cxnLst/>
+          <a:rect l="0" t="0" r="0" b="0"/>
+          <a:pathLst/>
+        </a:custGeom>
+        <a:solidFill>
+          <a:schemeClr val="accent1"/>
+        </a:solidFill>
+        <a:ln w="9525" cap="flat" cmpd="sng" algn="ctr">
+          <a:solidFill>
+            <a:schemeClr val="tx1"/>
+          </a:solidFill>
+          <a:prstDash val="solid"/>
+          <a:round/>
+          <a:headEnd type="none" w="med" len="med"/>
+          <a:tailEnd type="none" w="med" len="med"/>
+        </a:ln>
+        <a:effectLst/>
+      </a:spPr>
+      <a:bodyPr vert="horz" wrap="square" lIns="91440" tIns="45720" rIns="91440" bIns="45720" numCol="1" anchor="t" anchorCtr="0" compatLnSpc="1">
+        <a:prstTxWarp prst="textNoShape">
+          <a:avLst/>
+        </a:prstTxWarp>
+      </a:bodyPr>
+      <a:lstStyle>
+        <a:defPPr marL="0" marR="0" indent="0" algn="l" defTabSz="914400" rtl="0" eaLnBrk="0" fontAlgn="base" latinLnBrk="0" hangingPunct="0">
+          <a:lnSpc>
+            <a:spcPct val="100000"/>
+          </a:lnSpc>
+          <a:spcBef>
+            <a:spcPct val="0"/>
+          </a:spcBef>
+          <a:spcAft>
+            <a:spcPct val="0"/>
+          </a:spcAft>
+          <a:buClrTx/>
+          <a:buSzTx/>
+          <a:buFontTx/>
+          <a:buNone/>
+          <a:tabLst/>
+          <a:defRPr kumimoji="0" lang="en-US" sz="2400" b="0" i="0" u="none" strike="noStrike" cap="none" normalizeH="0" baseline="0" smtClean="0">
+            <a:ln>
+              <a:noFill/>
+            </a:ln>
+            <a:solidFill>
+              <a:schemeClr val="tx1"/>
+            </a:solidFill>
+            <a:effectLst/>
+            <a:latin typeface="Arial" charset="0"/>
+            <a:ea typeface="ＭＳ Ｐゴシック" pitchFamily="1" charset="-128"/>
+          </a:defRPr>
+        </a:defPPr>
+      </a:lstStyle>
+    </a:lnDef>
+  </a:objectDefaults>
+  <a:extraClrSchemeLst>
+    <a:extraClrScheme>
+      <a:clrScheme name="text 1">
+        <a:dk1>
+          <a:srgbClr val="000000"/>
+        </a:dk1>
+        <a:lt1>
+          <a:srgbClr val="FFFFFF"/>
+        </a:lt1>
+        <a:dk2>
+          <a:srgbClr val="000000"/>
+        </a:dk2>
+        <a:lt2>
+          <a:srgbClr val="108BD9"/>
+        </a:lt2>
+        <a:accent1>
+          <a:srgbClr val="C1C700"/>
+        </a:accent1>
+        <a:accent2>
+          <a:srgbClr val="003B74"/>
+        </a:accent2>
+        <a:accent3>
+          <a:srgbClr val="FFFFFF"/>
+        </a:accent3>
+        <a:accent4>
+          <a:srgbClr val="000000"/>
+        </a:accent4>
+        <a:accent5>
+          <a:srgbClr val="DDE0AA"/>
+        </a:accent5>
+        <a:accent6>
+          <a:srgbClr val="003568"/>
+        </a:accent6>
+        <a:hlink>
+          <a:srgbClr val="C2006E"/>
+        </a:hlink>
+        <a:folHlink>
+          <a:srgbClr val="7FC6B8"/>
+        </a:folHlink>
+      </a:clrScheme>
+      <a:clrMap bg1="lt1" tx1="dk1" bg2="lt2" tx2="dk2" accent1="accent1" accent2="accent2" accent3="accent3" accent4="accent4" accent5="accent5" accent6="accent6" hlink="hlink" folHlink="folHlink"/>
+    </a:extraClrScheme>
+  </a:extraClrSchemeLst>
+</a:theme>
+</file>
+
+<file path=ppt/theme/theme2.xml><?xml version="1.0" encoding="utf-8"?>
+<a:theme xmlns:a="http://schemas.openxmlformats.org/drawingml/2006/main" name="Office-thema">
+  <a:themeElements>
+    <a:clrScheme name="">
+      <a:dk1>
+        <a:srgbClr val="000000"/>
+      </a:dk1>
+      <a:lt1>
+        <a:srgbClr val="FFFFFF"/>
+      </a:lt1>
+      <a:dk2>
+        <a:srgbClr val="000000"/>
+      </a:dk2>
+      <a:lt2>
+        <a:srgbClr val="808080"/>
+      </a:lt2>
+      <a:accent1>
+        <a:srgbClr val="BBE0E3"/>
+      </a:accent1>
+      <a:accent2>
+        <a:srgbClr val="333399"/>
+      </a:accent2>
+      <a:accent3>
+        <a:srgbClr val="FFFFFF"/>
+      </a:accent3>
+      <a:accent4>
+        <a:srgbClr val="000000"/>
+      </a:accent4>
+      <a:accent5>
+        <a:srgbClr val="DAEDEF"/>
+      </a:accent5>
+      <a:accent6>
+        <a:srgbClr val="2D2D8A"/>
+      </a:accent6>
+      <a:hlink>
+        <a:srgbClr val="009999"/>
+      </a:hlink>
+      <a:folHlink>
+        <a:srgbClr val="99CC00"/>
       </a:folHlink>
     </a:clrScheme>
     <a:fontScheme name="Kantoor">
       <a:majorFont>
-        <a:latin typeface="Calibri Light" panose="020F0302020204030204"/>
+        <a:latin typeface="Calibri"/>
         <a:ea typeface=""/>
         <a:cs typeface=""/>
         <a:font script="Jpan" typeface="ＭＳ Ｐゴシック"/>
@@ -3099,10 +6194,9 @@
         <a:font script="Mong" typeface="Mongolian Baiti"/>
         <a:font script="Viet" typeface="Times New Roman"/>
         <a:font script="Uigh" typeface="Microsoft Uighur"/>
-        <a:font script="Geor" typeface="Sylfaen"/>
       </a:majorFont>
       <a:minorFont>
-        <a:latin typeface="Calibri" panose="020F0502020204030204"/>
+        <a:latin typeface="Calibri"/>
         <a:ea typeface=""/>
         <a:cs typeface=""/>
         <a:font script="Jpan" typeface="ＭＳ Ｐゴシック"/>
@@ -3134,7 +6228,6 @@
         <a:font script="Mong" typeface="Mongolian Baiti"/>
         <a:font script="Viet" typeface="Arial"/>
         <a:font script="Uigh" typeface="Microsoft Uighur"/>
-        <a:font script="Geor" typeface="Sylfaen"/>
       </a:minorFont>
     </a:fontScheme>
     <a:fmtScheme name="Kantoor">
@@ -3146,141 +6239,448 @@
           <a:gsLst>
             <a:gs pos="0">
               <a:schemeClr val="phClr">
-                <a:lumMod val="110000"/>
-                <a:satMod val="105000"/>
-                <a:tint val="67000"/>
+                <a:tint val="50000"/>
+                <a:satMod val="300000"/>
               </a:schemeClr>
             </a:gs>
-            <a:gs pos="50000">
+            <a:gs pos="35000">
               <a:schemeClr val="phClr">
-                <a:lumMod val="105000"/>
-                <a:satMod val="103000"/>
-                <a:tint val="73000"/>
+                <a:tint val="37000"/>
+                <a:satMod val="300000"/>
               </a:schemeClr>
             </a:gs>
             <a:gs pos="100000">
               <a:schemeClr val="phClr">
-                <a:lumMod val="105000"/>
-                <a:satMod val="109000"/>
-                <a:tint val="81000"/>
+                <a:tint val="15000"/>
+                <a:satMod val="350000"/>
               </a:schemeClr>
             </a:gs>
           </a:gsLst>
-          <a:lin ang="5400000" scaled="0"/>
+          <a:lin ang="16200000" scaled="1"/>
         </a:gradFill>
         <a:gradFill rotWithShape="1">
           <a:gsLst>
             <a:gs pos="0">
               <a:schemeClr val="phClr">
-                <a:satMod val="103000"/>
-                <a:lumMod val="102000"/>
-                <a:tint val="94000"/>
+                <a:shade val="51000"/>
+                <a:satMod val="130000"/>
               </a:schemeClr>
             </a:gs>
-            <a:gs pos="50000">
+            <a:gs pos="80000">
               <a:schemeClr val="phClr">
-                <a:satMod val="110000"/>
-                <a:lumMod val="100000"/>
-                <a:shade val="100000"/>
+                <a:shade val="93000"/>
+                <a:satMod val="130000"/>
               </a:schemeClr>
             </a:gs>
             <a:gs pos="100000">
               <a:schemeClr val="phClr">
-                <a:lumMod val="99000"/>
-                <a:satMod val="120000"/>
-                <a:shade val="78000"/>
+                <a:shade val="94000"/>
+                <a:satMod val="135000"/>
               </a:schemeClr>
             </a:gs>
           </a:gsLst>
-          <a:lin ang="5400000" scaled="0"/>
+          <a:lin ang="16200000" scaled="0"/>
         </a:gradFill>
       </a:fillStyleLst>
       <a:lnStyleLst>
-        <a:ln w="6350" cap="flat" cmpd="sng" algn="ctr">
+        <a:ln w="9525" cap="flat" cmpd="sng" algn="ctr">
+          <a:solidFill>
+            <a:schemeClr val="phClr">
+              <a:shade val="95000"/>
+              <a:satMod val="105000"/>
+            </a:schemeClr>
+          </a:solidFill>
+          <a:prstDash val="solid"/>
+        </a:ln>
+        <a:ln w="25400" cap="flat" cmpd="sng" algn="ctr">
           <a:solidFill>
             <a:schemeClr val="phClr"/>
           </a:solidFill>
           <a:prstDash val="solid"/>
-          <a:miter lim="800000"/>
         </a:ln>
-        <a:ln w="12700" cap="flat" cmpd="sng" algn="ctr">
+        <a:ln w="38100" cap="flat" cmpd="sng" algn="ctr">
           <a:solidFill>
             <a:schemeClr val="phClr"/>
           </a:solidFill>
           <a:prstDash val="solid"/>
-          <a:miter lim="800000"/>
-        </a:ln>
-        <a:ln w="19050" cap="flat" cmpd="sng" algn="ctr">
-          <a:solidFill>
-            <a:schemeClr val="phClr"/>
-          </a:solidFill>
-          <a:prstDash val="solid"/>
-          <a:miter lim="800000"/>
         </a:ln>
       </a:lnStyleLst>
       <a:effectStyleLst>
         <a:effectStyle>
-          <a:effectLst/>
-        </a:effectStyle>
-        <a:effectStyle>
-          <a:effectLst/>
+          <a:effectLst>
+            <a:outerShdw blurRad="40000" dist="20000" dir="5400000" rotWithShape="0">
+              <a:srgbClr val="000000">
+                <a:alpha val="38000"/>
+              </a:srgbClr>
+            </a:outerShdw>
+          </a:effectLst>
         </a:effectStyle>
         <a:effectStyle>
           <a:effectLst>
-            <a:outerShdw blurRad="57150" dist="19050" dir="5400000" algn="ctr" rotWithShape="0">
+            <a:outerShdw blurRad="40000" dist="23000" dir="5400000" rotWithShape="0">
               <a:srgbClr val="000000">
-                <a:alpha val="63000"/>
+                <a:alpha val="35000"/>
               </a:srgbClr>
             </a:outerShdw>
           </a:effectLst>
+        </a:effectStyle>
+        <a:effectStyle>
+          <a:effectLst>
+            <a:outerShdw blurRad="40000" dist="23000" dir="5400000" rotWithShape="0">
+              <a:srgbClr val="000000">
+                <a:alpha val="35000"/>
+              </a:srgbClr>
+            </a:outerShdw>
+          </a:effectLst>
+          <a:scene3d>
+            <a:camera prst="orthographicFront">
+              <a:rot lat="0" lon="0" rev="0"/>
+            </a:camera>
+            <a:lightRig rig="threePt" dir="t">
+              <a:rot lat="0" lon="0" rev="1200000"/>
+            </a:lightRig>
+          </a:scene3d>
+          <a:sp3d>
+            <a:bevelT w="63500" h="25400"/>
+          </a:sp3d>
         </a:effectStyle>
       </a:effectStyleLst>
       <a:bgFillStyleLst>
         <a:solidFill>
           <a:schemeClr val="phClr"/>
         </a:solidFill>
-        <a:solidFill>
-          <a:schemeClr val="phClr">
-            <a:tint val="95000"/>
-            <a:satMod val="170000"/>
-          </a:schemeClr>
-        </a:solidFill>
         <a:gradFill rotWithShape="1">
           <a:gsLst>
             <a:gs pos="0">
               <a:schemeClr val="phClr">
-                <a:tint val="93000"/>
-                <a:satMod val="150000"/>
-                <a:shade val="98000"/>
-                <a:lumMod val="102000"/>
+                <a:tint val="40000"/>
+                <a:satMod val="350000"/>
               </a:schemeClr>
             </a:gs>
-            <a:gs pos="50000">
+            <a:gs pos="40000">
               <a:schemeClr val="phClr">
-                <a:tint val="98000"/>
-                <a:satMod val="130000"/>
-                <a:shade val="90000"/>
-                <a:lumMod val="103000"/>
+                <a:tint val="45000"/>
+                <a:shade val="99000"/>
+                <a:satMod val="350000"/>
               </a:schemeClr>
             </a:gs>
             <a:gs pos="100000">
               <a:schemeClr val="phClr">
-                <a:shade val="63000"/>
-                <a:satMod val="120000"/>
+                <a:shade val="20000"/>
+                <a:satMod val="255000"/>
               </a:schemeClr>
             </a:gs>
           </a:gsLst>
-          <a:lin ang="5400000" scaled="0"/>
+          <a:path path="circle">
+            <a:fillToRect l="50000" t="-80000" r="50000" b="180000"/>
+          </a:path>
+        </a:gradFill>
+        <a:gradFill rotWithShape="1">
+          <a:gsLst>
+            <a:gs pos="0">
+              <a:schemeClr val="phClr">
+                <a:tint val="80000"/>
+                <a:satMod val="300000"/>
+              </a:schemeClr>
+            </a:gs>
+            <a:gs pos="100000">
+              <a:schemeClr val="phClr">
+                <a:shade val="30000"/>
+                <a:satMod val="200000"/>
+              </a:schemeClr>
+            </a:gs>
+          </a:gsLst>
+          <a:path path="circle">
+            <a:fillToRect l="50000" t="50000" r="50000" b="50000"/>
+          </a:path>
         </a:gradFill>
       </a:bgFillStyleLst>
     </a:fmtScheme>
   </a:themeElements>
   <a:objectDefaults/>
   <a:extraClrSchemeLst/>
-  <a:extLst>
-    <a:ext uri="{05A4C25C-085E-4340-85A3-A5531E510DB2}">
-      <thm15:themeFamily xmlns:thm15="http://schemas.microsoft.com/office/thememl/2012/main" name="Office Theme" id="{62F939B6-93AF-4DB8-9C6B-D6C7DFDC589F}" vid="{4A3C46E8-61CC-4603-A589-7422A47A8E4A}"/>
-    </a:ext>
-  </a:extLst>
+</a:theme>
+</file>
+
+<file path=ppt/theme/theme3.xml><?xml version="1.0" encoding="utf-8"?>
+<a:theme xmlns:a="http://schemas.openxmlformats.org/drawingml/2006/main" name="Office Theme">
+  <a:themeElements>
+    <a:clrScheme name="">
+      <a:dk1>
+        <a:srgbClr val="000000"/>
+      </a:dk1>
+      <a:lt1>
+        <a:srgbClr val="FFFFFF"/>
+      </a:lt1>
+      <a:dk2>
+        <a:srgbClr val="000000"/>
+      </a:dk2>
+      <a:lt2>
+        <a:srgbClr val="808080"/>
+      </a:lt2>
+      <a:accent1>
+        <a:srgbClr val="BBE0E3"/>
+      </a:accent1>
+      <a:accent2>
+        <a:srgbClr val="333399"/>
+      </a:accent2>
+      <a:accent3>
+        <a:srgbClr val="FFFFFF"/>
+      </a:accent3>
+      <a:accent4>
+        <a:srgbClr val="000000"/>
+      </a:accent4>
+      <a:accent5>
+        <a:srgbClr val="DAEDEF"/>
+      </a:accent5>
+      <a:accent6>
+        <a:srgbClr val="2D2D8A"/>
+      </a:accent6>
+      <a:hlink>
+        <a:srgbClr val="009999"/>
+      </a:hlink>
+      <a:folHlink>
+        <a:srgbClr val="99CC00"/>
+      </a:folHlink>
+    </a:clrScheme>
+    <a:fontScheme name="Office">
+      <a:majorFont>
+        <a:latin typeface="Calibri"/>
+        <a:ea typeface=""/>
+        <a:cs typeface=""/>
+        <a:font script="Jpan" typeface="ＭＳ Ｐゴシック"/>
+        <a:font script="Hang" typeface="맑은 고딕"/>
+        <a:font script="Hans" typeface="宋体"/>
+        <a:font script="Hant" typeface="新細明體"/>
+        <a:font script="Arab" typeface="Times New Roman"/>
+        <a:font script="Hebr" typeface="Times New Roman"/>
+        <a:font script="Thai" typeface="Angsana New"/>
+        <a:font script="Ethi" typeface="Nyala"/>
+        <a:font script="Beng" typeface="Vrinda"/>
+        <a:font script="Gujr" typeface="Shruti"/>
+        <a:font script="Khmr" typeface="MoolBoran"/>
+        <a:font script="Knda" typeface="Tunga"/>
+        <a:font script="Guru" typeface="Raavi"/>
+        <a:font script="Cans" typeface="Euphemia"/>
+        <a:font script="Cher" typeface="Plantagenet Cherokee"/>
+        <a:font script="Yiii" typeface="Microsoft Yi Baiti"/>
+        <a:font script="Tibt" typeface="Microsoft Himalaya"/>
+        <a:font script="Thaa" typeface="MV Boli"/>
+        <a:font script="Deva" typeface="Mangal"/>
+        <a:font script="Telu" typeface="Gautami"/>
+        <a:font script="Taml" typeface="Latha"/>
+        <a:font script="Syrc" typeface="Estrangelo Edessa"/>
+        <a:font script="Orya" typeface="Kalinga"/>
+        <a:font script="Mlym" typeface="Kartika"/>
+        <a:font script="Laoo" typeface="DokChampa"/>
+        <a:font script="Sinh" typeface="Iskoola Pota"/>
+        <a:font script="Mong" typeface="Mongolian Baiti"/>
+        <a:font script="Viet" typeface="Times New Roman"/>
+        <a:font script="Uigh" typeface="Microsoft Uighur"/>
+      </a:majorFont>
+      <a:minorFont>
+        <a:latin typeface="Calibri"/>
+        <a:ea typeface=""/>
+        <a:cs typeface=""/>
+        <a:font script="Jpan" typeface="ＭＳ Ｐゴシック"/>
+        <a:font script="Hang" typeface="맑은 고딕"/>
+        <a:font script="Hans" typeface="宋体"/>
+        <a:font script="Hant" typeface="新細明體"/>
+        <a:font script="Arab" typeface="Arial"/>
+        <a:font script="Hebr" typeface="Arial"/>
+        <a:font script="Thai" typeface="Cordia New"/>
+        <a:font script="Ethi" typeface="Nyala"/>
+        <a:font script="Beng" typeface="Vrinda"/>
+        <a:font script="Gujr" typeface="Shruti"/>
+        <a:font script="Khmr" typeface="DaunPenh"/>
+        <a:font script="Knda" typeface="Tunga"/>
+        <a:font script="Guru" typeface="Raavi"/>
+        <a:font script="Cans" typeface="Euphemia"/>
+        <a:font script="Cher" typeface="Plantagenet Cherokee"/>
+        <a:font script="Yiii" typeface="Microsoft Yi Baiti"/>
+        <a:font script="Tibt" typeface="Microsoft Himalaya"/>
+        <a:font script="Thaa" typeface="MV Boli"/>
+        <a:font script="Deva" typeface="Mangal"/>
+        <a:font script="Telu" typeface="Gautami"/>
+        <a:font script="Taml" typeface="Latha"/>
+        <a:font script="Syrc" typeface="Estrangelo Edessa"/>
+        <a:font script="Orya" typeface="Kalinga"/>
+        <a:font script="Mlym" typeface="Kartika"/>
+        <a:font script="Laoo" typeface="DokChampa"/>
+        <a:font script="Sinh" typeface="Iskoola Pota"/>
+        <a:font script="Mong" typeface="Mongolian Baiti"/>
+        <a:font script="Viet" typeface="Arial"/>
+        <a:font script="Uigh" typeface="Microsoft Uighur"/>
+      </a:minorFont>
+    </a:fontScheme>
+    <a:fmtScheme name="Office">
+      <a:fillStyleLst>
+        <a:solidFill>
+          <a:schemeClr val="phClr"/>
+        </a:solidFill>
+        <a:gradFill rotWithShape="1">
+          <a:gsLst>
+            <a:gs pos="0">
+              <a:schemeClr val="phClr">
+                <a:tint val="50000"/>
+                <a:satMod val="300000"/>
+              </a:schemeClr>
+            </a:gs>
+            <a:gs pos="35000">
+              <a:schemeClr val="phClr">
+                <a:tint val="37000"/>
+                <a:satMod val="300000"/>
+              </a:schemeClr>
+            </a:gs>
+            <a:gs pos="100000">
+              <a:schemeClr val="phClr">
+                <a:tint val="15000"/>
+                <a:satMod val="350000"/>
+              </a:schemeClr>
+            </a:gs>
+          </a:gsLst>
+          <a:lin ang="16200000" scaled="1"/>
+        </a:gradFill>
+        <a:gradFill rotWithShape="1">
+          <a:gsLst>
+            <a:gs pos="0">
+              <a:schemeClr val="phClr">
+                <a:shade val="51000"/>
+                <a:satMod val="130000"/>
+              </a:schemeClr>
+            </a:gs>
+            <a:gs pos="80000">
+              <a:schemeClr val="phClr">
+                <a:shade val="93000"/>
+                <a:satMod val="130000"/>
+              </a:schemeClr>
+            </a:gs>
+            <a:gs pos="100000">
+              <a:schemeClr val="phClr">
+                <a:shade val="94000"/>
+                <a:satMod val="135000"/>
+              </a:schemeClr>
+            </a:gs>
+          </a:gsLst>
+          <a:lin ang="16200000" scaled="0"/>
+        </a:gradFill>
+      </a:fillStyleLst>
+      <a:lnStyleLst>
+        <a:ln w="9525" cap="flat" cmpd="sng" algn="ctr">
+          <a:solidFill>
+            <a:schemeClr val="phClr">
+              <a:shade val="95000"/>
+              <a:satMod val="105000"/>
+            </a:schemeClr>
+          </a:solidFill>
+          <a:prstDash val="solid"/>
+        </a:ln>
+        <a:ln w="25400" cap="flat" cmpd="sng" algn="ctr">
+          <a:solidFill>
+            <a:schemeClr val="phClr"/>
+          </a:solidFill>
+          <a:prstDash val="solid"/>
+        </a:ln>
+        <a:ln w="38100" cap="flat" cmpd="sng" algn="ctr">
+          <a:solidFill>
+            <a:schemeClr val="phClr"/>
+          </a:solidFill>
+          <a:prstDash val="solid"/>
+        </a:ln>
+      </a:lnStyleLst>
+      <a:effectStyleLst>
+        <a:effectStyle>
+          <a:effectLst>
+            <a:outerShdw blurRad="40000" dist="20000" dir="5400000" rotWithShape="0">
+              <a:srgbClr val="000000">
+                <a:alpha val="38000"/>
+              </a:srgbClr>
+            </a:outerShdw>
+          </a:effectLst>
+        </a:effectStyle>
+        <a:effectStyle>
+          <a:effectLst>
+            <a:outerShdw blurRad="40000" dist="23000" dir="5400000" rotWithShape="0">
+              <a:srgbClr val="000000">
+                <a:alpha val="35000"/>
+              </a:srgbClr>
+            </a:outerShdw>
+          </a:effectLst>
+        </a:effectStyle>
+        <a:effectStyle>
+          <a:effectLst>
+            <a:outerShdw blurRad="40000" dist="23000" dir="5400000" rotWithShape="0">
+              <a:srgbClr val="000000">
+                <a:alpha val="35000"/>
+              </a:srgbClr>
+            </a:outerShdw>
+          </a:effectLst>
+          <a:scene3d>
+            <a:camera prst="orthographicFront">
+              <a:rot lat="0" lon="0" rev="0"/>
+            </a:camera>
+            <a:lightRig rig="threePt" dir="t">
+              <a:rot lat="0" lon="0" rev="1200000"/>
+            </a:lightRig>
+          </a:scene3d>
+          <a:sp3d>
+            <a:bevelT w="63500" h="25400"/>
+          </a:sp3d>
+        </a:effectStyle>
+      </a:effectStyleLst>
+      <a:bgFillStyleLst>
+        <a:solidFill>
+          <a:schemeClr val="phClr"/>
+        </a:solidFill>
+        <a:gradFill rotWithShape="1">
+          <a:gsLst>
+            <a:gs pos="0">
+              <a:schemeClr val="phClr">
+                <a:tint val="40000"/>
+                <a:satMod val="350000"/>
+              </a:schemeClr>
+            </a:gs>
+            <a:gs pos="40000">
+              <a:schemeClr val="phClr">
+                <a:tint val="45000"/>
+                <a:shade val="99000"/>
+                <a:satMod val="350000"/>
+              </a:schemeClr>
+            </a:gs>
+            <a:gs pos="100000">
+              <a:schemeClr val="phClr">
+                <a:shade val="20000"/>
+                <a:satMod val="255000"/>
+              </a:schemeClr>
+            </a:gs>
+          </a:gsLst>
+          <a:path path="circle">
+            <a:fillToRect l="50000" t="-80000" r="50000" b="180000"/>
+          </a:path>
+        </a:gradFill>
+        <a:gradFill rotWithShape="1">
+          <a:gsLst>
+            <a:gs pos="0">
+              <a:schemeClr val="phClr">
+                <a:tint val="80000"/>
+                <a:satMod val="300000"/>
+              </a:schemeClr>
+            </a:gs>
+            <a:gs pos="100000">
+              <a:schemeClr val="phClr">
+                <a:shade val="30000"/>
+                <a:satMod val="200000"/>
+              </a:schemeClr>
+            </a:gs>
+          </a:gsLst>
+          <a:path path="circle">
+            <a:fillToRect l="50000" t="50000" r="50000" b="50000"/>
+          </a:path>
+        </a:gradFill>
+      </a:bgFillStyleLst>
+    </a:fmtScheme>
+  </a:themeElements>
+  <a:objectDefaults/>
+  <a:extraClrSchemeLst/>
 </a:theme>
 </file>
--- a/Presentatie/Alarm.pptx
+++ b/Presentatie/Alarm.pptx
@@ -11,7 +11,7 @@
     <p:handoutMasterId r:id="rId8"/>
   </p:handoutMasterIdLst>
   <p:sldIdLst>
-    <p:sldId id="377" r:id="rId2"/>
+    <p:sldId id="382" r:id="rId2"/>
     <p:sldId id="381" r:id="rId3"/>
     <p:sldId id="378" r:id="rId4"/>
     <p:sldId id="379" r:id="rId5"/>
@@ -294,7 +294,7 @@
               <a:pPr>
                 <a:defRPr/>
               </a:pPr>
-              <a:t>1/15/2015</a:t>
+              <a:t>1/18/2015</a:t>
             </a:fld>
             <a:endParaRPr lang="en-US" altLang="nl-NL"/>
           </a:p>
@@ -4812,348 +4812,37 @@
       </p:grpSpPr>
       <p:sp>
         <p:nvSpPr>
-          <p:cNvPr id="3074" name="Rectangle 5"/>
-          <p:cNvSpPr>
-            <a:spLocks noChangeArrowheads="1"/>
-          </p:cNvSpPr>
-          <p:nvPr/>
-        </p:nvSpPr>
-        <p:spPr bwMode="auto">
-          <a:xfrm>
-            <a:off x="471488" y="2055813"/>
-            <a:ext cx="7307262" cy="1897062"/>
-          </a:xfrm>
-          <a:prstGeom prst="rect">
-            <a:avLst/>
-          </a:prstGeom>
-          <a:solidFill>
-            <a:schemeClr val="tx1"/>
-          </a:solidFill>
-          <a:ln>
-            <a:noFill/>
-          </a:ln>
-          <a:extLst>
-            <a:ext uri="{91240B29-F687-4F45-9708-019B960494DF}">
-              <a14:hiddenLine xmlns:a14="http://schemas.microsoft.com/office/drawing/2010/main" w="9525">
-                <a:solidFill>
-                  <a:srgbClr val="000000"/>
-                </a:solidFill>
-                <a:round/>
-                <a:headEnd/>
-                <a:tailEnd/>
-              </a14:hiddenLine>
-            </a:ext>
-          </a:extLst>
-        </p:spPr>
-        <p:txBody>
-          <a:bodyPr/>
-          <a:lstStyle>
-            <a:lvl1pPr algn="l" eaLnBrk="0" hangingPunct="0">
-              <a:lnSpc>
-                <a:spcPts val="2500"/>
-              </a:lnSpc>
-              <a:buClr>
-                <a:srgbClr val="00A6D6"/>
-              </a:buClr>
-              <a:buChar char="•"/>
-              <a:defRPr sz="2000">
-                <a:solidFill>
-                  <a:schemeClr val="tx1"/>
-                </a:solidFill>
-                <a:latin typeface="Tahoma" panose="020B0604030504040204" pitchFamily="34" charset="0"/>
-                <a:ea typeface="ＭＳ Ｐゴシック" panose="020B0600070205080204" pitchFamily="34" charset="-128"/>
-              </a:defRPr>
-            </a:lvl1pPr>
-            <a:lvl2pPr marL="37931725" indent="-37474525" algn="l" eaLnBrk="0" hangingPunct="0">
-              <a:lnSpc>
-                <a:spcPts val="2500"/>
-              </a:lnSpc>
-              <a:buClr>
-                <a:srgbClr val="00A6D6"/>
-              </a:buClr>
-              <a:buFont typeface="Times" panose="02020603050405020304" pitchFamily="18" charset="0"/>
-              <a:buChar char="•"/>
-              <a:defRPr>
-                <a:solidFill>
-                  <a:schemeClr val="tx1"/>
-                </a:solidFill>
-                <a:latin typeface="Tahoma" panose="020B0604030504040204" pitchFamily="34" charset="0"/>
-                <a:ea typeface="ＭＳ Ｐゴシック" panose="020B0600070205080204" pitchFamily="34" charset="-128"/>
-              </a:defRPr>
-            </a:lvl2pPr>
-            <a:lvl3pPr marL="957263" indent="-190500" algn="l" eaLnBrk="0" hangingPunct="0">
-              <a:lnSpc>
-                <a:spcPts val="2500"/>
-              </a:lnSpc>
-              <a:buClr>
-                <a:srgbClr val="00A6D6"/>
-              </a:buClr>
-              <a:buFont typeface="Times" panose="02020603050405020304" pitchFamily="18" charset="0"/>
-              <a:buChar char="•"/>
-              <a:defRPr sz="1600">
-                <a:solidFill>
-                  <a:schemeClr val="tx1"/>
-                </a:solidFill>
-                <a:latin typeface="Tahoma" panose="020B0604030504040204" pitchFamily="34" charset="0"/>
-                <a:ea typeface="ＭＳ Ｐゴシック" panose="020B0600070205080204" pitchFamily="34" charset="-128"/>
-              </a:defRPr>
-            </a:lvl3pPr>
-            <a:lvl4pPr marL="1338263" indent="-190500" algn="l" eaLnBrk="0" hangingPunct="0">
-              <a:lnSpc>
-                <a:spcPts val="2500"/>
-              </a:lnSpc>
-              <a:buClr>
-                <a:schemeClr val="bg2"/>
-              </a:buClr>
-              <a:buFont typeface="Times" panose="02020603050405020304" pitchFamily="18" charset="0"/>
-              <a:buChar char="•"/>
-              <a:defRPr sz="1400">
-                <a:solidFill>
-                  <a:schemeClr val="tx1"/>
-                </a:solidFill>
-                <a:latin typeface="Tahoma" panose="020B0604030504040204" pitchFamily="34" charset="0"/>
-                <a:ea typeface="ＭＳ Ｐゴシック" panose="020B0600070205080204" pitchFamily="34" charset="-128"/>
-              </a:defRPr>
-            </a:lvl4pPr>
-            <a:lvl5pPr marL="1719263" indent="-190500" algn="l" eaLnBrk="0" hangingPunct="0">
-              <a:lnSpc>
-                <a:spcPts val="2500"/>
-              </a:lnSpc>
-              <a:buClr>
-                <a:schemeClr val="bg2"/>
-              </a:buClr>
-              <a:buFont typeface="Times" panose="02020603050405020304" pitchFamily="18" charset="0"/>
-              <a:buChar char="•"/>
-              <a:defRPr sz="1200">
-                <a:solidFill>
-                  <a:schemeClr val="tx1"/>
-                </a:solidFill>
-                <a:latin typeface="Tahoma" panose="020B0604030504040204" pitchFamily="34" charset="0"/>
-                <a:ea typeface="ＭＳ Ｐゴシック" panose="020B0600070205080204" pitchFamily="34" charset="-128"/>
-              </a:defRPr>
-            </a:lvl5pPr>
-            <a:lvl6pPr marL="2176463" indent="-190500" eaLnBrk="0" fontAlgn="base" hangingPunct="0">
-              <a:lnSpc>
-                <a:spcPts val="2500"/>
-              </a:lnSpc>
-              <a:spcBef>
-                <a:spcPct val="0"/>
-              </a:spcBef>
-              <a:spcAft>
-                <a:spcPct val="0"/>
-              </a:spcAft>
-              <a:buClr>
-                <a:schemeClr val="bg2"/>
-              </a:buClr>
-              <a:buFont typeface="Times" panose="02020603050405020304" pitchFamily="18" charset="0"/>
-              <a:buChar char="•"/>
-              <a:defRPr sz="1200">
-                <a:solidFill>
-                  <a:schemeClr val="tx1"/>
-                </a:solidFill>
-                <a:latin typeface="Tahoma" panose="020B0604030504040204" pitchFamily="34" charset="0"/>
-                <a:ea typeface="ＭＳ Ｐゴシック" panose="020B0600070205080204" pitchFamily="34" charset="-128"/>
-              </a:defRPr>
-            </a:lvl6pPr>
-            <a:lvl7pPr marL="2633663" indent="-190500" eaLnBrk="0" fontAlgn="base" hangingPunct="0">
-              <a:lnSpc>
-                <a:spcPts val="2500"/>
-              </a:lnSpc>
-              <a:spcBef>
-                <a:spcPct val="0"/>
-              </a:spcBef>
-              <a:spcAft>
-                <a:spcPct val="0"/>
-              </a:spcAft>
-              <a:buClr>
-                <a:schemeClr val="bg2"/>
-              </a:buClr>
-              <a:buFont typeface="Times" panose="02020603050405020304" pitchFamily="18" charset="0"/>
-              <a:buChar char="•"/>
-              <a:defRPr sz="1200">
-                <a:solidFill>
-                  <a:schemeClr val="tx1"/>
-                </a:solidFill>
-                <a:latin typeface="Tahoma" panose="020B0604030504040204" pitchFamily="34" charset="0"/>
-                <a:ea typeface="ＭＳ Ｐゴシック" panose="020B0600070205080204" pitchFamily="34" charset="-128"/>
-              </a:defRPr>
-            </a:lvl7pPr>
-            <a:lvl8pPr marL="3090863" indent="-190500" eaLnBrk="0" fontAlgn="base" hangingPunct="0">
-              <a:lnSpc>
-                <a:spcPts val="2500"/>
-              </a:lnSpc>
-              <a:spcBef>
-                <a:spcPct val="0"/>
-              </a:spcBef>
-              <a:spcAft>
-                <a:spcPct val="0"/>
-              </a:spcAft>
-              <a:buClr>
-                <a:schemeClr val="bg2"/>
-              </a:buClr>
-              <a:buFont typeface="Times" panose="02020603050405020304" pitchFamily="18" charset="0"/>
-              <a:buChar char="•"/>
-              <a:defRPr sz="1200">
-                <a:solidFill>
-                  <a:schemeClr val="tx1"/>
-                </a:solidFill>
-                <a:latin typeface="Tahoma" panose="020B0604030504040204" pitchFamily="34" charset="0"/>
-                <a:ea typeface="ＭＳ Ｐゴシック" panose="020B0600070205080204" pitchFamily="34" charset="-128"/>
-              </a:defRPr>
-            </a:lvl8pPr>
-            <a:lvl9pPr marL="3548063" indent="-190500" eaLnBrk="0" fontAlgn="base" hangingPunct="0">
-              <a:lnSpc>
-                <a:spcPts val="2500"/>
-              </a:lnSpc>
-              <a:spcBef>
-                <a:spcPct val="0"/>
-              </a:spcBef>
-              <a:spcAft>
-                <a:spcPct val="0"/>
-              </a:spcAft>
-              <a:buClr>
-                <a:schemeClr val="bg2"/>
-              </a:buClr>
-              <a:buFont typeface="Times" panose="02020603050405020304" pitchFamily="18" charset="0"/>
-              <a:buChar char="•"/>
-              <a:defRPr sz="1200">
-                <a:solidFill>
-                  <a:schemeClr val="tx1"/>
-                </a:solidFill>
-                <a:latin typeface="Tahoma" panose="020B0604030504040204" pitchFamily="34" charset="0"/>
-                <a:ea typeface="ＭＳ Ｐゴシック" panose="020B0600070205080204" pitchFamily="34" charset="-128"/>
-              </a:defRPr>
-            </a:lvl9pPr>
-          </a:lstStyle>
-          <a:p>
-            <a:pPr>
-              <a:lnSpc>
-                <a:spcPct val="100000"/>
-              </a:lnSpc>
-              <a:buClrTx/>
-              <a:buFontTx/>
-              <a:buNone/>
-            </a:pPr>
-            <a:endParaRPr lang="nl-NL" altLang="nl-NL" sz="2400">
-              <a:latin typeface="Arial" panose="020B0604020202020204" pitchFamily="34" charset="0"/>
-            </a:endParaRPr>
-          </a:p>
-        </p:txBody>
-      </p:sp>
-      <p:sp>
-        <p:nvSpPr>
-          <p:cNvPr id="17411" name="Title 3"/>
+          <p:cNvPr id="2" name="Titel 1"/>
           <p:cNvSpPr>
             <a:spLocks noGrp="1"/>
           </p:cNvSpPr>
           <p:nvPr>
-            <p:ph type="ctrTitle"/>
+            <p:ph type="title"/>
           </p:nvPr>
         </p:nvSpPr>
-        <p:spPr>
-          <a:xfrm>
-            <a:off x="685800" y="2155825"/>
-            <a:ext cx="6799263" cy="646113"/>
-          </a:xfrm>
-        </p:spPr>
+        <p:spPr/>
         <p:txBody>
           <a:bodyPr/>
           <a:lstStyle/>
           <a:p>
-            <a:pPr marL="0" indent="0">
-              <a:defRPr/>
-            </a:pPr>
-            <a:r>
-              <a:rPr lang="en-US" altLang="nl-NL" dirty="0" smtClean="0">
-                <a:latin typeface="+mn-lt"/>
-              </a:rPr>
-              <a:t>Alarm</a:t>
-            </a:r>
-            <a:endParaRPr lang="en-US" altLang="nl-NL" dirty="0" smtClean="0">
-              <a:latin typeface="+mn-lt"/>
-            </a:endParaRPr>
-          </a:p>
-        </p:txBody>
-      </p:sp>
-      <p:sp>
-        <p:nvSpPr>
-          <p:cNvPr id="3076" name="Subtitle 4"/>
-          <p:cNvSpPr>
-            <a:spLocks noGrp="1"/>
-          </p:cNvSpPr>
-          <p:nvPr>
-            <p:ph type="subTitle" idx="1"/>
-          </p:nvPr>
-        </p:nvSpPr>
-        <p:spPr>
-          <a:xfrm>
-            <a:off x="693738" y="2862263"/>
-            <a:ext cx="6781800" cy="828675"/>
-          </a:xfrm>
-        </p:spPr>
-        <p:txBody>
-          <a:bodyPr/>
-          <a:lstStyle/>
-          <a:p>
-            <a:endParaRPr lang="en-US" altLang="nl-NL" dirty="0" smtClean="0">
-              <a:latin typeface="Tahoma" panose="020B0604030504040204" pitchFamily="34" charset="0"/>
-              <a:ea typeface="ＭＳ Ｐゴシック" panose="020B0600070205080204" pitchFamily="34" charset="-128"/>
-            </a:endParaRPr>
-          </a:p>
-        </p:txBody>
-      </p:sp>
-      <p:sp>
-        <p:nvSpPr>
-          <p:cNvPr id="7" name="Rectangle 20"/>
-          <p:cNvSpPr>
-            <a:spLocks noChangeArrowheads="1"/>
-          </p:cNvSpPr>
-          <p:nvPr/>
-        </p:nvSpPr>
-        <p:spPr bwMode="auto">
-          <a:xfrm>
-            <a:off x="0" y="0"/>
-            <a:ext cx="469900" cy="2057400"/>
-          </a:xfrm>
-          <a:prstGeom prst="rect">
-            <a:avLst/>
-          </a:prstGeom>
-          <a:solidFill>
-            <a:srgbClr val="00A6D6"/>
-          </a:solidFill>
-          <a:ln w="9525">
-            <a:noFill/>
-            <a:miter lim="800000"/>
-            <a:headEnd/>
-            <a:tailEnd/>
-          </a:ln>
-          <a:effectLst/>
-        </p:spPr>
-        <p:txBody>
-          <a:bodyPr wrap="none" anchor="ctr"/>
-          <a:lstStyle/>
-          <a:p>
-            <a:pPr algn="r">
-              <a:defRPr/>
-            </a:pPr>
-            <a:endParaRPr lang="nl-NL" sz="2200">
-              <a:cs typeface="+mn-cs"/>
-            </a:endParaRPr>
+            <a:r>
+              <a:rPr lang="nl-NL" dirty="0" smtClean="0"/>
+              <a:t>Alarm module</a:t>
+            </a:r>
+            <a:endParaRPr lang="nl-NL" dirty="0"/>
           </a:p>
         </p:txBody>
       </p:sp>
     </p:spTree>
+    <p:extLst>
+      <p:ext uri="{BB962C8B-B14F-4D97-AF65-F5344CB8AC3E}">
+        <p14:creationId xmlns:p14="http://schemas.microsoft.com/office/powerpoint/2010/main" val="359377231"/>
+      </p:ext>
+    </p:extLst>
   </p:cSld>
   <p:clrMapOvr>
     <a:masterClrMapping/>
   </p:clrMapOvr>
-  <p:timing>
-    <p:tnLst>
-      <p:par>
-        <p:cTn id="1" dur="indefinite" restart="never" nodeType="tmRoot"/>
-      </p:par>
-    </p:tnLst>
-  </p:timing>
 </p:sld>
 </file>
 
@@ -5297,10 +4986,6 @@
               </a:rPr>
               <a:t>FSM</a:t>
             </a:r>
-            <a:endParaRPr lang="nl-NL" altLang="nl-NL" dirty="0" smtClean="0">
-              <a:latin typeface="+mn-lt"/>
-              <a:ea typeface="ＭＳ Ｐゴシック" pitchFamily="34" charset="-128"/>
-            </a:endParaRPr>
           </a:p>
         </p:txBody>
       </p:sp>
